--- a/20241021_api_and_architecture/20241021_api_and_softwarearchitecture.pptx
+++ b/20241021_api_and_architecture/20241021_api_and_softwarearchitecture.pptx
@@ -5,10 +5,10 @@
     <p:sldMasterId id="2147483648" r:id="rId1"/>
   </p:sldMasterIdLst>
   <p:notesMasterIdLst>
-    <p:notesMasterId r:id="rId25"/>
+    <p:notesMasterId r:id="rId33"/>
   </p:notesMasterIdLst>
   <p:handoutMasterIdLst>
-    <p:handoutMasterId r:id="rId26"/>
+    <p:handoutMasterId r:id="rId34"/>
   </p:handoutMasterIdLst>
   <p:sldIdLst>
     <p:sldId id="273" r:id="rId2"/>
@@ -27,13 +27,21 @@
     <p:sldId id="1194" r:id="rId15"/>
     <p:sldId id="1179" r:id="rId16"/>
     <p:sldId id="1180" r:id="rId17"/>
-    <p:sldId id="1181" r:id="rId18"/>
-    <p:sldId id="1195" r:id="rId19"/>
-    <p:sldId id="1182" r:id="rId20"/>
-    <p:sldId id="1183" r:id="rId21"/>
-    <p:sldId id="1184" r:id="rId22"/>
-    <p:sldId id="1185" r:id="rId23"/>
-    <p:sldId id="1186" r:id="rId24"/>
+    <p:sldId id="1195" r:id="rId18"/>
+    <p:sldId id="1196" r:id="rId19"/>
+    <p:sldId id="1200" r:id="rId20"/>
+    <p:sldId id="1197" r:id="rId21"/>
+    <p:sldId id="1198" r:id="rId22"/>
+    <p:sldId id="1199" r:id="rId23"/>
+    <p:sldId id="1181" r:id="rId24"/>
+    <p:sldId id="1203" r:id="rId25"/>
+    <p:sldId id="1202" r:id="rId26"/>
+    <p:sldId id="1201" r:id="rId27"/>
+    <p:sldId id="1182" r:id="rId28"/>
+    <p:sldId id="1183" r:id="rId29"/>
+    <p:sldId id="1184" r:id="rId30"/>
+    <p:sldId id="1185" r:id="rId31"/>
+    <p:sldId id="1186" r:id="rId32"/>
   </p:sldIdLst>
   <p:sldSz cx="12192000" cy="6858000"/>
   <p:notesSz cx="6858000" cy="9144000"/>
@@ -247,7 +255,7 @@
           <a:p>
             <a:fld id="{3DBDF0DE-9B2C-456A-81CE-ECB4922A2D02}" type="datetimeFigureOut">
               <a:rPr lang="de-DE" smtClean="0"/>
-              <a:t>24.10.2024</a:t>
+              <a:t>25.10.2024</a:t>
             </a:fld>
             <a:endParaRPr lang="de-DE"/>
           </a:p>
@@ -580,7 +588,7 @@
           <a:p>
             <a:fld id="{672A31F9-8E4B-4ED6-8272-3FF50063C297}" type="datetimeFigureOut">
               <a:rPr lang="de-DE" smtClean="0"/>
-              <a:t>24.10.2024</a:t>
+              <a:t>25.10.2024</a:t>
             </a:fld>
             <a:endParaRPr lang="de-DE"/>
           </a:p>
@@ -5564,8 +5572,8 @@
           </a:effectLst>
         </p:spPr>
       </p:pic>
-      <mc:AlternateContent xmlns:mc="http://schemas.openxmlformats.org/markup-compatibility/2006">
-        <mc:Choice xmlns:p14="http://schemas.microsoft.com/office/powerpoint/2010/main" Requires="p14">
+      <mc:AlternateContent xmlns:mc="http://schemas.openxmlformats.org/markup-compatibility/2006" xmlns:p14="http://schemas.microsoft.com/office/powerpoint/2010/main">
+        <mc:Choice Requires="p14">
           <p:contentPart p14:bwMode="auto" r:id="rId4">
             <p14:nvContentPartPr>
               <p14:cNvPr id="19" name="Freihand 18">
@@ -5584,7 +5592,7 @@
             </p14:xfrm>
           </p:contentPart>
         </mc:Choice>
-        <mc:Fallback>
+        <mc:Fallback xmlns="">
           <p:pic>
             <p:nvPicPr>
               <p:cNvPr id="19" name="Freihand 18">
@@ -5615,8 +5623,8 @@
           </p:pic>
         </mc:Fallback>
       </mc:AlternateContent>
-      <mc:AlternateContent xmlns:mc="http://schemas.openxmlformats.org/markup-compatibility/2006">
-        <mc:Choice xmlns:p14="http://schemas.microsoft.com/office/powerpoint/2010/main" Requires="p14">
+      <mc:AlternateContent xmlns:mc="http://schemas.openxmlformats.org/markup-compatibility/2006" xmlns:p14="http://schemas.microsoft.com/office/powerpoint/2010/main">
+        <mc:Choice Requires="p14">
           <p:contentPart p14:bwMode="auto" r:id="rId6">
             <p14:nvContentPartPr>
               <p14:cNvPr id="20" name="Freihand 19">
@@ -5635,7 +5643,7 @@
             </p14:xfrm>
           </p:contentPart>
         </mc:Choice>
-        <mc:Fallback>
+        <mc:Fallback xmlns="">
           <p:pic>
             <p:nvPicPr>
               <p:cNvPr id="20" name="Freihand 19">
@@ -5666,8 +5674,8 @@
           </p:pic>
         </mc:Fallback>
       </mc:AlternateContent>
-      <mc:AlternateContent xmlns:mc="http://schemas.openxmlformats.org/markup-compatibility/2006">
-        <mc:Choice xmlns:p14="http://schemas.microsoft.com/office/powerpoint/2010/main" Requires="p14">
+      <mc:AlternateContent xmlns:mc="http://schemas.openxmlformats.org/markup-compatibility/2006" xmlns:p14="http://schemas.microsoft.com/office/powerpoint/2010/main">
+        <mc:Choice Requires="p14">
           <p:contentPart p14:bwMode="auto" r:id="rId8">
             <p14:nvContentPartPr>
               <p14:cNvPr id="21" name="Freihand 20">
@@ -5686,7 +5694,7 @@
             </p14:xfrm>
           </p:contentPart>
         </mc:Choice>
-        <mc:Fallback>
+        <mc:Fallback xmlns="">
           <p:pic>
             <p:nvPicPr>
               <p:cNvPr id="21" name="Freihand 20">
@@ -5717,8 +5725,8 @@
           </p:pic>
         </mc:Fallback>
       </mc:AlternateContent>
-      <mc:AlternateContent xmlns:mc="http://schemas.openxmlformats.org/markup-compatibility/2006">
-        <mc:Choice xmlns:p14="http://schemas.microsoft.com/office/powerpoint/2010/main" Requires="p14">
+      <mc:AlternateContent xmlns:mc="http://schemas.openxmlformats.org/markup-compatibility/2006" xmlns:p14="http://schemas.microsoft.com/office/powerpoint/2010/main">
+        <mc:Choice Requires="p14">
           <p:contentPart p14:bwMode="auto" r:id="rId10">
             <p14:nvContentPartPr>
               <p14:cNvPr id="22" name="Freihand 21">
@@ -5737,7 +5745,7 @@
             </p14:xfrm>
           </p:contentPart>
         </mc:Choice>
-        <mc:Fallback>
+        <mc:Fallback xmlns="">
           <p:pic>
             <p:nvPicPr>
               <p:cNvPr id="22" name="Freihand 21">
@@ -5768,8 +5776,8 @@
           </p:pic>
         </mc:Fallback>
       </mc:AlternateContent>
-      <mc:AlternateContent xmlns:mc="http://schemas.openxmlformats.org/markup-compatibility/2006">
-        <mc:Choice xmlns:p14="http://schemas.microsoft.com/office/powerpoint/2010/main" Requires="p14">
+      <mc:AlternateContent xmlns:mc="http://schemas.openxmlformats.org/markup-compatibility/2006" xmlns:p14="http://schemas.microsoft.com/office/powerpoint/2010/main">
+        <mc:Choice Requires="p14">
           <p:contentPart p14:bwMode="auto" r:id="rId12">
             <p14:nvContentPartPr>
               <p14:cNvPr id="23" name="Freihand 22">
@@ -5788,7 +5796,7 @@
             </p14:xfrm>
           </p:contentPart>
         </mc:Choice>
-        <mc:Fallback>
+        <mc:Fallback xmlns="">
           <p:pic>
             <p:nvPicPr>
               <p:cNvPr id="23" name="Freihand 22">
@@ -5819,8 +5827,8 @@
           </p:pic>
         </mc:Fallback>
       </mc:AlternateContent>
-      <mc:AlternateContent xmlns:mc="http://schemas.openxmlformats.org/markup-compatibility/2006">
-        <mc:Choice xmlns:p14="http://schemas.microsoft.com/office/powerpoint/2010/main" Requires="p14">
+      <mc:AlternateContent xmlns:mc="http://schemas.openxmlformats.org/markup-compatibility/2006" xmlns:p14="http://schemas.microsoft.com/office/powerpoint/2010/main">
+        <mc:Choice Requires="p14">
           <p:contentPart p14:bwMode="auto" r:id="rId14">
             <p14:nvContentPartPr>
               <p14:cNvPr id="24" name="Freihand 23">
@@ -5839,7 +5847,7 @@
             </p14:xfrm>
           </p:contentPart>
         </mc:Choice>
-        <mc:Fallback>
+        <mc:Fallback xmlns="">
           <p:pic>
             <p:nvPicPr>
               <p:cNvPr id="24" name="Freihand 23">
@@ -9273,10 +9281,10 @@
       </p:sp>
       <p:sp>
         <p:nvSpPr>
-          <p:cNvPr id="8" name="Textfeld 8">
-            <a:extLst>
-              <a:ext uri="{FF2B5EF4-FFF2-40B4-BE49-F238E27FC236}">
-                <a16:creationId xmlns:a16="http://schemas.microsoft.com/office/drawing/2014/main" id="{D9E4E258-1090-7A70-DF51-176C4BD82FCB}"/>
+          <p:cNvPr id="2" name="Textfeld 1">
+            <a:extLst>
+              <a:ext uri="{FF2B5EF4-FFF2-40B4-BE49-F238E27FC236}">
+                <a16:creationId xmlns:a16="http://schemas.microsoft.com/office/drawing/2014/main" id="{9F0C3D08-334F-ACA0-B0FD-9F62D20D0211}"/>
               </a:ext>
             </a:extLst>
           </p:cNvPr>
@@ -9285,173 +9293,8 @@
         </p:nvSpPr>
         <p:spPr>
           <a:xfrm>
-            <a:off x="2504261" y="2276872"/>
-            <a:ext cx="5957406" cy="615553"/>
-          </a:xfrm>
-          <a:prstGeom prst="rect">
-            <a:avLst/>
-          </a:prstGeom>
-          <a:noFill/>
-        </p:spPr>
-        <p:txBody>
-          <a:bodyPr wrap="square" rtlCol="0">
-            <a:spAutoFit/>
-          </a:bodyPr>
-          <a:lstStyle>
-            <a:defPPr>
-              <a:defRPr lang="de-DE"/>
-            </a:defPPr>
-            <a:lvl1pPr marL="0" algn="l" defTabSz="914400" rtl="0" eaLnBrk="1" latinLnBrk="0" hangingPunct="1">
-              <a:defRPr sz="1800" kern="1200">
-                <a:solidFill>
-                  <a:schemeClr val="tx1"/>
-                </a:solidFill>
-                <a:latin typeface="+mn-lt"/>
-                <a:ea typeface="+mn-ea"/>
-                <a:cs typeface="+mn-cs"/>
-              </a:defRPr>
-            </a:lvl1pPr>
-            <a:lvl2pPr marL="457200" algn="l" defTabSz="914400" rtl="0" eaLnBrk="1" latinLnBrk="0" hangingPunct="1">
-              <a:defRPr sz="1800" kern="1200">
-                <a:solidFill>
-                  <a:schemeClr val="tx1"/>
-                </a:solidFill>
-                <a:latin typeface="+mn-lt"/>
-                <a:ea typeface="+mn-ea"/>
-                <a:cs typeface="+mn-cs"/>
-              </a:defRPr>
-            </a:lvl2pPr>
-            <a:lvl3pPr marL="914400" algn="l" defTabSz="914400" rtl="0" eaLnBrk="1" latinLnBrk="0" hangingPunct="1">
-              <a:defRPr sz="1800" kern="1200">
-                <a:solidFill>
-                  <a:schemeClr val="tx1"/>
-                </a:solidFill>
-                <a:latin typeface="+mn-lt"/>
-                <a:ea typeface="+mn-ea"/>
-                <a:cs typeface="+mn-cs"/>
-              </a:defRPr>
-            </a:lvl3pPr>
-            <a:lvl4pPr marL="1371600" algn="l" defTabSz="914400" rtl="0" eaLnBrk="1" latinLnBrk="0" hangingPunct="1">
-              <a:defRPr sz="1800" kern="1200">
-                <a:solidFill>
-                  <a:schemeClr val="tx1"/>
-                </a:solidFill>
-                <a:latin typeface="+mn-lt"/>
-                <a:ea typeface="+mn-ea"/>
-                <a:cs typeface="+mn-cs"/>
-              </a:defRPr>
-            </a:lvl4pPr>
-            <a:lvl5pPr marL="1828800" algn="l" defTabSz="914400" rtl="0" eaLnBrk="1" latinLnBrk="0" hangingPunct="1">
-              <a:defRPr sz="1800" kern="1200">
-                <a:solidFill>
-                  <a:schemeClr val="tx1"/>
-                </a:solidFill>
-                <a:latin typeface="+mn-lt"/>
-                <a:ea typeface="+mn-ea"/>
-                <a:cs typeface="+mn-cs"/>
-              </a:defRPr>
-            </a:lvl5pPr>
-            <a:lvl6pPr marL="2286000" algn="l" defTabSz="914400" rtl="0" eaLnBrk="1" latinLnBrk="0" hangingPunct="1">
-              <a:defRPr sz="1800" kern="1200">
-                <a:solidFill>
-                  <a:schemeClr val="tx1"/>
-                </a:solidFill>
-                <a:latin typeface="+mn-lt"/>
-                <a:ea typeface="+mn-ea"/>
-                <a:cs typeface="+mn-cs"/>
-              </a:defRPr>
-            </a:lvl6pPr>
-            <a:lvl7pPr marL="2743200" algn="l" defTabSz="914400" rtl="0" eaLnBrk="1" latinLnBrk="0" hangingPunct="1">
-              <a:defRPr sz="1800" kern="1200">
-                <a:solidFill>
-                  <a:schemeClr val="tx1"/>
-                </a:solidFill>
-                <a:latin typeface="+mn-lt"/>
-                <a:ea typeface="+mn-ea"/>
-                <a:cs typeface="+mn-cs"/>
-              </a:defRPr>
-            </a:lvl7pPr>
-            <a:lvl8pPr marL="3200400" algn="l" defTabSz="914400" rtl="0" eaLnBrk="1" latinLnBrk="0" hangingPunct="1">
-              <a:defRPr sz="1800" kern="1200">
-                <a:solidFill>
-                  <a:schemeClr val="tx1"/>
-                </a:solidFill>
-                <a:latin typeface="+mn-lt"/>
-                <a:ea typeface="+mn-ea"/>
-                <a:cs typeface="+mn-cs"/>
-              </a:defRPr>
-            </a:lvl8pPr>
-            <a:lvl9pPr marL="3657600" algn="l" defTabSz="914400" rtl="0" eaLnBrk="1" latinLnBrk="0" hangingPunct="1">
-              <a:defRPr sz="1800" kern="1200">
-                <a:solidFill>
-                  <a:schemeClr val="tx1"/>
-                </a:solidFill>
-                <a:latin typeface="+mn-lt"/>
-                <a:ea typeface="+mn-ea"/>
-                <a:cs typeface="+mn-cs"/>
-              </a:defRPr>
-            </a:lvl9pPr>
-          </a:lstStyle>
-          <a:p>
-            <a:pPr marL="285750" indent="-285750">
-              <a:buFont typeface="Arial" panose="020B0604020202020204" pitchFamily="34" charset="0"/>
-              <a:buChar char="•"/>
-            </a:pPr>
-            <a:r>
-              <a:rPr lang="de-DE" sz="1600" dirty="0"/>
-              <a:t>OPEN API and </a:t>
-            </a:r>
-            <a:r>
-              <a:rPr lang="de-DE" sz="1600" dirty="0" err="1"/>
-              <a:t>what</a:t>
-            </a:r>
-            <a:r>
-              <a:rPr lang="de-DE" sz="1600" dirty="0"/>
-              <a:t> </a:t>
-            </a:r>
-            <a:r>
-              <a:rPr lang="de-DE" sz="1600" dirty="0" err="1"/>
-              <a:t>are</a:t>
-            </a:r>
-            <a:r>
-              <a:rPr lang="de-DE" sz="1600" dirty="0"/>
-              <a:t> </a:t>
-            </a:r>
-            <a:r>
-              <a:rPr lang="de-DE" sz="1600" dirty="0" err="1"/>
-              <a:t>the</a:t>
-            </a:r>
-            <a:r>
-              <a:rPr lang="de-DE" sz="1600" dirty="0"/>
-              <a:t> </a:t>
-            </a:r>
-            <a:r>
-              <a:rPr lang="de-DE" sz="1600" dirty="0" err="1"/>
-              <a:t>benefits</a:t>
-            </a:r>
-            <a:endParaRPr lang="de-DE" sz="1600" dirty="0"/>
-          </a:p>
-          <a:p>
-            <a:endParaRPr lang="de-DE" dirty="0"/>
-          </a:p>
-        </p:txBody>
-      </p:sp>
-      <p:sp>
-        <p:nvSpPr>
-          <p:cNvPr id="15" name="Textfeld 14">
-            <a:extLst>
-              <a:ext uri="{FF2B5EF4-FFF2-40B4-BE49-F238E27FC236}">
-                <a16:creationId xmlns:a16="http://schemas.microsoft.com/office/drawing/2014/main" id="{D19EC54F-12A9-7F99-BB27-335252FE8020}"/>
-              </a:ext>
-            </a:extLst>
-          </p:cNvPr>
-          <p:cNvSpPr txBox="1"/>
-          <p:nvPr/>
-        </p:nvSpPr>
-        <p:spPr>
-          <a:xfrm>
-            <a:off x="4583832" y="6003586"/>
-            <a:ext cx="1798265" cy="276999"/>
+            <a:off x="4199" y="5981217"/>
+            <a:ext cx="12187802" cy="276999"/>
           </a:xfrm>
           <a:prstGeom prst="rect">
             <a:avLst/>
@@ -9465,32 +9308,644 @@
           <a:lstStyle/>
           <a:p>
             <a:r>
-              <a:rPr lang="de-DE" sz="1200" i="1" dirty="0" err="1"/>
-              <a:t>Inner</a:t>
-            </a:r>
-            <a:r>
-              <a:rPr lang="de-DE" sz="1200" i="1" dirty="0"/>
+              <a:rPr lang="en-US" sz="1200" dirty="0">
+                <a:latin typeface="ArialMT"/>
+              </a:rPr>
+              <a:t>M. Amundsen</a:t>
+            </a:r>
+            <a:r>
+              <a:rPr lang="en-US" sz="1200" b="0" i="0" u="none" strike="noStrike" baseline="0" dirty="0">
+                <a:latin typeface="ArialMT"/>
+              </a:rPr>
+              <a:t>, Design and Build Great Web APIs, </a:t>
+            </a:r>
+            <a:r>
+              <a:rPr lang="en-US" sz="1200" b="1" i="0" u="none" strike="noStrike" baseline="0" dirty="0">
+                <a:latin typeface="ArialMT"/>
+              </a:rPr>
+              <a:t>20</a:t>
+            </a:r>
+            <a:r>
+              <a:rPr lang="en-US" sz="1200" b="1" dirty="0">
+                <a:latin typeface="ArialMT"/>
+              </a:rPr>
+              <a:t>20</a:t>
+            </a:r>
+            <a:endParaRPr lang="de-DE" sz="1200" i="1" baseline="30000" dirty="0"/>
+          </a:p>
+        </p:txBody>
+      </p:sp>
+      <p:sp>
+        <p:nvSpPr>
+          <p:cNvPr id="4" name="Textfeld 3">
+            <a:extLst>
+              <a:ext uri="{FF2B5EF4-FFF2-40B4-BE49-F238E27FC236}">
+                <a16:creationId xmlns:a16="http://schemas.microsoft.com/office/drawing/2014/main" id="{B5991EFF-D116-FBF9-4AF0-87ABF939FD6C}"/>
+              </a:ext>
+            </a:extLst>
+          </p:cNvPr>
+          <p:cNvSpPr txBox="1"/>
+          <p:nvPr/>
+        </p:nvSpPr>
+        <p:spPr>
+          <a:xfrm>
+            <a:off x="-1" y="5704218"/>
+            <a:ext cx="12187802" cy="276999"/>
+          </a:xfrm>
+          <a:prstGeom prst="rect">
+            <a:avLst/>
+          </a:prstGeom>
+          <a:noFill/>
+        </p:spPr>
+        <p:txBody>
+          <a:bodyPr wrap="square">
+            <a:spAutoFit/>
+          </a:bodyPr>
+          <a:lstStyle/>
+          <a:p>
+            <a:r>
+              <a:rPr lang="en-US" sz="1200" dirty="0">
+                <a:latin typeface="ArialMT"/>
+              </a:rPr>
+              <a:t>R. Fielding</a:t>
+            </a:r>
+            <a:r>
+              <a:rPr lang="en-US" sz="1200" b="0" i="0" u="none" strike="noStrike" baseline="0" dirty="0">
+                <a:latin typeface="ArialMT"/>
+              </a:rPr>
+              <a:t>, </a:t>
+            </a:r>
+            <a:r>
+              <a:rPr lang="en-US" sz="1200" i="1" dirty="0">
+                <a:latin typeface="ArialMT"/>
+              </a:rPr>
+              <a:t>Architectural Styles and the Design of Network-based Software Architectures</a:t>
+            </a:r>
+            <a:r>
+              <a:rPr lang="en-US" sz="1200" b="0" i="0" u="none" strike="noStrike" baseline="0" dirty="0">
+                <a:latin typeface="ArialMT"/>
+              </a:rPr>
+              <a:t>,</a:t>
+            </a:r>
+            <a:r>
+              <a:rPr lang="en-US" sz="1200" b="1" i="0" u="none" strike="noStrike" baseline="0" dirty="0">
+                <a:latin typeface="ArialMT"/>
+              </a:rPr>
+              <a:t>2000</a:t>
+            </a:r>
+            <a:endParaRPr lang="de-DE" sz="1200" i="1" baseline="30000" dirty="0"/>
+          </a:p>
+        </p:txBody>
+      </p:sp>
+      <p:pic>
+        <p:nvPicPr>
+          <p:cNvPr id="7" name="Grafik 6">
+            <a:extLst>
+              <a:ext uri="{FF2B5EF4-FFF2-40B4-BE49-F238E27FC236}">
+                <a16:creationId xmlns:a16="http://schemas.microsoft.com/office/drawing/2014/main" id="{82A7A1F6-C974-421C-24B4-90242B2FC1BC}"/>
+              </a:ext>
+            </a:extLst>
+          </p:cNvPr>
+          <p:cNvPicPr>
+            <a:picLocks noChangeAspect="1"/>
+          </p:cNvPicPr>
+          <p:nvPr/>
+        </p:nvPicPr>
+        <p:blipFill>
+          <a:blip r:embed="rId2"/>
+          <a:stretch>
+            <a:fillRect/>
+          </a:stretch>
+        </p:blipFill>
+        <p:spPr>
+          <a:xfrm>
+            <a:off x="335360" y="1268759"/>
+            <a:ext cx="3384376" cy="1889963"/>
+          </a:xfrm>
+          <a:prstGeom prst="rect">
+            <a:avLst/>
+          </a:prstGeom>
+        </p:spPr>
+      </p:pic>
+      <p:sp>
+        <p:nvSpPr>
+          <p:cNvPr id="11" name="Textfeld 10">
+            <a:extLst>
+              <a:ext uri="{FF2B5EF4-FFF2-40B4-BE49-F238E27FC236}">
+                <a16:creationId xmlns:a16="http://schemas.microsoft.com/office/drawing/2014/main" id="{B4E8F605-457D-A3E2-2087-F7C6A4B5FE3A}"/>
+              </a:ext>
+            </a:extLst>
+          </p:cNvPr>
+          <p:cNvSpPr txBox="1"/>
+          <p:nvPr/>
+        </p:nvSpPr>
+        <p:spPr>
+          <a:xfrm>
+            <a:off x="709433" y="3202656"/>
+            <a:ext cx="2402709" cy="369332"/>
+          </a:xfrm>
+          <a:prstGeom prst="rect">
+            <a:avLst/>
+          </a:prstGeom>
+          <a:noFill/>
+        </p:spPr>
+        <p:txBody>
+          <a:bodyPr wrap="none" rtlCol="0">
+            <a:spAutoFit/>
+          </a:bodyPr>
+          <a:lstStyle/>
+          <a:p>
+            <a:r>
+              <a:rPr lang="de-DE" b="1" dirty="0"/>
+              <a:t>Set </a:t>
+            </a:r>
+            <a:r>
+              <a:rPr lang="de-DE" b="1" dirty="0" err="1"/>
+              <a:t>of</a:t>
+            </a:r>
+            <a:r>
+              <a:rPr lang="de-DE" b="1" dirty="0"/>
               <a:t> </a:t>
             </a:r>
             <a:r>
-              <a:rPr lang="de-DE" sz="1200" i="1" dirty="0" err="1"/>
-              <a:t>german</a:t>
-            </a:r>
-            <a:r>
-              <a:rPr lang="de-DE" sz="1200" i="1" dirty="0"/>
+              <a:rPr lang="de-DE" b="1" dirty="0" err="1"/>
+              <a:t>rules</a:t>
+            </a:r>
+            <a:r>
+              <a:rPr lang="de-DE" b="1" dirty="0"/>
+              <a:t>/</a:t>
+            </a:r>
+            <a:r>
+              <a:rPr lang="de-DE" b="1" dirty="0" err="1"/>
+              <a:t>constraints</a:t>
+            </a:r>
+            <a:endParaRPr lang="de-DE" b="1" dirty="0"/>
+          </a:p>
+        </p:txBody>
+      </p:sp>
+      <p:sp>
+        <p:nvSpPr>
+          <p:cNvPr id="12" name="Textfeld 11">
+            <a:extLst>
+              <a:ext uri="{FF2B5EF4-FFF2-40B4-BE49-F238E27FC236}">
+                <a16:creationId xmlns:a16="http://schemas.microsoft.com/office/drawing/2014/main" id="{4B87E9D1-3A7F-2918-8272-AA11C5B081E1}"/>
+              </a:ext>
+            </a:extLst>
+          </p:cNvPr>
+          <p:cNvSpPr txBox="1"/>
+          <p:nvPr/>
+        </p:nvSpPr>
+        <p:spPr>
+          <a:xfrm>
+            <a:off x="479376" y="3582439"/>
+            <a:ext cx="3312368" cy="1569660"/>
+          </a:xfrm>
+          <a:prstGeom prst="rect">
+            <a:avLst/>
+          </a:prstGeom>
+          <a:noFill/>
+        </p:spPr>
+        <p:txBody>
+          <a:bodyPr wrap="square" rtlCol="0">
+            <a:spAutoFit/>
+          </a:bodyPr>
+          <a:lstStyle/>
+          <a:p>
+            <a:pPr marL="742950" lvl="1" indent="-285750">
+              <a:buFont typeface="Arial" panose="020B0604020202020204" pitchFamily="34" charset="0"/>
+              <a:buChar char="•"/>
+            </a:pPr>
+            <a:r>
+              <a:rPr lang="de-DE" sz="1600" b="0" i="0" u="none" strike="noStrike" baseline="0" dirty="0">
+                <a:solidFill>
+                  <a:schemeClr val="bg1">
+                    <a:lumMod val="65000"/>
+                  </a:schemeClr>
+                </a:solidFill>
+                <a:latin typeface="BookmanStd-Light"/>
+              </a:rPr>
+              <a:t>Client-server</a:t>
+            </a:r>
+          </a:p>
+          <a:p>
+            <a:pPr marL="742950" lvl="1" indent="-285750">
+              <a:buFont typeface="Arial" panose="020B0604020202020204" pitchFamily="34" charset="0"/>
+              <a:buChar char="•"/>
+            </a:pPr>
+            <a:r>
+              <a:rPr lang="de-DE" sz="1600" b="1" i="0" u="none" strike="noStrike" baseline="0" dirty="0" err="1">
+                <a:latin typeface="BookmanStd-Light"/>
+              </a:rPr>
+              <a:t>Stateless</a:t>
+            </a:r>
+            <a:r>
+              <a:rPr lang="de-DE" sz="1600" b="1" i="0" u="none" strike="noStrike" baseline="0" dirty="0">
+                <a:latin typeface="BookmanStd-Light"/>
+              </a:rPr>
               <a:t> </a:t>
             </a:r>
             <a:r>
-              <a:rPr lang="de-DE" sz="1200" i="1" dirty="0" err="1"/>
-              <a:t>border</a:t>
-            </a:r>
-            <a:r>
-              <a:rPr lang="de-DE" sz="1200" i="1" dirty="0"/>
-              <a:t>  </a:t>
-            </a:r>
-            <a:r>
-              <a:rPr lang="de-DE" sz="1200" i="1" baseline="30000" dirty="0"/>
-              <a:t>[4]</a:t>
+              <a:rPr lang="de-DE" sz="1600" b="1" i="0" u="none" strike="noStrike" baseline="0" dirty="0" err="1">
+                <a:latin typeface="BookmanStd-Light"/>
+              </a:rPr>
+              <a:t>systems</a:t>
+            </a:r>
+            <a:endParaRPr lang="de-DE" sz="1600" b="1" dirty="0">
+              <a:latin typeface="BookmanStd-Light"/>
+            </a:endParaRPr>
+          </a:p>
+          <a:p>
+            <a:pPr marL="742950" lvl="1" indent="-285750">
+              <a:buFont typeface="Arial" panose="020B0604020202020204" pitchFamily="34" charset="0"/>
+              <a:buChar char="•"/>
+            </a:pPr>
+            <a:r>
+              <a:rPr lang="de-DE" sz="1600" b="0" i="0" u="none" strike="noStrike" baseline="0" dirty="0">
+                <a:solidFill>
+                  <a:schemeClr val="bg1">
+                    <a:lumMod val="65000"/>
+                  </a:schemeClr>
+                </a:solidFill>
+                <a:latin typeface="BookmanStd-Light"/>
+              </a:rPr>
+              <a:t>Cache</a:t>
+            </a:r>
+          </a:p>
+          <a:p>
+            <a:pPr marL="742950" lvl="1" indent="-285750">
+              <a:buFont typeface="Arial" panose="020B0604020202020204" pitchFamily="34" charset="0"/>
+              <a:buChar char="•"/>
+            </a:pPr>
+            <a:r>
+              <a:rPr lang="de-DE" sz="1600" b="1" i="0" u="none" strike="noStrike" baseline="0" dirty="0">
+                <a:latin typeface="BookmanStd-Light"/>
+              </a:rPr>
+              <a:t>Uniform interface</a:t>
+            </a:r>
+            <a:endParaRPr lang="de-DE" sz="1600" b="1" dirty="0">
+              <a:latin typeface="BookmanStd-Light"/>
+            </a:endParaRPr>
+          </a:p>
+          <a:p>
+            <a:pPr marL="742950" lvl="1" indent="-285750">
+              <a:buFont typeface="Arial" panose="020B0604020202020204" pitchFamily="34" charset="0"/>
+              <a:buChar char="•"/>
+            </a:pPr>
+            <a:r>
+              <a:rPr lang="de-DE" sz="1600" b="0" i="0" u="none" strike="noStrike" baseline="0" dirty="0" err="1">
+                <a:solidFill>
+                  <a:schemeClr val="bg1">
+                    <a:lumMod val="65000"/>
+                  </a:schemeClr>
+                </a:solidFill>
+                <a:latin typeface="BookmanStd-Light"/>
+              </a:rPr>
+              <a:t>Layered</a:t>
+            </a:r>
+            <a:r>
+              <a:rPr lang="de-DE" sz="1600" b="0" i="0" u="none" strike="noStrike" baseline="0" dirty="0">
+                <a:solidFill>
+                  <a:schemeClr val="bg1">
+                    <a:lumMod val="65000"/>
+                  </a:schemeClr>
+                </a:solidFill>
+                <a:latin typeface="BookmanStd-Light"/>
+              </a:rPr>
+              <a:t> </a:t>
+            </a:r>
+            <a:r>
+              <a:rPr lang="de-DE" sz="1600" b="0" i="0" u="none" strike="noStrike" baseline="0" dirty="0" err="1">
+                <a:solidFill>
+                  <a:schemeClr val="bg1">
+                    <a:lumMod val="65000"/>
+                  </a:schemeClr>
+                </a:solidFill>
+                <a:latin typeface="BookmanStd-Light"/>
+              </a:rPr>
+              <a:t>system</a:t>
+            </a:r>
+            <a:endParaRPr lang="de-DE" sz="1600" b="0" i="0" u="none" strike="noStrike" baseline="0" dirty="0">
+              <a:solidFill>
+                <a:schemeClr val="bg1">
+                  <a:lumMod val="65000"/>
+                </a:schemeClr>
+              </a:solidFill>
+              <a:latin typeface="BookmanStd-Light"/>
+            </a:endParaRPr>
+          </a:p>
+          <a:p>
+            <a:pPr marL="742950" lvl="1" indent="-285750">
+              <a:buFont typeface="Arial" panose="020B0604020202020204" pitchFamily="34" charset="0"/>
+              <a:buChar char="•"/>
+            </a:pPr>
+            <a:r>
+              <a:rPr lang="de-DE" sz="1600" b="1" i="1" u="none" strike="noStrike" baseline="0" dirty="0">
+                <a:latin typeface="BookmanStd-Light"/>
+              </a:rPr>
+              <a:t>Code on </a:t>
+            </a:r>
+            <a:r>
+              <a:rPr lang="de-DE" sz="1600" b="1" i="1" u="none" strike="noStrike" baseline="0" dirty="0" err="1">
+                <a:latin typeface="BookmanStd-Light"/>
+              </a:rPr>
+              <a:t>demand</a:t>
+            </a:r>
+            <a:endParaRPr lang="de-DE" sz="1600" b="1" i="1" dirty="0"/>
+          </a:p>
+        </p:txBody>
+      </p:sp>
+      <p:sp>
+        <p:nvSpPr>
+          <p:cNvPr id="13" name="Textfeld 12">
+            <a:extLst>
+              <a:ext uri="{FF2B5EF4-FFF2-40B4-BE49-F238E27FC236}">
+                <a16:creationId xmlns:a16="http://schemas.microsoft.com/office/drawing/2014/main" id="{E897ABC2-62EB-20AF-07FB-26446B057264}"/>
+              </a:ext>
+            </a:extLst>
+          </p:cNvPr>
+          <p:cNvSpPr txBox="1"/>
+          <p:nvPr/>
+        </p:nvSpPr>
+        <p:spPr>
+          <a:xfrm>
+            <a:off x="4511824" y="1185720"/>
+            <a:ext cx="5544616" cy="830997"/>
+          </a:xfrm>
+          <a:prstGeom prst="rect">
+            <a:avLst/>
+          </a:prstGeom>
+          <a:noFill/>
+        </p:spPr>
+        <p:txBody>
+          <a:bodyPr wrap="square" rtlCol="0">
+            <a:spAutoFit/>
+          </a:bodyPr>
+          <a:lstStyle/>
+          <a:p>
+            <a:r>
+              <a:rPr lang="en-US" sz="2400" b="1" dirty="0"/>
+              <a:t>REST</a:t>
+            </a:r>
+            <a:r>
+              <a:rPr lang="en-US" sz="2400" dirty="0"/>
+              <a:t> : </a:t>
+            </a:r>
+            <a:r>
+              <a:rPr lang="de-DE" sz="2400" b="0" i="0" u="none" strike="noStrike" baseline="0" dirty="0" err="1">
+                <a:latin typeface="BookmanStd-Light"/>
+              </a:rPr>
+              <a:t>Representational</a:t>
+            </a:r>
+            <a:r>
+              <a:rPr lang="de-DE" sz="2400" b="0" i="0" u="none" strike="noStrike" baseline="0" dirty="0">
+                <a:latin typeface="BookmanStd-Light"/>
+              </a:rPr>
+              <a:t> State Transfer</a:t>
+            </a:r>
+            <a:endParaRPr lang="en-US" sz="2400" b="1" dirty="0"/>
+          </a:p>
+          <a:p>
+            <a:endParaRPr lang="de-DE" sz="2400" dirty="0"/>
+          </a:p>
+        </p:txBody>
+      </p:sp>
+      <p:sp>
+        <p:nvSpPr>
+          <p:cNvPr id="14" name="Textfeld 13">
+            <a:extLst>
+              <a:ext uri="{FF2B5EF4-FFF2-40B4-BE49-F238E27FC236}">
+                <a16:creationId xmlns:a16="http://schemas.microsoft.com/office/drawing/2014/main" id="{B93F8A52-FC85-2DC3-AE82-0391FA9A0F5B}"/>
+              </a:ext>
+            </a:extLst>
+          </p:cNvPr>
+          <p:cNvSpPr txBox="1"/>
+          <p:nvPr/>
+        </p:nvSpPr>
+        <p:spPr>
+          <a:xfrm>
+            <a:off x="4517641" y="1802437"/>
+            <a:ext cx="4874027" cy="584775"/>
+          </a:xfrm>
+          <a:prstGeom prst="rect">
+            <a:avLst/>
+          </a:prstGeom>
+          <a:noFill/>
+        </p:spPr>
+        <p:txBody>
+          <a:bodyPr wrap="none" rtlCol="0">
+            <a:spAutoFit/>
+          </a:bodyPr>
+          <a:lstStyle/>
+          <a:p>
+            <a:r>
+              <a:rPr lang="en-US" sz="1600" dirty="0"/>
+              <a:t>Not a standard or protocol, like HTTP but more of a style</a:t>
+            </a:r>
+          </a:p>
+          <a:p>
+            <a:endParaRPr lang="de-DE" sz="1600" dirty="0"/>
+          </a:p>
+        </p:txBody>
+      </p:sp>
+      <p:sp>
+        <p:nvSpPr>
+          <p:cNvPr id="16" name="Textfeld 15">
+            <a:extLst>
+              <a:ext uri="{FF2B5EF4-FFF2-40B4-BE49-F238E27FC236}">
+                <a16:creationId xmlns:a16="http://schemas.microsoft.com/office/drawing/2014/main" id="{E76D4817-59AB-D90C-DB87-22AC0B3E7C03}"/>
+              </a:ext>
+            </a:extLst>
+          </p:cNvPr>
+          <p:cNvSpPr txBox="1"/>
+          <p:nvPr/>
+        </p:nvSpPr>
+        <p:spPr>
+          <a:xfrm>
+            <a:off x="4972762" y="2789390"/>
+            <a:ext cx="5201937" cy="369332"/>
+          </a:xfrm>
+          <a:prstGeom prst="rect">
+            <a:avLst/>
+          </a:prstGeom>
+          <a:noFill/>
+        </p:spPr>
+        <p:txBody>
+          <a:bodyPr wrap="none" rtlCol="0">
+            <a:spAutoFit/>
+          </a:bodyPr>
+          <a:lstStyle/>
+          <a:p>
+            <a:r>
+              <a:rPr lang="de-DE" b="1" dirty="0"/>
+              <a:t>Protocol</a:t>
+            </a:r>
+            <a:r>
+              <a:rPr lang="de-DE" dirty="0"/>
+              <a:t>: </a:t>
+            </a:r>
+            <a:r>
+              <a:rPr lang="en-US" dirty="0"/>
+              <a:t>Not strictly defined but in practice 99% http</a:t>
+            </a:r>
+            <a:endParaRPr lang="de-DE" dirty="0"/>
+          </a:p>
+        </p:txBody>
+      </p:sp>
+      <p:sp>
+        <p:nvSpPr>
+          <p:cNvPr id="17" name="Textfeld 16">
+            <a:extLst>
+              <a:ext uri="{FF2B5EF4-FFF2-40B4-BE49-F238E27FC236}">
+                <a16:creationId xmlns:a16="http://schemas.microsoft.com/office/drawing/2014/main" id="{7A07080D-C728-96C7-0EEF-73CA03AD5701}"/>
+              </a:ext>
+            </a:extLst>
+          </p:cNvPr>
+          <p:cNvSpPr txBox="1"/>
+          <p:nvPr/>
+        </p:nvSpPr>
+        <p:spPr>
+          <a:xfrm>
+            <a:off x="4972762" y="3492158"/>
+            <a:ext cx="3637534" cy="369332"/>
+          </a:xfrm>
+          <a:prstGeom prst="rect">
+            <a:avLst/>
+          </a:prstGeom>
+          <a:noFill/>
+        </p:spPr>
+        <p:txBody>
+          <a:bodyPr wrap="none" rtlCol="0">
+            <a:spAutoFit/>
+          </a:bodyPr>
+          <a:lstStyle/>
+          <a:p>
+            <a:r>
+              <a:rPr lang="de-DE" b="1" dirty="0"/>
+              <a:t>Domain</a:t>
+            </a:r>
+            <a:r>
+              <a:rPr lang="de-DE" dirty="0"/>
+              <a:t>: </a:t>
+            </a:r>
+            <a:r>
+              <a:rPr lang="en-US" dirty="0"/>
+              <a:t>domain specific resources </a:t>
+            </a:r>
+            <a:endParaRPr lang="de-DE" dirty="0"/>
+          </a:p>
+        </p:txBody>
+      </p:sp>
+      <p:sp>
+        <p:nvSpPr>
+          <p:cNvPr id="18" name="Textfeld 17">
+            <a:extLst>
+              <a:ext uri="{FF2B5EF4-FFF2-40B4-BE49-F238E27FC236}">
+                <a16:creationId xmlns:a16="http://schemas.microsoft.com/office/drawing/2014/main" id="{2E340D31-AD92-1787-F4EF-3AC0D0A0C76D}"/>
+              </a:ext>
+            </a:extLst>
+          </p:cNvPr>
+          <p:cNvSpPr txBox="1"/>
+          <p:nvPr/>
+        </p:nvSpPr>
+        <p:spPr>
+          <a:xfrm>
+            <a:off x="4972762" y="4157134"/>
+            <a:ext cx="6287683" cy="369332"/>
+          </a:xfrm>
+          <a:prstGeom prst="rect">
+            <a:avLst/>
+          </a:prstGeom>
+          <a:noFill/>
+        </p:spPr>
+        <p:txBody>
+          <a:bodyPr wrap="none" rtlCol="0">
+            <a:spAutoFit/>
+          </a:bodyPr>
+          <a:lstStyle/>
+          <a:p>
+            <a:r>
+              <a:rPr lang="de-DE" b="1" dirty="0" err="1"/>
+              <a:t>Signature</a:t>
+            </a:r>
+            <a:r>
+              <a:rPr lang="de-DE" dirty="0"/>
+              <a:t>: </a:t>
+            </a:r>
+            <a:r>
+              <a:rPr lang="en-US" dirty="0"/>
+              <a:t>Query parameters, server </a:t>
+            </a:r>
+            <a:r>
+              <a:rPr lang="en-US" dirty="0" err="1"/>
+              <a:t>address+path</a:t>
+            </a:r>
+            <a:r>
+              <a:rPr lang="en-US" dirty="0"/>
+              <a:t> and Response</a:t>
+            </a:r>
+            <a:endParaRPr lang="de-DE" dirty="0"/>
+          </a:p>
+        </p:txBody>
+      </p:sp>
+      <p:sp>
+        <p:nvSpPr>
+          <p:cNvPr id="19" name="Textfeld 18">
+            <a:extLst>
+              <a:ext uri="{FF2B5EF4-FFF2-40B4-BE49-F238E27FC236}">
+                <a16:creationId xmlns:a16="http://schemas.microsoft.com/office/drawing/2014/main" id="{F0471602-B854-E649-2E23-BE27980B439B}"/>
+              </a:ext>
+            </a:extLst>
+          </p:cNvPr>
+          <p:cNvSpPr txBox="1"/>
+          <p:nvPr/>
+        </p:nvSpPr>
+        <p:spPr>
+          <a:xfrm>
+            <a:off x="7930692" y="5058827"/>
+            <a:ext cx="3311740" cy="369332"/>
+          </a:xfrm>
+          <a:prstGeom prst="rect">
+            <a:avLst/>
+          </a:prstGeom>
+          <a:noFill/>
+        </p:spPr>
+        <p:txBody>
+          <a:bodyPr wrap="none" rtlCol="0">
+            <a:spAutoFit/>
+          </a:bodyPr>
+          <a:lstStyle/>
+          <a:p>
+            <a:r>
+              <a:rPr lang="de-DE" dirty="0" err="1"/>
+              <a:t>There</a:t>
+            </a:r>
+            <a:r>
+              <a:rPr lang="de-DE" dirty="0"/>
+              <a:t> </a:t>
+            </a:r>
+            <a:r>
+              <a:rPr lang="de-DE" dirty="0" err="1"/>
+              <a:t>are</a:t>
+            </a:r>
+            <a:r>
+              <a:rPr lang="de-DE" dirty="0"/>
+              <a:t> different </a:t>
+            </a:r>
+            <a:r>
+              <a:rPr lang="de-DE" dirty="0" err="1"/>
+              <a:t>levels</a:t>
+            </a:r>
+            <a:r>
+              <a:rPr lang="de-DE" dirty="0"/>
+              <a:t> </a:t>
+            </a:r>
+            <a:r>
+              <a:rPr lang="de-DE" dirty="0" err="1"/>
+              <a:t>of</a:t>
+            </a:r>
+            <a:r>
+              <a:rPr lang="de-DE" dirty="0"/>
+              <a:t> REST</a:t>
             </a:r>
           </a:p>
         </p:txBody>
@@ -9547,25 +10002,10 @@
           <a:lstStyle/>
           <a:p>
             <a:r>
-              <a:rPr lang="de-DE" sz="2400" b="1" dirty="0"/>
-              <a:t>API - a </a:t>
-            </a:r>
-            <a:r>
-              <a:rPr lang="de-DE" sz="2400" b="1" dirty="0" err="1"/>
-              <a:t>practical</a:t>
-            </a:r>
-            <a:r>
-              <a:rPr lang="de-DE" sz="2400" b="1" dirty="0"/>
-              <a:t> </a:t>
-            </a:r>
-            <a:r>
-              <a:rPr lang="de-DE" sz="2400" b="1" dirty="0" err="1"/>
-              <a:t>way</a:t>
-            </a:r>
-            <a:r>
-              <a:rPr lang="de-DE" sz="2400" b="1" dirty="0"/>
-              <a:t> </a:t>
-            </a:r>
+              <a:rPr lang="en-US" sz="2400" b="1" dirty="0"/>
+              <a:t>REST – some (useful?) API design patterns </a:t>
+            </a:r>
+            <a:endParaRPr lang="de-DE" sz="2400" b="1" dirty="0"/>
           </a:p>
           <a:p>
             <a:endParaRPr lang="de-DE" dirty="0"/>
@@ -9620,8 +10060,8 @@
         </p:nvSpPr>
         <p:spPr>
           <a:xfrm>
-            <a:off x="2504261" y="2276872"/>
-            <a:ext cx="5957406" cy="615553"/>
+            <a:off x="407368" y="1702581"/>
+            <a:ext cx="5957406" cy="3816429"/>
           </a:xfrm>
           <a:prstGeom prst="rect">
             <a:avLst/>
@@ -9733,24 +10173,238 @@
               <a:buChar char="•"/>
             </a:pPr>
             <a:r>
+              <a:rPr lang="de-DE" sz="1600" b="1" dirty="0" err="1"/>
+              <a:t>Conformist</a:t>
+            </a:r>
+            <a:r>
+              <a:rPr lang="de-DE" sz="1600" b="1" dirty="0"/>
+              <a:t> </a:t>
+            </a:r>
+            <a:r>
+              <a:rPr lang="de-DE" sz="1600" b="1" dirty="0" err="1"/>
+              <a:t>pattern</a:t>
+            </a:r>
+            <a:r>
               <a:rPr lang="de-DE" sz="1600" dirty="0"/>
-              <a:t>Tipps </a:t>
+              <a:t>: </a:t>
+            </a:r>
+            <a:r>
+              <a:rPr lang="en-US" sz="1600" dirty="0"/>
+              <a:t>the upstream party defines the parameters and the protocol. The downstream party must implement those</a:t>
+            </a:r>
+          </a:p>
+          <a:p>
+            <a:endParaRPr lang="en-US" sz="1600" dirty="0"/>
+          </a:p>
+          <a:p>
+            <a:pPr marL="285750" indent="-285750">
+              <a:buFont typeface="Arial" panose="020B0604020202020204" pitchFamily="34" charset="0"/>
+              <a:buChar char="•"/>
+            </a:pPr>
+            <a:endParaRPr lang="en-US" sz="1600" dirty="0"/>
+          </a:p>
+          <a:p>
+            <a:pPr marL="285750" indent="-285750">
+              <a:buFont typeface="Arial" panose="020B0604020202020204" pitchFamily="34" charset="0"/>
+              <a:buChar char="•"/>
+            </a:pPr>
+            <a:r>
+              <a:rPr lang="en-US" sz="1600" b="1" dirty="0"/>
+              <a:t>Anti-Corruption Layer</a:t>
+            </a:r>
+            <a:r>
+              <a:rPr lang="en-US" sz="1600" dirty="0"/>
+              <a:t>: An adapter between the real API and the application </a:t>
             </a:r>
             <a:r>
               <a:rPr lang="de-DE" sz="1600" dirty="0" err="1"/>
-              <a:t>for</a:t>
+              <a:t>which</a:t>
             </a:r>
             <a:r>
               <a:rPr lang="de-DE" sz="1600" dirty="0"/>
-              <a:t> a </a:t>
+              <a:t> </a:t>
             </a:r>
             <a:r>
               <a:rPr lang="de-DE" sz="1600" dirty="0" err="1"/>
-              <a:t>good</a:t>
+              <a:t>uses</a:t>
             </a:r>
             <a:r>
               <a:rPr lang="de-DE" sz="1600" dirty="0"/>
-              <a:t> API design</a:t>
+              <a:t> </a:t>
+            </a:r>
+            <a:r>
+              <a:rPr lang="de-DE" sz="1600" dirty="0" err="1"/>
+              <a:t>the</a:t>
+            </a:r>
+            <a:r>
+              <a:rPr lang="de-DE" sz="1600" dirty="0"/>
+              <a:t> </a:t>
+            </a:r>
+            <a:r>
+              <a:rPr lang="de-DE" sz="1600" dirty="0" err="1"/>
+              <a:t>api</a:t>
+            </a:r>
+            <a:endParaRPr lang="de-DE" sz="1600" dirty="0"/>
+          </a:p>
+          <a:p>
+            <a:pPr marL="285750" indent="-285750">
+              <a:buFont typeface="Arial" panose="020B0604020202020204" pitchFamily="34" charset="0"/>
+              <a:buChar char="•"/>
+            </a:pPr>
+            <a:endParaRPr lang="de-DE" sz="1600" dirty="0"/>
+          </a:p>
+          <a:p>
+            <a:pPr marL="285750" indent="-285750">
+              <a:buFont typeface="Arial" panose="020B0604020202020204" pitchFamily="34" charset="0"/>
+              <a:buChar char="•"/>
+            </a:pPr>
+            <a:endParaRPr lang="de-DE" sz="1600" dirty="0"/>
+          </a:p>
+          <a:p>
+            <a:pPr marL="285750" indent="-285750">
+              <a:buFont typeface="Arial" panose="020B0604020202020204" pitchFamily="34" charset="0"/>
+              <a:buChar char="•"/>
+            </a:pPr>
+            <a:r>
+              <a:rPr lang="de-DE" sz="1600" b="1" dirty="0"/>
+              <a:t>Open Host Service: </a:t>
+            </a:r>
+            <a:r>
+              <a:rPr lang="en-US" sz="1600" dirty="0"/>
+              <a:t>One or more adapter between </a:t>
+            </a:r>
+            <a:r>
+              <a:rPr lang="de-DE" sz="1600" dirty="0" err="1"/>
+              <a:t>application</a:t>
+            </a:r>
+            <a:r>
+              <a:rPr lang="de-DE" sz="1600" dirty="0"/>
+              <a:t> and different </a:t>
+            </a:r>
+            <a:r>
+              <a:rPr lang="de-DE" sz="1600" dirty="0" err="1"/>
+              <a:t>variants</a:t>
+            </a:r>
+            <a:r>
+              <a:rPr lang="de-DE" sz="1600" dirty="0"/>
+              <a:t> </a:t>
+            </a:r>
+            <a:r>
+              <a:rPr lang="de-DE" sz="1600" dirty="0" err="1"/>
+              <a:t>of</a:t>
+            </a:r>
+            <a:r>
+              <a:rPr lang="de-DE" sz="1600" dirty="0"/>
+              <a:t> </a:t>
+            </a:r>
+            <a:r>
+              <a:rPr lang="de-DE" sz="1600" dirty="0" err="1"/>
+              <a:t>the</a:t>
+            </a:r>
+            <a:r>
+              <a:rPr lang="de-DE" sz="1600" dirty="0"/>
+              <a:t> API </a:t>
+            </a:r>
+            <a:r>
+              <a:rPr lang="de-DE" sz="1600" dirty="0" err="1"/>
+              <a:t>to</a:t>
+            </a:r>
+            <a:r>
+              <a:rPr lang="de-DE" sz="1600" dirty="0"/>
+              <a:t> customize </a:t>
+            </a:r>
+            <a:r>
+              <a:rPr lang="de-DE" sz="1600" dirty="0" err="1"/>
+              <a:t>them</a:t>
+            </a:r>
+            <a:endParaRPr lang="de-DE" sz="1600" dirty="0"/>
+          </a:p>
+          <a:p>
+            <a:pPr marL="285750" indent="-285750">
+              <a:buFont typeface="Arial" panose="020B0604020202020204" pitchFamily="34" charset="0"/>
+              <a:buChar char="•"/>
+            </a:pPr>
+            <a:endParaRPr lang="de-DE" sz="1600" dirty="0"/>
+          </a:p>
+          <a:p>
+            <a:pPr marL="285750" indent="-285750">
+              <a:buFont typeface="Arial" panose="020B0604020202020204" pitchFamily="34" charset="0"/>
+              <a:buChar char="•"/>
+            </a:pPr>
+            <a:endParaRPr lang="de-DE" sz="1600" dirty="0"/>
+          </a:p>
+          <a:p>
+            <a:pPr marL="285750" indent="-285750">
+              <a:buFont typeface="Arial" panose="020B0604020202020204" pitchFamily="34" charset="0"/>
+              <a:buChar char="•"/>
+            </a:pPr>
+            <a:r>
+              <a:rPr lang="de-DE" sz="1600" b="1" dirty="0" err="1"/>
+              <a:t>Shared</a:t>
+            </a:r>
+            <a:r>
+              <a:rPr lang="de-DE" sz="1600" b="1" dirty="0"/>
+              <a:t> Kernel: </a:t>
+            </a:r>
+            <a:r>
+              <a:rPr lang="de-DE" sz="1600" dirty="0"/>
+              <a:t>Upstream and Downstream </a:t>
+            </a:r>
+            <a:r>
+              <a:rPr lang="de-DE" sz="1600" dirty="0" err="1"/>
+              <a:t>share</a:t>
+            </a:r>
+            <a:r>
+              <a:rPr lang="de-DE" sz="1600" dirty="0"/>
+              <a:t> </a:t>
+            </a:r>
+            <a:r>
+              <a:rPr lang="de-DE" sz="1600" dirty="0" err="1"/>
+              <a:t>some</a:t>
+            </a:r>
+            <a:r>
+              <a:rPr lang="de-DE" sz="1600" dirty="0"/>
+              <a:t> </a:t>
+            </a:r>
+            <a:r>
+              <a:rPr lang="de-DE" sz="1600" dirty="0" err="1"/>
+              <a:t>pieces</a:t>
+            </a:r>
+            <a:r>
+              <a:rPr lang="de-DE" sz="1600" dirty="0"/>
+              <a:t> </a:t>
+            </a:r>
+            <a:r>
+              <a:rPr lang="de-DE" sz="1600" dirty="0" err="1"/>
+              <a:t>of</a:t>
+            </a:r>
+            <a:r>
+              <a:rPr lang="de-DE" sz="1600" dirty="0"/>
+              <a:t> </a:t>
+            </a:r>
+            <a:r>
+              <a:rPr lang="de-DE" sz="1600" dirty="0" err="1"/>
+              <a:t>the</a:t>
+            </a:r>
+            <a:r>
+              <a:rPr lang="de-DE" sz="1600" dirty="0"/>
+              <a:t> </a:t>
+            </a:r>
+            <a:r>
+              <a:rPr lang="de-DE" sz="1600" dirty="0" err="1"/>
+              <a:t>sourcecode</a:t>
+            </a:r>
+            <a:r>
+              <a:rPr lang="de-DE" sz="1600" dirty="0"/>
+              <a:t>(like </a:t>
+            </a:r>
+            <a:r>
+              <a:rPr lang="de-DE" sz="1600" dirty="0" err="1"/>
+              <a:t>datatypes</a:t>
+            </a:r>
+            <a:r>
+              <a:rPr lang="de-DE" sz="1600" dirty="0"/>
+              <a:t>)</a:t>
             </a:r>
           </a:p>
           <a:p>
@@ -9760,10 +10414,10 @@
       </p:sp>
       <p:sp>
         <p:nvSpPr>
-          <p:cNvPr id="15" name="Textfeld 14">
-            <a:extLst>
-              <a:ext uri="{FF2B5EF4-FFF2-40B4-BE49-F238E27FC236}">
-                <a16:creationId xmlns:a16="http://schemas.microsoft.com/office/drawing/2014/main" id="{D19EC54F-12A9-7F99-BB27-335252FE8020}"/>
+          <p:cNvPr id="4" name="Textfeld 3">
+            <a:extLst>
+              <a:ext uri="{FF2B5EF4-FFF2-40B4-BE49-F238E27FC236}">
+                <a16:creationId xmlns:a16="http://schemas.microsoft.com/office/drawing/2014/main" id="{DA383F34-CE91-0E53-30A2-ECCF39BCF64A}"/>
               </a:ext>
             </a:extLst>
           </p:cNvPr>
@@ -9772,8 +10426,8 @@
         </p:nvSpPr>
         <p:spPr>
           <a:xfrm>
-            <a:off x="4583832" y="6003586"/>
-            <a:ext cx="1798265" cy="276999"/>
+            <a:off x="4199" y="5981217"/>
+            <a:ext cx="12187802" cy="400110"/>
           </a:xfrm>
           <a:prstGeom prst="rect">
             <a:avLst/>
@@ -9787,40 +10441,47 @@
           <a:lstStyle/>
           <a:p>
             <a:r>
-              <a:rPr lang="de-DE" sz="1200" i="1" dirty="0" err="1"/>
-              <a:t>Inner</a:t>
-            </a:r>
-            <a:r>
-              <a:rPr lang="de-DE" sz="1200" i="1" dirty="0"/>
-              <a:t> </a:t>
-            </a:r>
-            <a:r>
-              <a:rPr lang="de-DE" sz="1200" i="1" dirty="0" err="1"/>
-              <a:t>german</a:t>
-            </a:r>
-            <a:r>
-              <a:rPr lang="de-DE" sz="1200" i="1" dirty="0"/>
-              <a:t> </a:t>
-            </a:r>
-            <a:r>
-              <a:rPr lang="de-DE" sz="1200" i="1" dirty="0" err="1"/>
-              <a:t>border</a:t>
-            </a:r>
-            <a:r>
-              <a:rPr lang="de-DE" sz="1200" i="1" dirty="0"/>
-              <a:t>  </a:t>
-            </a:r>
-            <a:r>
-              <a:rPr lang="de-DE" sz="1200" i="1" baseline="30000" dirty="0"/>
-              <a:t>[4]</a:t>
-            </a:r>
+              <a:rPr lang="en-US" sz="1200" b="0" i="0" u="none" strike="noStrike" baseline="0" dirty="0">
+                <a:latin typeface="ArialMT"/>
+              </a:rPr>
+              <a:t>G. Rhoden</a:t>
+            </a:r>
+            <a:r>
+              <a:rPr lang="en-US" sz="1200" i="1" u="none" strike="noStrike" baseline="0" dirty="0">
+                <a:latin typeface="ArialMT"/>
+              </a:rPr>
+              <a:t>, </a:t>
+            </a:r>
+            <a:r>
+              <a:rPr lang="en-US" sz="1200" i="1" dirty="0"/>
+              <a:t>API-Patterns: Shared Kernel, Anti-Corruption Layer &amp; Co. – </a:t>
+            </a:r>
+            <a:r>
+              <a:rPr lang="en-US" sz="1200" i="1" dirty="0" err="1"/>
+              <a:t>wie</a:t>
+            </a:r>
+            <a:r>
+              <a:rPr lang="en-US" sz="1200" i="1" dirty="0"/>
+              <a:t> bitte?! // Deutsch, </a:t>
+            </a:r>
+            <a:r>
+              <a:rPr lang="en-US" sz="1200" b="1" i="1" dirty="0"/>
+              <a:t>2024</a:t>
+            </a:r>
+            <a:r>
+              <a:rPr lang="en-US" sz="1200" i="1" dirty="0"/>
+              <a:t>, [https://www.youtube.com/watch?v=n47RSfeFIy8]</a:t>
+            </a:r>
+          </a:p>
+          <a:p>
+            <a:endParaRPr lang="de-DE" sz="1200" i="1" baseline="30000" dirty="0"/>
           </a:p>
         </p:txBody>
       </p:sp>
     </p:spTree>
     <p:extLst>
       <p:ext uri="{BB962C8B-B14F-4D97-AF65-F5344CB8AC3E}">
-        <p14:creationId xmlns:p14="http://schemas.microsoft.com/office/powerpoint/2010/main" val="2130259946"/>
+        <p14:creationId xmlns:p14="http://schemas.microsoft.com/office/powerpoint/2010/main" val="2229518336"/>
       </p:ext>
     </p:extLst>
   </p:cSld>
@@ -9869,13 +10530,17 @@
           <a:lstStyle/>
           <a:p>
             <a:r>
-              <a:rPr lang="en-US" sz="2400" b="1" dirty="0"/>
-              <a:t>REST – some (useful?) API design patterns </a:t>
-            </a:r>
-            <a:endParaRPr lang="de-DE" sz="2400" b="1" dirty="0"/>
-          </a:p>
-          <a:p>
-            <a:endParaRPr lang="de-DE" dirty="0"/>
+              <a:rPr lang="de-DE" sz="2400" b="1" dirty="0"/>
+              <a:t>API – REST </a:t>
+            </a:r>
+            <a:r>
+              <a:rPr lang="de-DE" sz="2400" b="1" dirty="0" err="1"/>
+              <a:t>Example</a:t>
+            </a:r>
+            <a:r>
+              <a:rPr lang="de-DE" sz="2400" b="1" dirty="0"/>
+              <a:t> - Browser</a:t>
+            </a:r>
           </a:p>
         </p:txBody>
       </p:sp>
@@ -9915,10 +10580,10 @@
       </p:sp>
       <p:sp>
         <p:nvSpPr>
-          <p:cNvPr id="8" name="Textfeld 8">
-            <a:extLst>
-              <a:ext uri="{FF2B5EF4-FFF2-40B4-BE49-F238E27FC236}">
-                <a16:creationId xmlns:a16="http://schemas.microsoft.com/office/drawing/2014/main" id="{D9E4E258-1090-7A70-DF51-176C4BD82FCB}"/>
+          <p:cNvPr id="6" name="Textfeld 5">
+            <a:extLst>
+              <a:ext uri="{FF2B5EF4-FFF2-40B4-BE49-F238E27FC236}">
+                <a16:creationId xmlns:a16="http://schemas.microsoft.com/office/drawing/2014/main" id="{C3357F99-F307-47AC-4D53-00106EB96FDB}"/>
               </a:ext>
             </a:extLst>
           </p:cNvPr>
@@ -9927,8 +10592,8 @@
         </p:nvSpPr>
         <p:spPr>
           <a:xfrm>
-            <a:off x="407368" y="1702581"/>
-            <a:ext cx="5957406" cy="3816429"/>
+            <a:off x="839416" y="1807334"/>
+            <a:ext cx="7846763" cy="369332"/>
           </a:xfrm>
           <a:prstGeom prst="rect">
             <a:avLst/>
@@ -9936,355 +10601,84 @@
           <a:noFill/>
         </p:spPr>
         <p:txBody>
-          <a:bodyPr wrap="square" rtlCol="0">
+          <a:bodyPr wrap="none" rtlCol="0">
             <a:spAutoFit/>
           </a:bodyPr>
-          <a:lstStyle>
-            <a:defPPr>
-              <a:defRPr lang="de-DE"/>
-            </a:defPPr>
-            <a:lvl1pPr marL="0" algn="l" defTabSz="914400" rtl="0" eaLnBrk="1" latinLnBrk="0" hangingPunct="1">
-              <a:defRPr sz="1800" kern="1200">
-                <a:solidFill>
-                  <a:schemeClr val="tx1"/>
-                </a:solidFill>
-                <a:latin typeface="+mn-lt"/>
-                <a:ea typeface="+mn-ea"/>
-                <a:cs typeface="+mn-cs"/>
-              </a:defRPr>
-            </a:lvl1pPr>
-            <a:lvl2pPr marL="457200" algn="l" defTabSz="914400" rtl="0" eaLnBrk="1" latinLnBrk="0" hangingPunct="1">
-              <a:defRPr sz="1800" kern="1200">
-                <a:solidFill>
-                  <a:schemeClr val="tx1"/>
-                </a:solidFill>
-                <a:latin typeface="+mn-lt"/>
-                <a:ea typeface="+mn-ea"/>
-                <a:cs typeface="+mn-cs"/>
-              </a:defRPr>
-            </a:lvl2pPr>
-            <a:lvl3pPr marL="914400" algn="l" defTabSz="914400" rtl="0" eaLnBrk="1" latinLnBrk="0" hangingPunct="1">
-              <a:defRPr sz="1800" kern="1200">
-                <a:solidFill>
-                  <a:schemeClr val="tx1"/>
-                </a:solidFill>
-                <a:latin typeface="+mn-lt"/>
-                <a:ea typeface="+mn-ea"/>
-                <a:cs typeface="+mn-cs"/>
-              </a:defRPr>
-            </a:lvl3pPr>
-            <a:lvl4pPr marL="1371600" algn="l" defTabSz="914400" rtl="0" eaLnBrk="1" latinLnBrk="0" hangingPunct="1">
-              <a:defRPr sz="1800" kern="1200">
-                <a:solidFill>
-                  <a:schemeClr val="tx1"/>
-                </a:solidFill>
-                <a:latin typeface="+mn-lt"/>
-                <a:ea typeface="+mn-ea"/>
-                <a:cs typeface="+mn-cs"/>
-              </a:defRPr>
-            </a:lvl4pPr>
-            <a:lvl5pPr marL="1828800" algn="l" defTabSz="914400" rtl="0" eaLnBrk="1" latinLnBrk="0" hangingPunct="1">
-              <a:defRPr sz="1800" kern="1200">
-                <a:solidFill>
-                  <a:schemeClr val="tx1"/>
-                </a:solidFill>
-                <a:latin typeface="+mn-lt"/>
-                <a:ea typeface="+mn-ea"/>
-                <a:cs typeface="+mn-cs"/>
-              </a:defRPr>
-            </a:lvl5pPr>
-            <a:lvl6pPr marL="2286000" algn="l" defTabSz="914400" rtl="0" eaLnBrk="1" latinLnBrk="0" hangingPunct="1">
-              <a:defRPr sz="1800" kern="1200">
-                <a:solidFill>
-                  <a:schemeClr val="tx1"/>
-                </a:solidFill>
-                <a:latin typeface="+mn-lt"/>
-                <a:ea typeface="+mn-ea"/>
-                <a:cs typeface="+mn-cs"/>
-              </a:defRPr>
-            </a:lvl6pPr>
-            <a:lvl7pPr marL="2743200" algn="l" defTabSz="914400" rtl="0" eaLnBrk="1" latinLnBrk="0" hangingPunct="1">
-              <a:defRPr sz="1800" kern="1200">
-                <a:solidFill>
-                  <a:schemeClr val="tx1"/>
-                </a:solidFill>
-                <a:latin typeface="+mn-lt"/>
-                <a:ea typeface="+mn-ea"/>
-                <a:cs typeface="+mn-cs"/>
-              </a:defRPr>
-            </a:lvl7pPr>
-            <a:lvl8pPr marL="3200400" algn="l" defTabSz="914400" rtl="0" eaLnBrk="1" latinLnBrk="0" hangingPunct="1">
-              <a:defRPr sz="1800" kern="1200">
-                <a:solidFill>
-                  <a:schemeClr val="tx1"/>
-                </a:solidFill>
-                <a:latin typeface="+mn-lt"/>
-                <a:ea typeface="+mn-ea"/>
-                <a:cs typeface="+mn-cs"/>
-              </a:defRPr>
-            </a:lvl8pPr>
-            <a:lvl9pPr marL="3657600" algn="l" defTabSz="914400" rtl="0" eaLnBrk="1" latinLnBrk="0" hangingPunct="1">
-              <a:defRPr sz="1800" kern="1200">
-                <a:solidFill>
-                  <a:schemeClr val="tx1"/>
-                </a:solidFill>
-                <a:latin typeface="+mn-lt"/>
-                <a:ea typeface="+mn-ea"/>
-                <a:cs typeface="+mn-cs"/>
-              </a:defRPr>
-            </a:lvl9pPr>
-          </a:lstStyle>
-          <a:p>
-            <a:pPr marL="285750" indent="-285750">
-              <a:buFont typeface="Arial" panose="020B0604020202020204" pitchFamily="34" charset="0"/>
-              <a:buChar char="•"/>
-            </a:pPr>
-            <a:r>
-              <a:rPr lang="de-DE" sz="1600" b="1" dirty="0" err="1"/>
-              <a:t>Conformist</a:t>
-            </a:r>
-            <a:r>
-              <a:rPr lang="de-DE" sz="1600" b="1" dirty="0"/>
-              <a:t> </a:t>
-            </a:r>
-            <a:r>
-              <a:rPr lang="de-DE" sz="1600" b="1" dirty="0" err="1"/>
-              <a:t>pattern</a:t>
-            </a:r>
-            <a:r>
-              <a:rPr lang="de-DE" sz="1600" dirty="0"/>
-              <a:t>: </a:t>
-            </a:r>
-            <a:r>
-              <a:rPr lang="en-US" sz="1600" dirty="0"/>
-              <a:t>the upstream party defines the parameters and the protocol. The downstream party must implement those</a:t>
-            </a:r>
-          </a:p>
-          <a:p>
-            <a:endParaRPr lang="en-US" sz="1600" dirty="0"/>
-          </a:p>
-          <a:p>
-            <a:pPr marL="285750" indent="-285750">
-              <a:buFont typeface="Arial" panose="020B0604020202020204" pitchFamily="34" charset="0"/>
-              <a:buChar char="•"/>
-            </a:pPr>
-            <a:endParaRPr lang="en-US" sz="1600" dirty="0"/>
-          </a:p>
-          <a:p>
-            <a:pPr marL="285750" indent="-285750">
-              <a:buFont typeface="Arial" panose="020B0604020202020204" pitchFamily="34" charset="0"/>
-              <a:buChar char="•"/>
-            </a:pPr>
-            <a:r>
-              <a:rPr lang="en-US" sz="1600" b="1" dirty="0"/>
-              <a:t>Anti-Corruption Layer</a:t>
-            </a:r>
-            <a:r>
-              <a:rPr lang="en-US" sz="1600" dirty="0"/>
-              <a:t>: An adapter between the real API and the application </a:t>
-            </a:r>
-            <a:r>
-              <a:rPr lang="de-DE" sz="1600" dirty="0" err="1"/>
-              <a:t>which</a:t>
-            </a:r>
-            <a:r>
-              <a:rPr lang="de-DE" sz="1600" dirty="0"/>
-              <a:t> </a:t>
-            </a:r>
-            <a:r>
-              <a:rPr lang="de-DE" sz="1600" dirty="0" err="1"/>
-              <a:t>uses</a:t>
-            </a:r>
-            <a:r>
-              <a:rPr lang="de-DE" sz="1600" dirty="0"/>
-              <a:t> </a:t>
-            </a:r>
-            <a:r>
-              <a:rPr lang="de-DE" sz="1600" dirty="0" err="1"/>
-              <a:t>the</a:t>
-            </a:r>
-            <a:r>
-              <a:rPr lang="de-DE" sz="1600" dirty="0"/>
-              <a:t> </a:t>
-            </a:r>
-            <a:r>
-              <a:rPr lang="de-DE" sz="1600" dirty="0" err="1"/>
-              <a:t>api</a:t>
-            </a:r>
-            <a:endParaRPr lang="de-DE" sz="1600" dirty="0"/>
-          </a:p>
-          <a:p>
-            <a:pPr marL="285750" indent="-285750">
-              <a:buFont typeface="Arial" panose="020B0604020202020204" pitchFamily="34" charset="0"/>
-              <a:buChar char="•"/>
-            </a:pPr>
-            <a:endParaRPr lang="de-DE" sz="1600" dirty="0"/>
-          </a:p>
-          <a:p>
-            <a:pPr marL="285750" indent="-285750">
-              <a:buFont typeface="Arial" panose="020B0604020202020204" pitchFamily="34" charset="0"/>
-              <a:buChar char="•"/>
-            </a:pPr>
-            <a:endParaRPr lang="de-DE" sz="1600" dirty="0"/>
-          </a:p>
-          <a:p>
-            <a:pPr marL="285750" indent="-285750">
-              <a:buFont typeface="Arial" panose="020B0604020202020204" pitchFamily="34" charset="0"/>
-              <a:buChar char="•"/>
-            </a:pPr>
-            <a:r>
-              <a:rPr lang="de-DE" sz="1600" b="1" dirty="0"/>
-              <a:t>Open Host Service: </a:t>
-            </a:r>
-            <a:r>
-              <a:rPr lang="en-US" sz="1600" dirty="0"/>
-              <a:t>One or more adapter between </a:t>
-            </a:r>
-            <a:r>
-              <a:rPr lang="de-DE" sz="1600" dirty="0" err="1"/>
-              <a:t>application</a:t>
-            </a:r>
-            <a:r>
-              <a:rPr lang="de-DE" sz="1600" dirty="0"/>
-              <a:t> and different </a:t>
-            </a:r>
-            <a:r>
-              <a:rPr lang="de-DE" sz="1600" dirty="0" err="1"/>
-              <a:t>variants</a:t>
-            </a:r>
-            <a:r>
-              <a:rPr lang="de-DE" sz="1600" dirty="0"/>
-              <a:t> </a:t>
-            </a:r>
-            <a:r>
-              <a:rPr lang="de-DE" sz="1600" dirty="0" err="1"/>
-              <a:t>of</a:t>
-            </a:r>
-            <a:r>
-              <a:rPr lang="de-DE" sz="1600" dirty="0"/>
-              <a:t> </a:t>
-            </a:r>
-            <a:r>
-              <a:rPr lang="de-DE" sz="1600" dirty="0" err="1"/>
-              <a:t>the</a:t>
-            </a:r>
-            <a:r>
-              <a:rPr lang="de-DE" sz="1600" dirty="0"/>
-              <a:t> API </a:t>
-            </a:r>
-            <a:r>
-              <a:rPr lang="de-DE" sz="1600" dirty="0" err="1"/>
-              <a:t>to</a:t>
-            </a:r>
-            <a:r>
-              <a:rPr lang="de-DE" sz="1600" dirty="0"/>
-              <a:t> customize </a:t>
-            </a:r>
-            <a:r>
-              <a:rPr lang="de-DE" sz="1600" dirty="0" err="1"/>
-              <a:t>them</a:t>
-            </a:r>
-            <a:endParaRPr lang="de-DE" sz="1600" dirty="0"/>
-          </a:p>
-          <a:p>
-            <a:pPr marL="285750" indent="-285750">
-              <a:buFont typeface="Arial" panose="020B0604020202020204" pitchFamily="34" charset="0"/>
-              <a:buChar char="•"/>
-            </a:pPr>
-            <a:endParaRPr lang="de-DE" sz="1600" dirty="0"/>
-          </a:p>
-          <a:p>
-            <a:pPr marL="285750" indent="-285750">
-              <a:buFont typeface="Arial" panose="020B0604020202020204" pitchFamily="34" charset="0"/>
-              <a:buChar char="•"/>
-            </a:pPr>
-            <a:endParaRPr lang="de-DE" sz="1600" dirty="0"/>
-          </a:p>
-          <a:p>
-            <a:pPr marL="285750" indent="-285750">
-              <a:buFont typeface="Arial" panose="020B0604020202020204" pitchFamily="34" charset="0"/>
-              <a:buChar char="•"/>
-            </a:pPr>
-            <a:r>
-              <a:rPr lang="de-DE" sz="1600" b="1" dirty="0" err="1"/>
-              <a:t>Shared</a:t>
-            </a:r>
-            <a:r>
-              <a:rPr lang="de-DE" sz="1600" b="1" dirty="0"/>
-              <a:t> Kernel: </a:t>
-            </a:r>
-            <a:r>
-              <a:rPr lang="de-DE" sz="1600" dirty="0"/>
-              <a:t>Upstream and Downstream </a:t>
-            </a:r>
-            <a:r>
-              <a:rPr lang="de-DE" sz="1600" dirty="0" err="1"/>
-              <a:t>share</a:t>
-            </a:r>
-            <a:r>
-              <a:rPr lang="de-DE" sz="1600" dirty="0"/>
-              <a:t> </a:t>
-            </a:r>
-            <a:r>
-              <a:rPr lang="de-DE" sz="1600" dirty="0" err="1"/>
-              <a:t>some</a:t>
-            </a:r>
-            <a:r>
-              <a:rPr lang="de-DE" sz="1600" dirty="0"/>
-              <a:t> </a:t>
-            </a:r>
-            <a:r>
-              <a:rPr lang="de-DE" sz="1600" dirty="0" err="1"/>
-              <a:t>pieces</a:t>
-            </a:r>
-            <a:r>
-              <a:rPr lang="de-DE" sz="1600" dirty="0"/>
-              <a:t> </a:t>
-            </a:r>
-            <a:r>
-              <a:rPr lang="de-DE" sz="1600" dirty="0" err="1"/>
-              <a:t>of</a:t>
-            </a:r>
-            <a:r>
-              <a:rPr lang="de-DE" sz="1600" dirty="0"/>
-              <a:t> </a:t>
-            </a:r>
-            <a:r>
-              <a:rPr lang="de-DE" sz="1600" dirty="0" err="1"/>
-              <a:t>the</a:t>
-            </a:r>
-            <a:r>
-              <a:rPr lang="de-DE" sz="1600" dirty="0"/>
-              <a:t> </a:t>
-            </a:r>
-            <a:r>
-              <a:rPr lang="de-DE" sz="1600" dirty="0" err="1"/>
-              <a:t>sourcecode</a:t>
-            </a:r>
-            <a:r>
-              <a:rPr lang="de-DE" sz="1600" dirty="0"/>
-              <a:t>(like </a:t>
-            </a:r>
-            <a:r>
-              <a:rPr lang="de-DE" sz="1600" dirty="0" err="1"/>
-              <a:t>datatypes</a:t>
-            </a:r>
-            <a:r>
-              <a:rPr lang="de-DE" sz="1600" dirty="0"/>
-              <a:t>)</a:t>
-            </a:r>
-          </a:p>
-          <a:p>
-            <a:endParaRPr lang="de-DE" dirty="0"/>
+          <a:lstStyle/>
+          <a:p>
+            <a:r>
+              <a:rPr lang="de-DE" dirty="0"/>
+              <a:t>https://</a:t>
+            </a:r>
+            <a:r>
+              <a:rPr lang="de-DE" dirty="0">
+                <a:solidFill>
+                  <a:schemeClr val="accent6">
+                    <a:lumMod val="50000"/>
+                  </a:schemeClr>
+                </a:solidFill>
+              </a:rPr>
+              <a:t>pubchem.ncbi.nlm.nih.gov/</a:t>
+            </a:r>
+            <a:r>
+              <a:rPr lang="de-DE" dirty="0">
+                <a:solidFill>
+                  <a:schemeClr val="accent1"/>
+                </a:solidFill>
+              </a:rPr>
+              <a:t>rest/pug/substance/sid/10000/synonyms/json</a:t>
+            </a:r>
           </a:p>
         </p:txBody>
       </p:sp>
+      <p:cxnSp>
+        <p:nvCxnSpPr>
+          <p:cNvPr id="9" name="Gerade Verbindung mit Pfeil 8">
+            <a:extLst>
+              <a:ext uri="{FF2B5EF4-FFF2-40B4-BE49-F238E27FC236}">
+                <a16:creationId xmlns:a16="http://schemas.microsoft.com/office/drawing/2014/main" id="{97CDF304-370F-5AB0-F844-717A03A684F6}"/>
+              </a:ext>
+            </a:extLst>
+          </p:cNvPr>
+          <p:cNvCxnSpPr>
+            <a:cxnSpLocks/>
+            <a:stCxn id="10" idx="0"/>
+          </p:cNvCxnSpPr>
+          <p:nvPr/>
+        </p:nvCxnSpPr>
+        <p:spPr>
+          <a:xfrm flipV="1">
+            <a:off x="1236066" y="2157922"/>
+            <a:ext cx="22345" cy="378783"/>
+          </a:xfrm>
+          <a:prstGeom prst="straightConnector1">
+            <a:avLst/>
+          </a:prstGeom>
+          <a:ln>
+            <a:tailEnd type="triangle"/>
+          </a:ln>
+        </p:spPr>
+        <p:style>
+          <a:lnRef idx="1">
+            <a:schemeClr val="accent1"/>
+          </a:lnRef>
+          <a:fillRef idx="0">
+            <a:schemeClr val="accent1"/>
+          </a:fillRef>
+          <a:effectRef idx="0">
+            <a:schemeClr val="accent1"/>
+          </a:effectRef>
+          <a:fontRef idx="minor">
+            <a:schemeClr val="tx1"/>
+          </a:fontRef>
+        </p:style>
+      </p:cxnSp>
       <p:sp>
         <p:nvSpPr>
-          <p:cNvPr id="4" name="Textfeld 3">
-            <a:extLst>
-              <a:ext uri="{FF2B5EF4-FFF2-40B4-BE49-F238E27FC236}">
-                <a16:creationId xmlns:a16="http://schemas.microsoft.com/office/drawing/2014/main" id="{DA383F34-CE91-0E53-30A2-ECCF39BCF64A}"/>
+          <p:cNvPr id="10" name="Textfeld 9">
+            <a:extLst>
+              <a:ext uri="{FF2B5EF4-FFF2-40B4-BE49-F238E27FC236}">
+                <a16:creationId xmlns:a16="http://schemas.microsoft.com/office/drawing/2014/main" id="{399C7DC9-4134-44EA-A712-D843FD5C7A05}"/>
               </a:ext>
             </a:extLst>
           </p:cNvPr>
@@ -10293,8 +10687,780 @@
         </p:nvSpPr>
         <p:spPr>
           <a:xfrm>
-            <a:off x="4199" y="5981217"/>
-            <a:ext cx="12187802" cy="400110"/>
+            <a:off x="750131" y="2536705"/>
+            <a:ext cx="971869" cy="369332"/>
+          </a:xfrm>
+          <a:prstGeom prst="rect">
+            <a:avLst/>
+          </a:prstGeom>
+          <a:noFill/>
+        </p:spPr>
+        <p:txBody>
+          <a:bodyPr wrap="none" rtlCol="0">
+            <a:spAutoFit/>
+          </a:bodyPr>
+          <a:lstStyle/>
+          <a:p>
+            <a:r>
+              <a:rPr lang="de-DE" dirty="0" err="1"/>
+              <a:t>protocol</a:t>
+            </a:r>
+            <a:endParaRPr lang="de-DE" dirty="0"/>
+          </a:p>
+        </p:txBody>
+      </p:sp>
+      <p:sp>
+        <p:nvSpPr>
+          <p:cNvPr id="19" name="Textfeld 18">
+            <a:extLst>
+              <a:ext uri="{FF2B5EF4-FFF2-40B4-BE49-F238E27FC236}">
+                <a16:creationId xmlns:a16="http://schemas.microsoft.com/office/drawing/2014/main" id="{E3B87290-6A5A-5497-17C9-E438BC1361E8}"/>
+              </a:ext>
+            </a:extLst>
+          </p:cNvPr>
+          <p:cNvSpPr txBox="1"/>
+          <p:nvPr/>
+        </p:nvSpPr>
+        <p:spPr>
+          <a:xfrm>
+            <a:off x="2843310" y="2536705"/>
+            <a:ext cx="769634" cy="369332"/>
+          </a:xfrm>
+          <a:prstGeom prst="rect">
+            <a:avLst/>
+          </a:prstGeom>
+          <a:noFill/>
+        </p:spPr>
+        <p:txBody>
+          <a:bodyPr wrap="none" rtlCol="0">
+            <a:spAutoFit/>
+          </a:bodyPr>
+          <a:lstStyle/>
+          <a:p>
+            <a:r>
+              <a:rPr lang="de-DE" dirty="0" err="1"/>
+              <a:t>server</a:t>
+            </a:r>
+            <a:endParaRPr lang="de-DE" dirty="0"/>
+          </a:p>
+        </p:txBody>
+      </p:sp>
+      <p:sp>
+        <p:nvSpPr>
+          <p:cNvPr id="20" name="Textfeld 19">
+            <a:extLst>
+              <a:ext uri="{FF2B5EF4-FFF2-40B4-BE49-F238E27FC236}">
+                <a16:creationId xmlns:a16="http://schemas.microsoft.com/office/drawing/2014/main" id="{FE0EF3FA-7C67-6165-4E46-409FAC6172F8}"/>
+              </a:ext>
+            </a:extLst>
+          </p:cNvPr>
+          <p:cNvSpPr txBox="1"/>
+          <p:nvPr/>
+        </p:nvSpPr>
+        <p:spPr>
+          <a:xfrm>
+            <a:off x="7153666" y="2525144"/>
+            <a:ext cx="613758" cy="369332"/>
+          </a:xfrm>
+          <a:prstGeom prst="rect">
+            <a:avLst/>
+          </a:prstGeom>
+          <a:noFill/>
+        </p:spPr>
+        <p:txBody>
+          <a:bodyPr wrap="none" rtlCol="0">
+            <a:spAutoFit/>
+          </a:bodyPr>
+          <a:lstStyle/>
+          <a:p>
+            <a:r>
+              <a:rPr lang="de-DE" dirty="0" err="1"/>
+              <a:t>path</a:t>
+            </a:r>
+            <a:endParaRPr lang="de-DE" dirty="0"/>
+          </a:p>
+        </p:txBody>
+      </p:sp>
+      <p:cxnSp>
+        <p:nvCxnSpPr>
+          <p:cNvPr id="22" name="Gerade Verbindung mit Pfeil 21">
+            <a:extLst>
+              <a:ext uri="{FF2B5EF4-FFF2-40B4-BE49-F238E27FC236}">
+                <a16:creationId xmlns:a16="http://schemas.microsoft.com/office/drawing/2014/main" id="{C7007745-DD7E-E99B-9CCB-3D0161EBD256}"/>
+              </a:ext>
+            </a:extLst>
+          </p:cNvPr>
+          <p:cNvCxnSpPr>
+            <a:stCxn id="19" idx="0"/>
+          </p:cNvCxnSpPr>
+          <p:nvPr/>
+        </p:nvCxnSpPr>
+        <p:spPr>
+          <a:xfrm flipV="1">
+            <a:off x="3228127" y="2214155"/>
+            <a:ext cx="0" cy="322550"/>
+          </a:xfrm>
+          <a:prstGeom prst="straightConnector1">
+            <a:avLst/>
+          </a:prstGeom>
+          <a:ln>
+            <a:tailEnd type="triangle"/>
+          </a:ln>
+        </p:spPr>
+        <p:style>
+          <a:lnRef idx="1">
+            <a:schemeClr val="accent1"/>
+          </a:lnRef>
+          <a:fillRef idx="0">
+            <a:schemeClr val="accent1"/>
+          </a:fillRef>
+          <a:effectRef idx="0">
+            <a:schemeClr val="accent1"/>
+          </a:effectRef>
+          <a:fontRef idx="minor">
+            <a:schemeClr val="tx1"/>
+          </a:fontRef>
+        </p:style>
+      </p:cxnSp>
+      <p:cxnSp>
+        <p:nvCxnSpPr>
+          <p:cNvPr id="24" name="Gerade Verbindung mit Pfeil 23">
+            <a:extLst>
+              <a:ext uri="{FF2B5EF4-FFF2-40B4-BE49-F238E27FC236}">
+                <a16:creationId xmlns:a16="http://schemas.microsoft.com/office/drawing/2014/main" id="{FFCB4801-86DC-C86D-4C53-2BB4E812FFE0}"/>
+              </a:ext>
+            </a:extLst>
+          </p:cNvPr>
+          <p:cNvCxnSpPr>
+            <a:stCxn id="20" idx="0"/>
+          </p:cNvCxnSpPr>
+          <p:nvPr/>
+        </p:nvCxnSpPr>
+        <p:spPr>
+          <a:xfrm flipH="1" flipV="1">
+            <a:off x="7452320" y="2176666"/>
+            <a:ext cx="8225" cy="348478"/>
+          </a:xfrm>
+          <a:prstGeom prst="straightConnector1">
+            <a:avLst/>
+          </a:prstGeom>
+          <a:ln>
+            <a:tailEnd type="triangle"/>
+          </a:ln>
+        </p:spPr>
+        <p:style>
+          <a:lnRef idx="1">
+            <a:schemeClr val="accent1"/>
+          </a:lnRef>
+          <a:fillRef idx="0">
+            <a:schemeClr val="accent1"/>
+          </a:fillRef>
+          <a:effectRef idx="0">
+            <a:schemeClr val="accent1"/>
+          </a:effectRef>
+          <a:fontRef idx="minor">
+            <a:schemeClr val="tx1"/>
+          </a:fontRef>
+        </p:style>
+      </p:cxnSp>
+      <p:pic>
+        <p:nvPicPr>
+          <p:cNvPr id="28" name="Grafik 27">
+            <a:extLst>
+              <a:ext uri="{FF2B5EF4-FFF2-40B4-BE49-F238E27FC236}">
+                <a16:creationId xmlns:a16="http://schemas.microsoft.com/office/drawing/2014/main" id="{F658412B-F5CF-D498-1E56-A08469DD83CA}"/>
+              </a:ext>
+            </a:extLst>
+          </p:cNvPr>
+          <p:cNvPicPr>
+            <a:picLocks noChangeAspect="1"/>
+          </p:cNvPicPr>
+          <p:nvPr/>
+        </p:nvPicPr>
+        <p:blipFill>
+          <a:blip r:embed="rId2"/>
+          <a:stretch>
+            <a:fillRect/>
+          </a:stretch>
+        </p:blipFill>
+        <p:spPr>
+          <a:xfrm>
+            <a:off x="8803445" y="1556792"/>
+            <a:ext cx="2811867" cy="1746766"/>
+          </a:xfrm>
+          <a:prstGeom prst="rect">
+            <a:avLst/>
+          </a:prstGeom>
+        </p:spPr>
+      </p:pic>
+      <p:sp>
+        <p:nvSpPr>
+          <p:cNvPr id="29" name="Textfeld 28">
+            <a:extLst>
+              <a:ext uri="{FF2B5EF4-FFF2-40B4-BE49-F238E27FC236}">
+                <a16:creationId xmlns:a16="http://schemas.microsoft.com/office/drawing/2014/main" id="{D6E47D32-58EC-19FC-4D6E-95C2CC928FDC}"/>
+              </a:ext>
+            </a:extLst>
+          </p:cNvPr>
+          <p:cNvSpPr txBox="1"/>
+          <p:nvPr/>
+        </p:nvSpPr>
+        <p:spPr>
+          <a:xfrm>
+            <a:off x="3174337" y="1300118"/>
+            <a:ext cx="3546227" cy="369332"/>
+          </a:xfrm>
+          <a:prstGeom prst="rect">
+            <a:avLst/>
+          </a:prstGeom>
+          <a:noFill/>
+        </p:spPr>
+        <p:txBody>
+          <a:bodyPr wrap="none" rtlCol="0">
+            <a:spAutoFit/>
+          </a:bodyPr>
+          <a:lstStyle/>
+          <a:p>
+            <a:r>
+              <a:rPr lang="de-DE" b="1" dirty="0" err="1"/>
+              <a:t>pubchem</a:t>
+            </a:r>
+            <a:r>
+              <a:rPr lang="de-DE" b="1" dirty="0"/>
+              <a:t> -  </a:t>
+            </a:r>
+            <a:r>
+              <a:rPr lang="de-DE" b="1" dirty="0" err="1"/>
+              <a:t>searching</a:t>
+            </a:r>
+            <a:r>
+              <a:rPr lang="de-DE" b="1" dirty="0"/>
+              <a:t> </a:t>
+            </a:r>
+            <a:r>
+              <a:rPr lang="de-DE" b="1" dirty="0" err="1"/>
+              <a:t>for</a:t>
+            </a:r>
+            <a:r>
+              <a:rPr lang="de-DE" b="1" dirty="0"/>
+              <a:t> </a:t>
+            </a:r>
+            <a:r>
+              <a:rPr lang="de-DE" b="1" dirty="0" err="1"/>
+              <a:t>synonyms</a:t>
+            </a:r>
+            <a:endParaRPr lang="de-DE" b="1" dirty="0"/>
+          </a:p>
+        </p:txBody>
+      </p:sp>
+      <p:sp>
+        <p:nvSpPr>
+          <p:cNvPr id="30" name="Textfeld 29">
+            <a:extLst>
+              <a:ext uri="{FF2B5EF4-FFF2-40B4-BE49-F238E27FC236}">
+                <a16:creationId xmlns:a16="http://schemas.microsoft.com/office/drawing/2014/main" id="{D150B946-0567-60F3-F0AE-3C5AE8DBDCA4}"/>
+              </a:ext>
+            </a:extLst>
+          </p:cNvPr>
+          <p:cNvSpPr txBox="1"/>
+          <p:nvPr/>
+        </p:nvSpPr>
+        <p:spPr>
+          <a:xfrm>
+            <a:off x="952767" y="3936216"/>
+            <a:ext cx="7387920" cy="369332"/>
+          </a:xfrm>
+          <a:prstGeom prst="rect">
+            <a:avLst/>
+          </a:prstGeom>
+          <a:noFill/>
+        </p:spPr>
+        <p:txBody>
+          <a:bodyPr wrap="none" rtlCol="0">
+            <a:spAutoFit/>
+          </a:bodyPr>
+          <a:lstStyle/>
+          <a:p>
+            <a:r>
+              <a:rPr lang="de-DE" dirty="0"/>
+              <a:t>https://</a:t>
+            </a:r>
+            <a:r>
+              <a:rPr lang="de-DE" dirty="0">
+                <a:solidFill>
+                  <a:schemeClr val="accent6">
+                    <a:lumMod val="50000"/>
+                  </a:schemeClr>
+                </a:solidFill>
+              </a:rPr>
+              <a:t>www.ebi.ac.uk/</a:t>
+            </a:r>
+            <a:r>
+              <a:rPr lang="de-DE" dirty="0">
+                <a:solidFill>
+                  <a:schemeClr val="accent1"/>
+                </a:solidFill>
+              </a:rPr>
+              <a:t>chembl/api/data/target</a:t>
+            </a:r>
+            <a:r>
+              <a:rPr lang="de-DE" dirty="0"/>
+              <a:t>?</a:t>
+            </a:r>
+            <a:r>
+              <a:rPr lang="de-DE" dirty="0">
+                <a:solidFill>
+                  <a:schemeClr val="accent3">
+                    <a:lumMod val="75000"/>
+                  </a:schemeClr>
+                </a:solidFill>
+              </a:rPr>
+              <a:t>pref_name__contains=cyclin</a:t>
+            </a:r>
+          </a:p>
+        </p:txBody>
+      </p:sp>
+      <p:cxnSp>
+        <p:nvCxnSpPr>
+          <p:cNvPr id="31" name="Gerade Verbindung mit Pfeil 30">
+            <a:extLst>
+              <a:ext uri="{FF2B5EF4-FFF2-40B4-BE49-F238E27FC236}">
+                <a16:creationId xmlns:a16="http://schemas.microsoft.com/office/drawing/2014/main" id="{256C67B8-F78D-0387-D8A7-9A52B0C1949E}"/>
+              </a:ext>
+            </a:extLst>
+          </p:cNvPr>
+          <p:cNvCxnSpPr>
+            <a:cxnSpLocks/>
+            <a:stCxn id="32" idx="0"/>
+          </p:cNvCxnSpPr>
+          <p:nvPr/>
+        </p:nvCxnSpPr>
+        <p:spPr>
+          <a:xfrm flipV="1">
+            <a:off x="1349417" y="4286804"/>
+            <a:ext cx="22345" cy="378783"/>
+          </a:xfrm>
+          <a:prstGeom prst="straightConnector1">
+            <a:avLst/>
+          </a:prstGeom>
+          <a:ln>
+            <a:tailEnd type="triangle"/>
+          </a:ln>
+        </p:spPr>
+        <p:style>
+          <a:lnRef idx="1">
+            <a:schemeClr val="accent1"/>
+          </a:lnRef>
+          <a:fillRef idx="0">
+            <a:schemeClr val="accent1"/>
+          </a:fillRef>
+          <a:effectRef idx="0">
+            <a:schemeClr val="accent1"/>
+          </a:effectRef>
+          <a:fontRef idx="minor">
+            <a:schemeClr val="tx1"/>
+          </a:fontRef>
+        </p:style>
+      </p:cxnSp>
+      <p:sp>
+        <p:nvSpPr>
+          <p:cNvPr id="32" name="Textfeld 31">
+            <a:extLst>
+              <a:ext uri="{FF2B5EF4-FFF2-40B4-BE49-F238E27FC236}">
+                <a16:creationId xmlns:a16="http://schemas.microsoft.com/office/drawing/2014/main" id="{A3F49EC4-4DA7-E81C-1E74-D5DDEF3154A5}"/>
+              </a:ext>
+            </a:extLst>
+          </p:cNvPr>
+          <p:cNvSpPr txBox="1"/>
+          <p:nvPr/>
+        </p:nvSpPr>
+        <p:spPr>
+          <a:xfrm>
+            <a:off x="863482" y="4665587"/>
+            <a:ext cx="971869" cy="369332"/>
+          </a:xfrm>
+          <a:prstGeom prst="rect">
+            <a:avLst/>
+          </a:prstGeom>
+          <a:noFill/>
+        </p:spPr>
+        <p:txBody>
+          <a:bodyPr wrap="none" rtlCol="0">
+            <a:spAutoFit/>
+          </a:bodyPr>
+          <a:lstStyle/>
+          <a:p>
+            <a:r>
+              <a:rPr lang="de-DE" dirty="0" err="1"/>
+              <a:t>protocol</a:t>
+            </a:r>
+            <a:endParaRPr lang="de-DE" dirty="0"/>
+          </a:p>
+        </p:txBody>
+      </p:sp>
+      <p:sp>
+        <p:nvSpPr>
+          <p:cNvPr id="33" name="Textfeld 32">
+            <a:extLst>
+              <a:ext uri="{FF2B5EF4-FFF2-40B4-BE49-F238E27FC236}">
+                <a16:creationId xmlns:a16="http://schemas.microsoft.com/office/drawing/2014/main" id="{66C526EB-2A9E-7E7B-D80C-D317762B2151}"/>
+              </a:ext>
+            </a:extLst>
+          </p:cNvPr>
+          <p:cNvSpPr txBox="1"/>
+          <p:nvPr/>
+        </p:nvSpPr>
+        <p:spPr>
+          <a:xfrm>
+            <a:off x="2622184" y="4681334"/>
+            <a:ext cx="769634" cy="369332"/>
+          </a:xfrm>
+          <a:prstGeom prst="rect">
+            <a:avLst/>
+          </a:prstGeom>
+          <a:noFill/>
+        </p:spPr>
+        <p:txBody>
+          <a:bodyPr wrap="none" rtlCol="0">
+            <a:spAutoFit/>
+          </a:bodyPr>
+          <a:lstStyle/>
+          <a:p>
+            <a:r>
+              <a:rPr lang="de-DE" dirty="0" err="1"/>
+              <a:t>server</a:t>
+            </a:r>
+            <a:endParaRPr lang="de-DE" dirty="0"/>
+          </a:p>
+        </p:txBody>
+      </p:sp>
+      <p:sp>
+        <p:nvSpPr>
+          <p:cNvPr id="34" name="Textfeld 33">
+            <a:extLst>
+              <a:ext uri="{FF2B5EF4-FFF2-40B4-BE49-F238E27FC236}">
+                <a16:creationId xmlns:a16="http://schemas.microsoft.com/office/drawing/2014/main" id="{9CB2D1AF-BD94-FB60-5F34-8B7E29B36F18}"/>
+              </a:ext>
+            </a:extLst>
+          </p:cNvPr>
+          <p:cNvSpPr txBox="1"/>
+          <p:nvPr/>
+        </p:nvSpPr>
+        <p:spPr>
+          <a:xfrm>
+            <a:off x="4115945" y="4654978"/>
+            <a:ext cx="613758" cy="369332"/>
+          </a:xfrm>
+          <a:prstGeom prst="rect">
+            <a:avLst/>
+          </a:prstGeom>
+          <a:noFill/>
+        </p:spPr>
+        <p:txBody>
+          <a:bodyPr wrap="none" rtlCol="0">
+            <a:spAutoFit/>
+          </a:bodyPr>
+          <a:lstStyle/>
+          <a:p>
+            <a:r>
+              <a:rPr lang="de-DE" dirty="0" err="1"/>
+              <a:t>path</a:t>
+            </a:r>
+            <a:endParaRPr lang="de-DE" dirty="0"/>
+          </a:p>
+        </p:txBody>
+      </p:sp>
+      <p:cxnSp>
+        <p:nvCxnSpPr>
+          <p:cNvPr id="35" name="Gerade Verbindung mit Pfeil 34">
+            <a:extLst>
+              <a:ext uri="{FF2B5EF4-FFF2-40B4-BE49-F238E27FC236}">
+                <a16:creationId xmlns:a16="http://schemas.microsoft.com/office/drawing/2014/main" id="{625E83F6-558C-0C9C-75B0-B255553AC056}"/>
+              </a:ext>
+            </a:extLst>
+          </p:cNvPr>
+          <p:cNvCxnSpPr>
+            <a:cxnSpLocks/>
+            <a:stCxn id="33" idx="0"/>
+          </p:cNvCxnSpPr>
+          <p:nvPr/>
+        </p:nvCxnSpPr>
+        <p:spPr>
+          <a:xfrm flipH="1" flipV="1">
+            <a:off x="2567608" y="4286804"/>
+            <a:ext cx="439393" cy="394530"/>
+          </a:xfrm>
+          <a:prstGeom prst="straightConnector1">
+            <a:avLst/>
+          </a:prstGeom>
+          <a:ln>
+            <a:tailEnd type="triangle"/>
+          </a:ln>
+        </p:spPr>
+        <p:style>
+          <a:lnRef idx="1">
+            <a:schemeClr val="accent1"/>
+          </a:lnRef>
+          <a:fillRef idx="0">
+            <a:schemeClr val="accent1"/>
+          </a:fillRef>
+          <a:effectRef idx="0">
+            <a:schemeClr val="accent1"/>
+          </a:effectRef>
+          <a:fontRef idx="minor">
+            <a:schemeClr val="tx1"/>
+          </a:fontRef>
+        </p:style>
+      </p:cxnSp>
+      <p:cxnSp>
+        <p:nvCxnSpPr>
+          <p:cNvPr id="36" name="Gerade Verbindung mit Pfeil 35">
+            <a:extLst>
+              <a:ext uri="{FF2B5EF4-FFF2-40B4-BE49-F238E27FC236}">
+                <a16:creationId xmlns:a16="http://schemas.microsoft.com/office/drawing/2014/main" id="{A715EF78-22FD-67E3-E1ED-B5E4662371D8}"/>
+              </a:ext>
+            </a:extLst>
+          </p:cNvPr>
+          <p:cNvCxnSpPr>
+            <a:stCxn id="34" idx="0"/>
+          </p:cNvCxnSpPr>
+          <p:nvPr/>
+        </p:nvCxnSpPr>
+        <p:spPr>
+          <a:xfrm flipH="1" flipV="1">
+            <a:off x="4414599" y="4306500"/>
+            <a:ext cx="8225" cy="348478"/>
+          </a:xfrm>
+          <a:prstGeom prst="straightConnector1">
+            <a:avLst/>
+          </a:prstGeom>
+          <a:ln>
+            <a:tailEnd type="triangle"/>
+          </a:ln>
+        </p:spPr>
+        <p:style>
+          <a:lnRef idx="1">
+            <a:schemeClr val="accent1"/>
+          </a:lnRef>
+          <a:fillRef idx="0">
+            <a:schemeClr val="accent1"/>
+          </a:fillRef>
+          <a:effectRef idx="0">
+            <a:schemeClr val="accent1"/>
+          </a:effectRef>
+          <a:fontRef idx="minor">
+            <a:schemeClr val="tx1"/>
+          </a:fontRef>
+        </p:style>
+      </p:cxnSp>
+      <p:sp>
+        <p:nvSpPr>
+          <p:cNvPr id="38" name="Textfeld 37">
+            <a:extLst>
+              <a:ext uri="{FF2B5EF4-FFF2-40B4-BE49-F238E27FC236}">
+                <a16:creationId xmlns:a16="http://schemas.microsoft.com/office/drawing/2014/main" id="{76BB21B1-D385-67DA-EF31-D051607839A3}"/>
+              </a:ext>
+            </a:extLst>
+          </p:cNvPr>
+          <p:cNvSpPr txBox="1"/>
+          <p:nvPr/>
+        </p:nvSpPr>
+        <p:spPr>
+          <a:xfrm>
+            <a:off x="3287688" y="3429000"/>
+            <a:ext cx="5295104" cy="369332"/>
+          </a:xfrm>
+          <a:prstGeom prst="rect">
+            <a:avLst/>
+          </a:prstGeom>
+          <a:noFill/>
+        </p:spPr>
+        <p:txBody>
+          <a:bodyPr wrap="none" rtlCol="0">
+            <a:spAutoFit/>
+          </a:bodyPr>
+          <a:lstStyle/>
+          <a:p>
+            <a:r>
+              <a:rPr lang="de-DE" b="1" dirty="0" err="1"/>
+              <a:t>ChEMBL</a:t>
+            </a:r>
+            <a:r>
+              <a:rPr lang="de-DE" b="1" dirty="0"/>
+              <a:t> -  </a:t>
+            </a:r>
+            <a:r>
+              <a:rPr lang="de-DE" b="1" dirty="0" err="1"/>
+              <a:t>searching</a:t>
+            </a:r>
+            <a:r>
+              <a:rPr lang="de-DE" b="1" dirty="0"/>
+              <a:t> </a:t>
+            </a:r>
+            <a:r>
+              <a:rPr lang="de-DE" b="1" dirty="0" err="1"/>
+              <a:t>for</a:t>
+            </a:r>
+            <a:r>
+              <a:rPr lang="de-DE" b="1" dirty="0"/>
+              <a:t> </a:t>
+            </a:r>
+            <a:r>
+              <a:rPr lang="de-DE" b="1" dirty="0" err="1"/>
+              <a:t>molecules</a:t>
+            </a:r>
+            <a:r>
+              <a:rPr lang="de-DE" b="1" dirty="0"/>
+              <a:t> </a:t>
+            </a:r>
+            <a:r>
+              <a:rPr lang="de-DE" b="1" dirty="0" err="1"/>
+              <a:t>with</a:t>
+            </a:r>
+            <a:r>
+              <a:rPr lang="de-DE" b="1" dirty="0"/>
+              <a:t> </a:t>
+            </a:r>
+            <a:r>
+              <a:rPr lang="de-DE" b="1" dirty="0" err="1"/>
+              <a:t>name</a:t>
+            </a:r>
+            <a:r>
+              <a:rPr lang="de-DE" b="1" dirty="0"/>
+              <a:t> </a:t>
+            </a:r>
+            <a:r>
+              <a:rPr lang="de-DE" b="1" dirty="0" err="1"/>
+              <a:t>pattern</a:t>
+            </a:r>
+            <a:endParaRPr lang="de-DE" b="1" dirty="0"/>
+          </a:p>
+        </p:txBody>
+      </p:sp>
+      <p:sp>
+        <p:nvSpPr>
+          <p:cNvPr id="40" name="Textfeld 39">
+            <a:extLst>
+              <a:ext uri="{FF2B5EF4-FFF2-40B4-BE49-F238E27FC236}">
+                <a16:creationId xmlns:a16="http://schemas.microsoft.com/office/drawing/2014/main" id="{7250161D-0BE3-E927-60DA-7418EA521802}"/>
+              </a:ext>
+            </a:extLst>
+          </p:cNvPr>
+          <p:cNvSpPr txBox="1"/>
+          <p:nvPr/>
+        </p:nvSpPr>
+        <p:spPr>
+          <a:xfrm>
+            <a:off x="6681346" y="4734789"/>
+            <a:ext cx="1171667" cy="369332"/>
+          </a:xfrm>
+          <a:prstGeom prst="rect">
+            <a:avLst/>
+          </a:prstGeom>
+          <a:noFill/>
+        </p:spPr>
+        <p:txBody>
+          <a:bodyPr wrap="none" rtlCol="0">
+            <a:spAutoFit/>
+          </a:bodyPr>
+          <a:lstStyle/>
+          <a:p>
+            <a:r>
+              <a:rPr lang="de-DE" dirty="0" err="1"/>
+              <a:t>parameter</a:t>
+            </a:r>
+            <a:endParaRPr lang="de-DE" dirty="0"/>
+          </a:p>
+        </p:txBody>
+      </p:sp>
+      <p:cxnSp>
+        <p:nvCxnSpPr>
+          <p:cNvPr id="41" name="Gerade Verbindung mit Pfeil 40">
+            <a:extLst>
+              <a:ext uri="{FF2B5EF4-FFF2-40B4-BE49-F238E27FC236}">
+                <a16:creationId xmlns:a16="http://schemas.microsoft.com/office/drawing/2014/main" id="{14FD50C6-E0D0-4A06-1974-E66036B9C515}"/>
+              </a:ext>
+            </a:extLst>
+          </p:cNvPr>
+          <p:cNvCxnSpPr>
+            <a:cxnSpLocks/>
+            <a:stCxn id="40" idx="0"/>
+          </p:cNvCxnSpPr>
+          <p:nvPr/>
+        </p:nvCxnSpPr>
+        <p:spPr>
+          <a:xfrm flipV="1">
+            <a:off x="7267180" y="4286804"/>
+            <a:ext cx="0" cy="447985"/>
+          </a:xfrm>
+          <a:prstGeom prst="straightConnector1">
+            <a:avLst/>
+          </a:prstGeom>
+          <a:ln>
+            <a:tailEnd type="triangle"/>
+          </a:ln>
+        </p:spPr>
+        <p:style>
+          <a:lnRef idx="1">
+            <a:schemeClr val="accent1"/>
+          </a:lnRef>
+          <a:fillRef idx="0">
+            <a:schemeClr val="accent1"/>
+          </a:fillRef>
+          <a:effectRef idx="0">
+            <a:schemeClr val="accent1"/>
+          </a:effectRef>
+          <a:fontRef idx="minor">
+            <a:schemeClr val="tx1"/>
+          </a:fontRef>
+        </p:style>
+      </p:cxnSp>
+      <p:pic>
+        <p:nvPicPr>
+          <p:cNvPr id="46" name="Grafik 45">
+            <a:extLst>
+              <a:ext uri="{FF2B5EF4-FFF2-40B4-BE49-F238E27FC236}">
+                <a16:creationId xmlns:a16="http://schemas.microsoft.com/office/drawing/2014/main" id="{797DF7DE-041D-BB3D-2E31-2C8AB772CF66}"/>
+              </a:ext>
+            </a:extLst>
+          </p:cNvPr>
+          <p:cNvPicPr>
+            <a:picLocks noChangeAspect="1"/>
+          </p:cNvPicPr>
+          <p:nvPr/>
+        </p:nvPicPr>
+        <p:blipFill>
+          <a:blip r:embed="rId3"/>
+          <a:stretch>
+            <a:fillRect/>
+          </a:stretch>
+        </p:blipFill>
+        <p:spPr>
+          <a:xfrm>
+            <a:off x="8765726" y="4005064"/>
+            <a:ext cx="2849586" cy="1562101"/>
+          </a:xfrm>
+          <a:prstGeom prst="rect">
+            <a:avLst/>
+          </a:prstGeom>
+        </p:spPr>
+      </p:pic>
+      <p:sp>
+        <p:nvSpPr>
+          <p:cNvPr id="47" name="Textfeld 46">
+            <a:extLst>
+              <a:ext uri="{FF2B5EF4-FFF2-40B4-BE49-F238E27FC236}">
+                <a16:creationId xmlns:a16="http://schemas.microsoft.com/office/drawing/2014/main" id="{6056741F-C6E4-1EC4-E31F-BD72105D6107}"/>
+              </a:ext>
+            </a:extLst>
+          </p:cNvPr>
+          <p:cNvSpPr txBox="1"/>
+          <p:nvPr/>
+        </p:nvSpPr>
+        <p:spPr>
+          <a:xfrm>
+            <a:off x="-1" y="5704218"/>
+            <a:ext cx="12187802" cy="276999"/>
           </a:xfrm>
           <a:prstGeom prst="rect">
             <a:avLst/>
@@ -10308,39 +11474,49 @@
           <a:lstStyle/>
           <a:p>
             <a:r>
-              <a:rPr lang="en-US" sz="1200" b="0" i="0" u="none" strike="noStrike" baseline="0" dirty="0">
+              <a:rPr lang="en-US" sz="1200" dirty="0">
                 <a:latin typeface="ArialMT"/>
               </a:rPr>
-              <a:t>G. Rhoden</a:t>
-            </a:r>
-            <a:r>
-              <a:rPr lang="en-US" sz="1200" i="1" u="none" strike="noStrike" baseline="0" dirty="0">
+              <a:t>https://pubchem.ncbi.nlm.nih.gov/docs/pug-rest-tutorial</a:t>
+            </a:r>
+            <a:endParaRPr lang="de-DE" sz="1200" i="1" baseline="30000" dirty="0"/>
+          </a:p>
+        </p:txBody>
+      </p:sp>
+      <p:sp>
+        <p:nvSpPr>
+          <p:cNvPr id="49" name="Textfeld 48">
+            <a:extLst>
+              <a:ext uri="{FF2B5EF4-FFF2-40B4-BE49-F238E27FC236}">
+                <a16:creationId xmlns:a16="http://schemas.microsoft.com/office/drawing/2014/main" id="{CB8A344B-DFFC-8184-0458-30BAC653E942}"/>
+              </a:ext>
+            </a:extLst>
+          </p:cNvPr>
+          <p:cNvSpPr txBox="1"/>
+          <p:nvPr/>
+        </p:nvSpPr>
+        <p:spPr>
+          <a:xfrm>
+            <a:off x="-1" y="5979770"/>
+            <a:ext cx="12187802" cy="276999"/>
+          </a:xfrm>
+          <a:prstGeom prst="rect">
+            <a:avLst/>
+          </a:prstGeom>
+          <a:noFill/>
+        </p:spPr>
+        <p:txBody>
+          <a:bodyPr wrap="square">
+            <a:spAutoFit/>
+          </a:bodyPr>
+          <a:lstStyle/>
+          <a:p>
+            <a:r>
+              <a:rPr lang="en-US" sz="1200" dirty="0">
                 <a:latin typeface="ArialMT"/>
               </a:rPr>
-              <a:t>, </a:t>
-            </a:r>
-            <a:r>
-              <a:rPr lang="en-US" sz="1200" i="1" dirty="0"/>
-              <a:t>API-Patterns: Shared Kernel, Anti-Corruption Layer &amp; Co. – </a:t>
-            </a:r>
-            <a:r>
-              <a:rPr lang="en-US" sz="1200" i="1" dirty="0" err="1"/>
-              <a:t>wie</a:t>
-            </a:r>
-            <a:r>
-              <a:rPr lang="en-US" sz="1200" i="1" dirty="0"/>
-              <a:t> bitte?! // Deutsch, </a:t>
-            </a:r>
-            <a:r>
-              <a:rPr lang="en-US" sz="1200" b="1" i="1" dirty="0"/>
-              <a:t>2024</a:t>
-            </a:r>
-            <a:r>
-              <a:rPr lang="en-US" sz="1200" i="1" dirty="0"/>
-              <a:t>, [https://www.youtube.com/watch?v=n47RSfeFIy8]</a:t>
-            </a:r>
-          </a:p>
-          <a:p>
+              <a:t>https://www.ebi.ac.uk/chembl/ws</a:t>
+            </a:r>
             <a:endParaRPr lang="de-DE" sz="1200" i="1" baseline="30000" dirty="0"/>
           </a:p>
         </p:txBody>
@@ -10348,7 +11524,7 @@
     </p:spTree>
     <p:extLst>
       <p:ext uri="{BB962C8B-B14F-4D97-AF65-F5344CB8AC3E}">
-        <p14:creationId xmlns:p14="http://schemas.microsoft.com/office/powerpoint/2010/main" val="2229518336"/>
+        <p14:creationId xmlns:p14="http://schemas.microsoft.com/office/powerpoint/2010/main" val="3260850220"/>
       </p:ext>
     </p:extLst>
   </p:cSld>
@@ -10397,13 +11573,30 @@
           <a:lstStyle/>
           <a:p>
             <a:r>
-              <a:rPr lang="en-US" sz="2400" b="1" dirty="0"/>
-              <a:t>Short introduction </a:t>
+              <a:rPr lang="de-DE" sz="2400" b="1" dirty="0"/>
+              <a:t>API – REST </a:t>
+            </a:r>
+            <a:r>
+              <a:rPr lang="de-DE" sz="2400" b="1" dirty="0" err="1"/>
+              <a:t>Example</a:t>
+            </a:r>
+            <a:r>
+              <a:rPr lang="de-DE" sz="2400" b="1" dirty="0"/>
+              <a:t> </a:t>
+            </a:r>
+            <a:r>
+              <a:rPr lang="de-DE" sz="2400" b="1" dirty="0" err="1"/>
+              <a:t>javascript</a:t>
+            </a:r>
+            <a:r>
+              <a:rPr lang="de-DE" sz="2400" b="1" dirty="0"/>
+              <a:t> and </a:t>
+            </a:r>
+            <a:r>
+              <a:rPr lang="de-DE" sz="2400" b="1" dirty="0" err="1"/>
+              <a:t>python</a:t>
             </a:r>
             <a:endParaRPr lang="de-DE" sz="2400" b="1" dirty="0"/>
-          </a:p>
-          <a:p>
-            <a:endParaRPr lang="de-DE" dirty="0"/>
           </a:p>
         </p:txBody>
       </p:sp>
@@ -10439,287 +11632,12 @@
               <a:t>Sustainable software development / chapter 1</a:t>
             </a:r>
           </a:p>
-          <a:p>
-            <a:endParaRPr lang="de-DE" dirty="0"/>
-          </a:p>
-        </p:txBody>
-      </p:sp>
-      <p:sp>
-        <p:nvSpPr>
-          <p:cNvPr id="8" name="Textfeld 8">
-            <a:extLst>
-              <a:ext uri="{FF2B5EF4-FFF2-40B4-BE49-F238E27FC236}">
-                <a16:creationId xmlns:a16="http://schemas.microsoft.com/office/drawing/2014/main" id="{D9E4E258-1090-7A70-DF51-176C4BD82FCB}"/>
-              </a:ext>
-            </a:extLst>
-          </p:cNvPr>
-          <p:cNvSpPr txBox="1"/>
-          <p:nvPr/>
-        </p:nvSpPr>
-        <p:spPr>
-          <a:xfrm>
-            <a:off x="2504261" y="2276872"/>
-            <a:ext cx="5957406" cy="1107996"/>
-          </a:xfrm>
-          <a:prstGeom prst="rect">
-            <a:avLst/>
-          </a:prstGeom>
-          <a:noFill/>
-        </p:spPr>
-        <p:txBody>
-          <a:bodyPr wrap="square" rtlCol="0">
-            <a:spAutoFit/>
-          </a:bodyPr>
-          <a:lstStyle>
-            <a:defPPr>
-              <a:defRPr lang="de-DE"/>
-            </a:defPPr>
-            <a:lvl1pPr marL="0" algn="l" defTabSz="914400" rtl="0" eaLnBrk="1" latinLnBrk="0" hangingPunct="1">
-              <a:defRPr sz="1800" kern="1200">
-                <a:solidFill>
-                  <a:schemeClr val="tx1"/>
-                </a:solidFill>
-                <a:latin typeface="+mn-lt"/>
-                <a:ea typeface="+mn-ea"/>
-                <a:cs typeface="+mn-cs"/>
-              </a:defRPr>
-            </a:lvl1pPr>
-            <a:lvl2pPr marL="457200" algn="l" defTabSz="914400" rtl="0" eaLnBrk="1" latinLnBrk="0" hangingPunct="1">
-              <a:defRPr sz="1800" kern="1200">
-                <a:solidFill>
-                  <a:schemeClr val="tx1"/>
-                </a:solidFill>
-                <a:latin typeface="+mn-lt"/>
-                <a:ea typeface="+mn-ea"/>
-                <a:cs typeface="+mn-cs"/>
-              </a:defRPr>
-            </a:lvl2pPr>
-            <a:lvl3pPr marL="914400" algn="l" defTabSz="914400" rtl="0" eaLnBrk="1" latinLnBrk="0" hangingPunct="1">
-              <a:defRPr sz="1800" kern="1200">
-                <a:solidFill>
-                  <a:schemeClr val="tx1"/>
-                </a:solidFill>
-                <a:latin typeface="+mn-lt"/>
-                <a:ea typeface="+mn-ea"/>
-                <a:cs typeface="+mn-cs"/>
-              </a:defRPr>
-            </a:lvl3pPr>
-            <a:lvl4pPr marL="1371600" algn="l" defTabSz="914400" rtl="0" eaLnBrk="1" latinLnBrk="0" hangingPunct="1">
-              <a:defRPr sz="1800" kern="1200">
-                <a:solidFill>
-                  <a:schemeClr val="tx1"/>
-                </a:solidFill>
-                <a:latin typeface="+mn-lt"/>
-                <a:ea typeface="+mn-ea"/>
-                <a:cs typeface="+mn-cs"/>
-              </a:defRPr>
-            </a:lvl4pPr>
-            <a:lvl5pPr marL="1828800" algn="l" defTabSz="914400" rtl="0" eaLnBrk="1" latinLnBrk="0" hangingPunct="1">
-              <a:defRPr sz="1800" kern="1200">
-                <a:solidFill>
-                  <a:schemeClr val="tx1"/>
-                </a:solidFill>
-                <a:latin typeface="+mn-lt"/>
-                <a:ea typeface="+mn-ea"/>
-                <a:cs typeface="+mn-cs"/>
-              </a:defRPr>
-            </a:lvl5pPr>
-            <a:lvl6pPr marL="2286000" algn="l" defTabSz="914400" rtl="0" eaLnBrk="1" latinLnBrk="0" hangingPunct="1">
-              <a:defRPr sz="1800" kern="1200">
-                <a:solidFill>
-                  <a:schemeClr val="tx1"/>
-                </a:solidFill>
-                <a:latin typeface="+mn-lt"/>
-                <a:ea typeface="+mn-ea"/>
-                <a:cs typeface="+mn-cs"/>
-              </a:defRPr>
-            </a:lvl6pPr>
-            <a:lvl7pPr marL="2743200" algn="l" defTabSz="914400" rtl="0" eaLnBrk="1" latinLnBrk="0" hangingPunct="1">
-              <a:defRPr sz="1800" kern="1200">
-                <a:solidFill>
-                  <a:schemeClr val="tx1"/>
-                </a:solidFill>
-                <a:latin typeface="+mn-lt"/>
-                <a:ea typeface="+mn-ea"/>
-                <a:cs typeface="+mn-cs"/>
-              </a:defRPr>
-            </a:lvl7pPr>
-            <a:lvl8pPr marL="3200400" algn="l" defTabSz="914400" rtl="0" eaLnBrk="1" latinLnBrk="0" hangingPunct="1">
-              <a:defRPr sz="1800" kern="1200">
-                <a:solidFill>
-                  <a:schemeClr val="tx1"/>
-                </a:solidFill>
-                <a:latin typeface="+mn-lt"/>
-                <a:ea typeface="+mn-ea"/>
-                <a:cs typeface="+mn-cs"/>
-              </a:defRPr>
-            </a:lvl8pPr>
-            <a:lvl9pPr marL="3657600" algn="l" defTabSz="914400" rtl="0" eaLnBrk="1" latinLnBrk="0" hangingPunct="1">
-              <a:defRPr sz="1800" kern="1200">
-                <a:solidFill>
-                  <a:schemeClr val="tx1"/>
-                </a:solidFill>
-                <a:latin typeface="+mn-lt"/>
-                <a:ea typeface="+mn-ea"/>
-                <a:cs typeface="+mn-cs"/>
-              </a:defRPr>
-            </a:lvl9pPr>
-          </a:lstStyle>
-          <a:p>
-            <a:pPr marL="285750" indent="-285750">
-              <a:buFont typeface="Arial" panose="020B0604020202020204" pitchFamily="34" charset="0"/>
-              <a:buChar char="•"/>
-            </a:pPr>
-            <a:r>
-              <a:rPr lang="de-DE" sz="1600" dirty="0"/>
-              <a:t>Problems </a:t>
-            </a:r>
-            <a:r>
-              <a:rPr lang="de-DE" sz="1600" dirty="0" err="1"/>
-              <a:t>with</a:t>
-            </a:r>
-            <a:r>
-              <a:rPr lang="de-DE" sz="1600" dirty="0"/>
-              <a:t> APIs</a:t>
-            </a:r>
-          </a:p>
-          <a:p>
-            <a:pPr marL="285750" indent="-285750">
-              <a:buFont typeface="Arial" panose="020B0604020202020204" pitchFamily="34" charset="0"/>
-              <a:buChar char="•"/>
-            </a:pPr>
-            <a:r>
-              <a:rPr lang="de-DE" sz="1600" dirty="0"/>
-              <a:t>Not </a:t>
-            </a:r>
-            <a:r>
-              <a:rPr lang="de-DE" sz="1600" dirty="0" err="1"/>
-              <a:t>stable</a:t>
-            </a:r>
-            <a:r>
-              <a:rPr lang="de-DE" sz="1600" dirty="0"/>
-              <a:t>, </a:t>
-            </a:r>
-            <a:r>
-              <a:rPr lang="de-DE" sz="1600" dirty="0" err="1"/>
-              <a:t>unclear</a:t>
-            </a:r>
-            <a:r>
-              <a:rPr lang="de-DE" sz="1600" dirty="0"/>
-              <a:t>, ….</a:t>
-            </a:r>
-          </a:p>
-          <a:p>
-            <a:pPr marL="285750" indent="-285750">
-              <a:buFont typeface="Arial" panose="020B0604020202020204" pitchFamily="34" charset="0"/>
-              <a:buChar char="•"/>
-            </a:pPr>
-            <a:r>
-              <a:rPr lang="de-DE" sz="1600" dirty="0" err="1"/>
-              <a:t>Testablility</a:t>
-            </a:r>
-            <a:r>
-              <a:rPr lang="de-DE" sz="1600" dirty="0"/>
-              <a:t> -&gt; </a:t>
-            </a:r>
-            <a:r>
-              <a:rPr lang="de-DE" sz="1600" dirty="0" err="1"/>
-              <a:t>leads</a:t>
-            </a:r>
-            <a:r>
-              <a:rPr lang="de-DE" sz="1600" dirty="0"/>
-              <a:t> </a:t>
-            </a:r>
-            <a:r>
-              <a:rPr lang="de-DE" sz="1600" dirty="0" err="1"/>
-              <a:t>to</a:t>
-            </a:r>
-            <a:r>
-              <a:rPr lang="de-DE" sz="1600" dirty="0"/>
-              <a:t> </a:t>
-            </a:r>
-            <a:r>
-              <a:rPr lang="de-DE" sz="1600" dirty="0" err="1"/>
-              <a:t>next</a:t>
-            </a:r>
-            <a:r>
-              <a:rPr lang="de-DE" sz="1600" dirty="0"/>
-              <a:t> </a:t>
-            </a:r>
-            <a:r>
-              <a:rPr lang="de-DE" sz="1600" dirty="0" err="1"/>
-              <a:t>slide</a:t>
-            </a:r>
-            <a:endParaRPr lang="de-DE" sz="1600" dirty="0"/>
-          </a:p>
-          <a:p>
-            <a:endParaRPr lang="de-DE" dirty="0"/>
-          </a:p>
-        </p:txBody>
-      </p:sp>
-      <p:sp>
-        <p:nvSpPr>
-          <p:cNvPr id="15" name="Textfeld 14">
-            <a:extLst>
-              <a:ext uri="{FF2B5EF4-FFF2-40B4-BE49-F238E27FC236}">
-                <a16:creationId xmlns:a16="http://schemas.microsoft.com/office/drawing/2014/main" id="{D19EC54F-12A9-7F99-BB27-335252FE8020}"/>
-              </a:ext>
-            </a:extLst>
-          </p:cNvPr>
-          <p:cNvSpPr txBox="1"/>
-          <p:nvPr/>
-        </p:nvSpPr>
-        <p:spPr>
-          <a:xfrm>
-            <a:off x="4583832" y="6003586"/>
-            <a:ext cx="1798265" cy="276999"/>
-          </a:xfrm>
-          <a:prstGeom prst="rect">
-            <a:avLst/>
-          </a:prstGeom>
-          <a:noFill/>
-        </p:spPr>
-        <p:txBody>
-          <a:bodyPr wrap="square">
-            <a:spAutoFit/>
-          </a:bodyPr>
-          <a:lstStyle/>
-          <a:p>
-            <a:r>
-              <a:rPr lang="de-DE" sz="1200" i="1" dirty="0" err="1"/>
-              <a:t>Inner</a:t>
-            </a:r>
-            <a:r>
-              <a:rPr lang="de-DE" sz="1200" i="1" dirty="0"/>
-              <a:t> </a:t>
-            </a:r>
-            <a:r>
-              <a:rPr lang="de-DE" sz="1200" i="1" dirty="0" err="1"/>
-              <a:t>german</a:t>
-            </a:r>
-            <a:r>
-              <a:rPr lang="de-DE" sz="1200" i="1" dirty="0"/>
-              <a:t> </a:t>
-            </a:r>
-            <a:r>
-              <a:rPr lang="de-DE" sz="1200" i="1" dirty="0" err="1"/>
-              <a:t>border</a:t>
-            </a:r>
-            <a:r>
-              <a:rPr lang="de-DE" sz="1200" i="1" dirty="0"/>
-              <a:t>  </a:t>
-            </a:r>
-            <a:r>
-              <a:rPr lang="de-DE" sz="1200" i="1" baseline="30000" dirty="0"/>
-              <a:t>[4]</a:t>
-            </a:r>
-          </a:p>
         </p:txBody>
       </p:sp>
     </p:spTree>
     <p:extLst>
       <p:ext uri="{BB962C8B-B14F-4D97-AF65-F5344CB8AC3E}">
-        <p14:creationId xmlns:p14="http://schemas.microsoft.com/office/powerpoint/2010/main" val="2181985573"/>
+        <p14:creationId xmlns:p14="http://schemas.microsoft.com/office/powerpoint/2010/main" val="2211283676"/>
       </p:ext>
     </p:extLst>
   </p:cSld>
@@ -11868,13 +12786,14 @@
           <a:lstStyle/>
           <a:p>
             <a:r>
-              <a:rPr lang="en-US" sz="2400" b="1" dirty="0"/>
-              <a:t>Short introduction </a:t>
+              <a:rPr lang="de-DE" sz="2400" b="1" dirty="0"/>
+              <a:t>API – REST </a:t>
+            </a:r>
+            <a:r>
+              <a:rPr lang="de-DE" sz="2400" b="1" dirty="0" err="1"/>
+              <a:t>Example</a:t>
             </a:r>
             <a:endParaRPr lang="de-DE" sz="2400" b="1" dirty="0"/>
-          </a:p>
-          <a:p>
-            <a:endParaRPr lang="de-DE" dirty="0"/>
           </a:p>
         </p:txBody>
       </p:sp>
@@ -11910,17 +12829,14 @@
               <a:t>Sustainable software development / chapter 1</a:t>
             </a:r>
           </a:p>
-          <a:p>
-            <a:endParaRPr lang="de-DE" dirty="0"/>
-          </a:p>
         </p:txBody>
       </p:sp>
       <p:sp>
         <p:nvSpPr>
-          <p:cNvPr id="8" name="Textfeld 8">
-            <a:extLst>
-              <a:ext uri="{FF2B5EF4-FFF2-40B4-BE49-F238E27FC236}">
-                <a16:creationId xmlns:a16="http://schemas.microsoft.com/office/drawing/2014/main" id="{D9E4E258-1090-7A70-DF51-176C4BD82FCB}"/>
+          <p:cNvPr id="6" name="Textfeld 5">
+            <a:extLst>
+              <a:ext uri="{FF2B5EF4-FFF2-40B4-BE49-F238E27FC236}">
+                <a16:creationId xmlns:a16="http://schemas.microsoft.com/office/drawing/2014/main" id="{C3357F99-F307-47AC-4D53-00106EB96FDB}"/>
               </a:ext>
             </a:extLst>
           </p:cNvPr>
@@ -11929,8 +12845,213 @@
         </p:nvSpPr>
         <p:spPr>
           <a:xfrm>
-            <a:off x="2927648" y="2636912"/>
-            <a:ext cx="5957406" cy="1600438"/>
+            <a:off x="257786" y="1311827"/>
+            <a:ext cx="7846763" cy="369332"/>
+          </a:xfrm>
+          <a:prstGeom prst="rect">
+            <a:avLst/>
+          </a:prstGeom>
+          <a:noFill/>
+        </p:spPr>
+        <p:txBody>
+          <a:bodyPr wrap="none" rtlCol="0">
+            <a:spAutoFit/>
+          </a:bodyPr>
+          <a:lstStyle/>
+          <a:p>
+            <a:r>
+              <a:rPr lang="de-DE" dirty="0"/>
+              <a:t>https://</a:t>
+            </a:r>
+            <a:r>
+              <a:rPr lang="de-DE" dirty="0">
+                <a:solidFill>
+                  <a:schemeClr val="accent6">
+                    <a:lumMod val="50000"/>
+                  </a:schemeClr>
+                </a:solidFill>
+              </a:rPr>
+              <a:t>pubchem.ncbi.nlm.nih.gov/rest/pug/</a:t>
+            </a:r>
+            <a:r>
+              <a:rPr lang="de-DE" dirty="0">
+                <a:solidFill>
+                  <a:schemeClr val="accent1"/>
+                </a:solidFill>
+              </a:rPr>
+              <a:t>substance/sid/10000/synonyms/json</a:t>
+            </a:r>
+          </a:p>
+        </p:txBody>
+      </p:sp>
+      <p:sp>
+        <p:nvSpPr>
+          <p:cNvPr id="30" name="Textfeld 29">
+            <a:extLst>
+              <a:ext uri="{FF2B5EF4-FFF2-40B4-BE49-F238E27FC236}">
+                <a16:creationId xmlns:a16="http://schemas.microsoft.com/office/drawing/2014/main" id="{D150B946-0567-60F3-F0AE-3C5AE8DBDCA4}"/>
+              </a:ext>
+            </a:extLst>
+          </p:cNvPr>
+          <p:cNvSpPr txBox="1"/>
+          <p:nvPr/>
+        </p:nvSpPr>
+        <p:spPr>
+          <a:xfrm>
+            <a:off x="2402040" y="1790924"/>
+            <a:ext cx="7387920" cy="369332"/>
+          </a:xfrm>
+          <a:prstGeom prst="rect">
+            <a:avLst/>
+          </a:prstGeom>
+          <a:noFill/>
+        </p:spPr>
+        <p:txBody>
+          <a:bodyPr wrap="none" rtlCol="0">
+            <a:spAutoFit/>
+          </a:bodyPr>
+          <a:lstStyle/>
+          <a:p>
+            <a:r>
+              <a:rPr lang="de-DE" dirty="0"/>
+              <a:t>https://</a:t>
+            </a:r>
+            <a:r>
+              <a:rPr lang="de-DE" dirty="0">
+                <a:solidFill>
+                  <a:schemeClr val="accent6">
+                    <a:lumMod val="50000"/>
+                  </a:schemeClr>
+                </a:solidFill>
+              </a:rPr>
+              <a:t>www.ebi.ac.uk/chembl/api/</a:t>
+            </a:r>
+            <a:r>
+              <a:rPr lang="de-DE" dirty="0">
+                <a:solidFill>
+                  <a:schemeClr val="accent1"/>
+                </a:solidFill>
+              </a:rPr>
+              <a:t>data/target</a:t>
+            </a:r>
+            <a:r>
+              <a:rPr lang="de-DE" dirty="0"/>
+              <a:t>?</a:t>
+            </a:r>
+            <a:r>
+              <a:rPr lang="de-DE" dirty="0">
+                <a:solidFill>
+                  <a:schemeClr val="accent3">
+                    <a:lumMod val="75000"/>
+                  </a:schemeClr>
+                </a:solidFill>
+              </a:rPr>
+              <a:t>pref_name__contains=cyclin</a:t>
+            </a:r>
+          </a:p>
+        </p:txBody>
+      </p:sp>
+      <p:pic>
+        <p:nvPicPr>
+          <p:cNvPr id="12" name="Grafik 11" descr="Ein Bild, das Clipart, Cartoon, Zeichnung, Animierter Cartoon enthält.&#10;&#10;Automatisch generierte Beschreibung">
+            <a:extLst>
+              <a:ext uri="{FF2B5EF4-FFF2-40B4-BE49-F238E27FC236}">
+                <a16:creationId xmlns:a16="http://schemas.microsoft.com/office/drawing/2014/main" id="{29ACBF28-99FD-E2BB-9C6B-5D1A2CDB08DA}"/>
+              </a:ext>
+            </a:extLst>
+          </p:cNvPr>
+          <p:cNvPicPr>
+            <a:picLocks noChangeAspect="1"/>
+          </p:cNvPicPr>
+          <p:nvPr/>
+        </p:nvPicPr>
+        <p:blipFill>
+          <a:blip r:embed="rId2" cstate="print">
+            <a:extLst>
+              <a:ext uri="{28A0092B-C50C-407E-A947-70E740481C1C}">
+                <a14:useLocalDpi xmlns:a14="http://schemas.microsoft.com/office/drawing/2010/main" val="0"/>
+              </a:ext>
+              <a:ext uri="{837473B0-CC2E-450A-ABE3-18F120FF3D39}">
+                <a1611:picAttrSrcUrl xmlns:a1611="http://schemas.microsoft.com/office/drawing/2016/11/main" r:id="rId3"/>
+              </a:ext>
+            </a:extLst>
+          </a:blip>
+          <a:stretch>
+            <a:fillRect/>
+          </a:stretch>
+        </p:blipFill>
+        <p:spPr>
+          <a:xfrm>
+            <a:off x="623392" y="1853239"/>
+            <a:ext cx="1009347" cy="1326150"/>
+          </a:xfrm>
+          <a:prstGeom prst="rect">
+            <a:avLst/>
+          </a:prstGeom>
+        </p:spPr>
+      </p:pic>
+      <p:sp>
+        <p:nvSpPr>
+          <p:cNvPr id="13" name="Denkblase: wolkenförmig 12">
+            <a:extLst>
+              <a:ext uri="{FF2B5EF4-FFF2-40B4-BE49-F238E27FC236}">
+                <a16:creationId xmlns:a16="http://schemas.microsoft.com/office/drawing/2014/main" id="{0D6DEE74-4FA7-A597-D62E-088786F827B1}"/>
+              </a:ext>
+            </a:extLst>
+          </p:cNvPr>
+          <p:cNvSpPr/>
+          <p:nvPr/>
+        </p:nvSpPr>
+        <p:spPr>
+          <a:xfrm>
+            <a:off x="2845880" y="2160256"/>
+            <a:ext cx="2994952" cy="2132981"/>
+          </a:xfrm>
+          <a:prstGeom prst="cloudCallout">
+            <a:avLst>
+              <a:gd name="adj1" fmla="val -86422"/>
+              <a:gd name="adj2" fmla="val -46870"/>
+            </a:avLst>
+          </a:prstGeom>
+          <a:ln>
+            <a:solidFill>
+              <a:schemeClr val="tx1"/>
+            </a:solidFill>
+          </a:ln>
+        </p:spPr>
+        <p:txBody>
+          <a:bodyPr wrap="square" rtlCol="0" anchor="ctr">
+            <a:spAutoFit/>
+          </a:bodyPr>
+          <a:lstStyle/>
+          <a:p>
+            <a:pPr algn="ctr"/>
+            <a:endParaRPr lang="de-DE" sz="2000" b="1" dirty="0">
+              <a:solidFill>
+                <a:schemeClr val="accent3">
+                  <a:lumMod val="75000"/>
+                </a:schemeClr>
+              </a:solidFill>
+            </a:endParaRPr>
+          </a:p>
+        </p:txBody>
+      </p:sp>
+      <p:sp>
+        <p:nvSpPr>
+          <p:cNvPr id="14" name="Textfeld 13">
+            <a:extLst>
+              <a:ext uri="{FF2B5EF4-FFF2-40B4-BE49-F238E27FC236}">
+                <a16:creationId xmlns:a16="http://schemas.microsoft.com/office/drawing/2014/main" id="{64A594C7-C91C-451B-FB81-21EF2A5375DC}"/>
+              </a:ext>
+            </a:extLst>
+          </p:cNvPr>
+          <p:cNvSpPr txBox="1"/>
+          <p:nvPr/>
+        </p:nvSpPr>
+        <p:spPr>
+          <a:xfrm>
+            <a:off x="3194414" y="2650850"/>
+            <a:ext cx="2297883" cy="1200329"/>
           </a:xfrm>
           <a:prstGeom prst="rect">
             <a:avLst/>
@@ -11941,264 +13062,84 @@
           <a:bodyPr wrap="square" rtlCol="0">
             <a:spAutoFit/>
           </a:bodyPr>
-          <a:lstStyle>
-            <a:defPPr>
-              <a:defRPr lang="de-DE"/>
-            </a:defPPr>
-            <a:lvl1pPr marL="0" algn="l" defTabSz="914400" rtl="0" eaLnBrk="1" latinLnBrk="0" hangingPunct="1">
-              <a:defRPr sz="1800" kern="1200">
-                <a:solidFill>
-                  <a:schemeClr val="tx1"/>
-                </a:solidFill>
-                <a:latin typeface="+mn-lt"/>
-                <a:ea typeface="+mn-ea"/>
-                <a:cs typeface="+mn-cs"/>
-              </a:defRPr>
-            </a:lvl1pPr>
-            <a:lvl2pPr marL="457200" algn="l" defTabSz="914400" rtl="0" eaLnBrk="1" latinLnBrk="0" hangingPunct="1">
-              <a:defRPr sz="1800" kern="1200">
-                <a:solidFill>
-                  <a:schemeClr val="tx1"/>
-                </a:solidFill>
-                <a:latin typeface="+mn-lt"/>
-                <a:ea typeface="+mn-ea"/>
-                <a:cs typeface="+mn-cs"/>
-              </a:defRPr>
-            </a:lvl2pPr>
-            <a:lvl3pPr marL="914400" algn="l" defTabSz="914400" rtl="0" eaLnBrk="1" latinLnBrk="0" hangingPunct="1">
-              <a:defRPr sz="1800" kern="1200">
-                <a:solidFill>
-                  <a:schemeClr val="tx1"/>
-                </a:solidFill>
-                <a:latin typeface="+mn-lt"/>
-                <a:ea typeface="+mn-ea"/>
-                <a:cs typeface="+mn-cs"/>
-              </a:defRPr>
-            </a:lvl3pPr>
-            <a:lvl4pPr marL="1371600" algn="l" defTabSz="914400" rtl="0" eaLnBrk="1" latinLnBrk="0" hangingPunct="1">
-              <a:defRPr sz="1800" kern="1200">
-                <a:solidFill>
-                  <a:schemeClr val="tx1"/>
-                </a:solidFill>
-                <a:latin typeface="+mn-lt"/>
-                <a:ea typeface="+mn-ea"/>
-                <a:cs typeface="+mn-cs"/>
-              </a:defRPr>
-            </a:lvl4pPr>
-            <a:lvl5pPr marL="1828800" algn="l" defTabSz="914400" rtl="0" eaLnBrk="1" latinLnBrk="0" hangingPunct="1">
-              <a:defRPr sz="1800" kern="1200">
-                <a:solidFill>
-                  <a:schemeClr val="tx1"/>
-                </a:solidFill>
-                <a:latin typeface="+mn-lt"/>
-                <a:ea typeface="+mn-ea"/>
-                <a:cs typeface="+mn-cs"/>
-              </a:defRPr>
-            </a:lvl5pPr>
-            <a:lvl6pPr marL="2286000" algn="l" defTabSz="914400" rtl="0" eaLnBrk="1" latinLnBrk="0" hangingPunct="1">
-              <a:defRPr sz="1800" kern="1200">
-                <a:solidFill>
-                  <a:schemeClr val="tx1"/>
-                </a:solidFill>
-                <a:latin typeface="+mn-lt"/>
-                <a:ea typeface="+mn-ea"/>
-                <a:cs typeface="+mn-cs"/>
-              </a:defRPr>
-            </a:lvl6pPr>
-            <a:lvl7pPr marL="2743200" algn="l" defTabSz="914400" rtl="0" eaLnBrk="1" latinLnBrk="0" hangingPunct="1">
-              <a:defRPr sz="1800" kern="1200">
-                <a:solidFill>
-                  <a:schemeClr val="tx1"/>
-                </a:solidFill>
-                <a:latin typeface="+mn-lt"/>
-                <a:ea typeface="+mn-ea"/>
-                <a:cs typeface="+mn-cs"/>
-              </a:defRPr>
-            </a:lvl7pPr>
-            <a:lvl8pPr marL="3200400" algn="l" defTabSz="914400" rtl="0" eaLnBrk="1" latinLnBrk="0" hangingPunct="1">
-              <a:defRPr sz="1800" kern="1200">
-                <a:solidFill>
-                  <a:schemeClr val="tx1"/>
-                </a:solidFill>
-                <a:latin typeface="+mn-lt"/>
-                <a:ea typeface="+mn-ea"/>
-                <a:cs typeface="+mn-cs"/>
-              </a:defRPr>
-            </a:lvl8pPr>
-            <a:lvl9pPr marL="3657600" algn="l" defTabSz="914400" rtl="0" eaLnBrk="1" latinLnBrk="0" hangingPunct="1">
-              <a:defRPr sz="1800" kern="1200">
-                <a:solidFill>
-                  <a:schemeClr val="tx1"/>
-                </a:solidFill>
-                <a:latin typeface="+mn-lt"/>
-                <a:ea typeface="+mn-ea"/>
-                <a:cs typeface="+mn-cs"/>
-              </a:defRPr>
-            </a:lvl9pPr>
-          </a:lstStyle>
-          <a:p>
-            <a:pPr marL="285750" indent="-285750">
-              <a:buFont typeface="Arial" panose="020B0604020202020204" pitchFamily="34" charset="0"/>
-              <a:buChar char="•"/>
-            </a:pPr>
-            <a:r>
-              <a:rPr lang="de-DE" sz="1600" dirty="0" err="1"/>
-              <a:t>Again</a:t>
-            </a:r>
-            <a:r>
-              <a:rPr lang="de-DE" sz="1600" dirty="0"/>
+          <a:lstStyle/>
+          <a:p>
+            <a:pPr algn="ctr"/>
+            <a:r>
+              <a:rPr lang="de-DE" dirty="0"/>
+              <a:t>But </a:t>
+            </a:r>
+            <a:r>
+              <a:rPr lang="de-DE" dirty="0" err="1"/>
+              <a:t>how</a:t>
+            </a:r>
+            <a:r>
+              <a:rPr lang="de-DE" dirty="0"/>
+              <a:t> do i </a:t>
+            </a:r>
+            <a:r>
+              <a:rPr lang="de-DE" dirty="0" err="1"/>
+              <a:t>know</a:t>
+            </a:r>
+            <a:r>
+              <a:rPr lang="de-DE" dirty="0"/>
               <a:t> </a:t>
             </a:r>
             <a:r>
-              <a:rPr lang="de-DE" sz="1600" dirty="0" err="1"/>
-              <a:t>architecture</a:t>
-            </a:r>
-            <a:r>
-              <a:rPr lang="de-DE" sz="1600" dirty="0"/>
-              <a:t> and </a:t>
-            </a:r>
-            <a:r>
-              <a:rPr lang="de-DE" sz="1600" dirty="0" err="1"/>
-              <a:t>focus</a:t>
-            </a:r>
-            <a:r>
-              <a:rPr lang="de-DE" sz="1600" dirty="0"/>
-              <a:t> on </a:t>
-            </a:r>
-            <a:r>
-              <a:rPr lang="de-DE" sz="1600" dirty="0" err="1"/>
-              <a:t>testing</a:t>
-            </a:r>
-            <a:endParaRPr lang="de-DE" sz="1600" dirty="0"/>
-          </a:p>
-          <a:p>
-            <a:pPr marL="285750" indent="-285750">
-              <a:buFont typeface="Arial" panose="020B0604020202020204" pitchFamily="34" charset="0"/>
-              <a:buChar char="•"/>
-            </a:pPr>
-            <a:r>
-              <a:rPr lang="de-DE" sz="1600" dirty="0"/>
-              <a:t>Nachteil viel mehr Komponenten, komplexeres -&gt; Automatisierung/</a:t>
-            </a:r>
-            <a:r>
-              <a:rPr lang="de-DE" sz="1600" dirty="0" err="1"/>
-              <a:t>Github</a:t>
-            </a:r>
-            <a:r>
-              <a:rPr lang="de-DE" sz="1600" dirty="0"/>
-              <a:t> Actions </a:t>
-            </a:r>
-          </a:p>
-          <a:p>
-            <a:pPr marL="285750" indent="-285750">
-              <a:buFont typeface="Arial" panose="020B0604020202020204" pitchFamily="34" charset="0"/>
-              <a:buChar char="•"/>
-            </a:pPr>
-            <a:r>
-              <a:rPr lang="de-DE" sz="1600" dirty="0"/>
-              <a:t>-&gt; </a:t>
-            </a:r>
-            <a:r>
-              <a:rPr lang="de-DE" sz="1600" dirty="0" err="1"/>
-              <a:t>Github</a:t>
-            </a:r>
-            <a:r>
-              <a:rPr lang="de-DE" sz="1600" dirty="0"/>
+              <a:rPr lang="de-DE" dirty="0" err="1"/>
+              <a:t>what</a:t>
+            </a:r>
+            <a:r>
+              <a:rPr lang="de-DE" dirty="0"/>
               <a:t> </a:t>
             </a:r>
             <a:r>
-              <a:rPr lang="de-DE" sz="1600" dirty="0" err="1"/>
-              <a:t>actions</a:t>
-            </a:r>
-            <a:r>
-              <a:rPr lang="de-DE" sz="1600" dirty="0"/>
+              <a:rPr lang="de-DE" dirty="0" err="1"/>
+              <a:t>paths</a:t>
+            </a:r>
+            <a:r>
+              <a:rPr lang="de-DE" dirty="0"/>
               <a:t> </a:t>
             </a:r>
             <a:r>
-              <a:rPr lang="de-DE" sz="1600" dirty="0" err="1"/>
-              <a:t>example</a:t>
-            </a:r>
-            <a:endParaRPr lang="de-DE" sz="1600" dirty="0"/>
-          </a:p>
-          <a:p>
-            <a:pPr marL="285750" indent="-285750">
-              <a:buFont typeface="Arial" panose="020B0604020202020204" pitchFamily="34" charset="0"/>
-              <a:buChar char="•"/>
-            </a:pPr>
-            <a:r>
-              <a:rPr lang="de-DE" sz="1600" dirty="0" err="1"/>
-              <a:t>Testing</a:t>
-            </a:r>
-            <a:r>
-              <a:rPr lang="de-DE" sz="1600" dirty="0"/>
+              <a:rPr lang="de-DE" dirty="0" err="1"/>
+              <a:t>or</a:t>
+            </a:r>
+            <a:r>
+              <a:rPr lang="de-DE" dirty="0"/>
               <a:t> </a:t>
             </a:r>
             <a:r>
-              <a:rPr lang="de-DE" sz="1600" dirty="0" err="1"/>
-              <a:t>pyramide</a:t>
-            </a:r>
-            <a:endParaRPr lang="de-DE" sz="1600" dirty="0"/>
-          </a:p>
-          <a:p>
-            <a:endParaRPr lang="de-DE" dirty="0"/>
-          </a:p>
-        </p:txBody>
-      </p:sp>
-      <p:sp>
-        <p:nvSpPr>
-          <p:cNvPr id="15" name="Textfeld 14">
-            <a:extLst>
-              <a:ext uri="{FF2B5EF4-FFF2-40B4-BE49-F238E27FC236}">
-                <a16:creationId xmlns:a16="http://schemas.microsoft.com/office/drawing/2014/main" id="{D19EC54F-12A9-7F99-BB27-335252FE8020}"/>
-              </a:ext>
-            </a:extLst>
-          </p:cNvPr>
-          <p:cNvSpPr txBox="1"/>
-          <p:nvPr/>
-        </p:nvSpPr>
-        <p:spPr>
-          <a:xfrm>
-            <a:off x="4583832" y="6003586"/>
-            <a:ext cx="1798265" cy="276999"/>
-          </a:xfrm>
-          <a:prstGeom prst="rect">
-            <a:avLst/>
-          </a:prstGeom>
-          <a:noFill/>
-        </p:spPr>
-        <p:txBody>
-          <a:bodyPr wrap="square">
-            <a:spAutoFit/>
-          </a:bodyPr>
-          <a:lstStyle/>
-          <a:p>
-            <a:r>
-              <a:rPr lang="de-DE" sz="1200" i="1" dirty="0" err="1"/>
-              <a:t>Inner</a:t>
-            </a:r>
-            <a:r>
-              <a:rPr lang="de-DE" sz="1200" i="1" dirty="0"/>
+              <a:rPr lang="de-DE" dirty="0" err="1"/>
+              <a:t>parameters</a:t>
+            </a:r>
+            <a:r>
+              <a:rPr lang="de-DE" dirty="0"/>
+              <a:t> i </a:t>
+            </a:r>
+            <a:r>
+              <a:rPr lang="de-DE" dirty="0" err="1"/>
+              <a:t>have</a:t>
+            </a:r>
+            <a:r>
+              <a:rPr lang="de-DE" dirty="0"/>
               <a:t> </a:t>
             </a:r>
             <a:r>
-              <a:rPr lang="de-DE" sz="1200" i="1" dirty="0" err="1"/>
-              <a:t>german</a:t>
-            </a:r>
-            <a:r>
-              <a:rPr lang="de-DE" sz="1200" i="1" dirty="0"/>
+              <a:rPr lang="de-DE" dirty="0" err="1"/>
+              <a:t>to</a:t>
+            </a:r>
+            <a:r>
+              <a:rPr lang="de-DE" dirty="0"/>
               <a:t> </a:t>
             </a:r>
             <a:r>
-              <a:rPr lang="de-DE" sz="1200" i="1" dirty="0" err="1"/>
-              <a:t>border</a:t>
-            </a:r>
-            <a:r>
-              <a:rPr lang="de-DE" sz="1200" i="1" dirty="0"/>
-              <a:t>  </a:t>
-            </a:r>
-            <a:r>
-              <a:rPr lang="de-DE" sz="1200" i="1" baseline="30000" dirty="0"/>
-              <a:t>[4]</a:t>
+              <a:rPr lang="de-DE" dirty="0" err="1"/>
+              <a:t>enter</a:t>
+            </a:r>
+            <a:r>
+              <a:rPr lang="de-DE" dirty="0"/>
+              <a:t> ???</a:t>
             </a:r>
           </a:p>
         </p:txBody>
@@ -12206,7 +13147,7 @@
     </p:spTree>
     <p:extLst>
       <p:ext uri="{BB962C8B-B14F-4D97-AF65-F5344CB8AC3E}">
-        <p14:creationId xmlns:p14="http://schemas.microsoft.com/office/powerpoint/2010/main" val="1230181177"/>
+        <p14:creationId xmlns:p14="http://schemas.microsoft.com/office/powerpoint/2010/main" val="300776013"/>
       </p:ext>
     </p:extLst>
   </p:cSld>
@@ -12255,13 +13196,9 @@
           <a:lstStyle/>
           <a:p>
             <a:r>
-              <a:rPr lang="en-US" sz="2400" b="1" dirty="0"/>
-              <a:t>Short introduction </a:t>
-            </a:r>
-            <a:endParaRPr lang="de-DE" sz="2400" b="1" dirty="0"/>
-          </a:p>
-          <a:p>
-            <a:endParaRPr lang="de-DE" dirty="0"/>
+              <a:rPr lang="de-DE" sz="2400" b="1" dirty="0"/>
+              <a:t>API – Open API</a:t>
+            </a:r>
           </a:p>
         </p:txBody>
       </p:sp>
@@ -12297,17 +13234,14 @@
               <a:t>Sustainable software development / chapter 1</a:t>
             </a:r>
           </a:p>
-          <a:p>
-            <a:endParaRPr lang="de-DE" dirty="0"/>
-          </a:p>
         </p:txBody>
       </p:sp>
       <p:sp>
         <p:nvSpPr>
-          <p:cNvPr id="8" name="Textfeld 8">
-            <a:extLst>
-              <a:ext uri="{FF2B5EF4-FFF2-40B4-BE49-F238E27FC236}">
-                <a16:creationId xmlns:a16="http://schemas.microsoft.com/office/drawing/2014/main" id="{D9E4E258-1090-7A70-DF51-176C4BD82FCB}"/>
+          <p:cNvPr id="6" name="Textfeld 5">
+            <a:extLst>
+              <a:ext uri="{FF2B5EF4-FFF2-40B4-BE49-F238E27FC236}">
+                <a16:creationId xmlns:a16="http://schemas.microsoft.com/office/drawing/2014/main" id="{C3357F99-F307-47AC-4D53-00106EB96FDB}"/>
               </a:ext>
             </a:extLst>
           </p:cNvPr>
@@ -12316,8 +13250,213 @@
         </p:nvSpPr>
         <p:spPr>
           <a:xfrm>
-            <a:off x="2927648" y="2636912"/>
-            <a:ext cx="5957406" cy="1107996"/>
+            <a:off x="257786" y="1311827"/>
+            <a:ext cx="7846763" cy="369332"/>
+          </a:xfrm>
+          <a:prstGeom prst="rect">
+            <a:avLst/>
+          </a:prstGeom>
+          <a:noFill/>
+        </p:spPr>
+        <p:txBody>
+          <a:bodyPr wrap="none" rtlCol="0">
+            <a:spAutoFit/>
+          </a:bodyPr>
+          <a:lstStyle/>
+          <a:p>
+            <a:r>
+              <a:rPr lang="de-DE" dirty="0"/>
+              <a:t>https://</a:t>
+            </a:r>
+            <a:r>
+              <a:rPr lang="de-DE" dirty="0">
+                <a:solidFill>
+                  <a:schemeClr val="accent6">
+                    <a:lumMod val="50000"/>
+                  </a:schemeClr>
+                </a:solidFill>
+              </a:rPr>
+              <a:t>pubchem.ncbi.nlm.nih.gov/rest/pug/</a:t>
+            </a:r>
+            <a:r>
+              <a:rPr lang="de-DE" dirty="0">
+                <a:solidFill>
+                  <a:schemeClr val="accent1"/>
+                </a:solidFill>
+              </a:rPr>
+              <a:t>substance/sid/10000/synonyms/json</a:t>
+            </a:r>
+          </a:p>
+        </p:txBody>
+      </p:sp>
+      <p:sp>
+        <p:nvSpPr>
+          <p:cNvPr id="30" name="Textfeld 29">
+            <a:extLst>
+              <a:ext uri="{FF2B5EF4-FFF2-40B4-BE49-F238E27FC236}">
+                <a16:creationId xmlns:a16="http://schemas.microsoft.com/office/drawing/2014/main" id="{D150B946-0567-60F3-F0AE-3C5AE8DBDCA4}"/>
+              </a:ext>
+            </a:extLst>
+          </p:cNvPr>
+          <p:cNvSpPr txBox="1"/>
+          <p:nvPr/>
+        </p:nvSpPr>
+        <p:spPr>
+          <a:xfrm>
+            <a:off x="2402040" y="1790924"/>
+            <a:ext cx="7387920" cy="369332"/>
+          </a:xfrm>
+          <a:prstGeom prst="rect">
+            <a:avLst/>
+          </a:prstGeom>
+          <a:noFill/>
+        </p:spPr>
+        <p:txBody>
+          <a:bodyPr wrap="none" rtlCol="0">
+            <a:spAutoFit/>
+          </a:bodyPr>
+          <a:lstStyle/>
+          <a:p>
+            <a:r>
+              <a:rPr lang="de-DE" dirty="0"/>
+              <a:t>https://</a:t>
+            </a:r>
+            <a:r>
+              <a:rPr lang="de-DE" dirty="0">
+                <a:solidFill>
+                  <a:schemeClr val="accent6">
+                    <a:lumMod val="50000"/>
+                  </a:schemeClr>
+                </a:solidFill>
+              </a:rPr>
+              <a:t>www.ebi.ac.uk/chembl/api/</a:t>
+            </a:r>
+            <a:r>
+              <a:rPr lang="de-DE" dirty="0">
+                <a:solidFill>
+                  <a:schemeClr val="accent1"/>
+                </a:solidFill>
+              </a:rPr>
+              <a:t>data/target</a:t>
+            </a:r>
+            <a:r>
+              <a:rPr lang="de-DE" dirty="0"/>
+              <a:t>?</a:t>
+            </a:r>
+            <a:r>
+              <a:rPr lang="de-DE" dirty="0">
+                <a:solidFill>
+                  <a:schemeClr val="accent3">
+                    <a:lumMod val="75000"/>
+                  </a:schemeClr>
+                </a:solidFill>
+              </a:rPr>
+              <a:t>pref_name__contains=cyclin</a:t>
+            </a:r>
+          </a:p>
+        </p:txBody>
+      </p:sp>
+      <p:pic>
+        <p:nvPicPr>
+          <p:cNvPr id="2" name="Grafik 1" descr="Ein Bild, das Clipart, Cartoon, Zeichnung, Animierter Cartoon enthält.&#10;&#10;Automatisch generierte Beschreibung">
+            <a:extLst>
+              <a:ext uri="{FF2B5EF4-FFF2-40B4-BE49-F238E27FC236}">
+                <a16:creationId xmlns:a16="http://schemas.microsoft.com/office/drawing/2014/main" id="{9E988462-78D5-609F-ABF8-FE95F323CCD0}"/>
+              </a:ext>
+            </a:extLst>
+          </p:cNvPr>
+          <p:cNvPicPr>
+            <a:picLocks noChangeAspect="1"/>
+          </p:cNvPicPr>
+          <p:nvPr/>
+        </p:nvPicPr>
+        <p:blipFill>
+          <a:blip r:embed="rId2" cstate="print">
+            <a:extLst>
+              <a:ext uri="{28A0092B-C50C-407E-A947-70E740481C1C}">
+                <a14:useLocalDpi xmlns:a14="http://schemas.microsoft.com/office/drawing/2010/main" val="0"/>
+              </a:ext>
+              <a:ext uri="{837473B0-CC2E-450A-ABE3-18F120FF3D39}">
+                <a1611:picAttrSrcUrl xmlns:a1611="http://schemas.microsoft.com/office/drawing/2016/11/main" r:id="rId3"/>
+              </a:ext>
+            </a:extLst>
+          </a:blip>
+          <a:stretch>
+            <a:fillRect/>
+          </a:stretch>
+        </p:blipFill>
+        <p:spPr>
+          <a:xfrm>
+            <a:off x="623392" y="1853239"/>
+            <a:ext cx="1009347" cy="1326150"/>
+          </a:xfrm>
+          <a:prstGeom prst="rect">
+            <a:avLst/>
+          </a:prstGeom>
+        </p:spPr>
+      </p:pic>
+      <p:sp>
+        <p:nvSpPr>
+          <p:cNvPr id="4" name="Denkblase: wolkenförmig 3">
+            <a:extLst>
+              <a:ext uri="{FF2B5EF4-FFF2-40B4-BE49-F238E27FC236}">
+                <a16:creationId xmlns:a16="http://schemas.microsoft.com/office/drawing/2014/main" id="{18CD0399-3A3F-014C-D87E-9E3408033A55}"/>
+              </a:ext>
+            </a:extLst>
+          </p:cNvPr>
+          <p:cNvSpPr/>
+          <p:nvPr/>
+        </p:nvSpPr>
+        <p:spPr>
+          <a:xfrm>
+            <a:off x="2845880" y="2160256"/>
+            <a:ext cx="2994952" cy="2132981"/>
+          </a:xfrm>
+          <a:prstGeom prst="cloudCallout">
+            <a:avLst>
+              <a:gd name="adj1" fmla="val -86422"/>
+              <a:gd name="adj2" fmla="val -46870"/>
+            </a:avLst>
+          </a:prstGeom>
+          <a:ln>
+            <a:solidFill>
+              <a:schemeClr val="tx1"/>
+            </a:solidFill>
+          </a:ln>
+        </p:spPr>
+        <p:txBody>
+          <a:bodyPr wrap="square" rtlCol="0" anchor="ctr">
+            <a:spAutoFit/>
+          </a:bodyPr>
+          <a:lstStyle/>
+          <a:p>
+            <a:pPr algn="ctr"/>
+            <a:endParaRPr lang="de-DE" sz="2000" b="1" dirty="0">
+              <a:solidFill>
+                <a:schemeClr val="accent3">
+                  <a:lumMod val="75000"/>
+                </a:schemeClr>
+              </a:solidFill>
+            </a:endParaRPr>
+          </a:p>
+        </p:txBody>
+      </p:sp>
+      <p:sp>
+        <p:nvSpPr>
+          <p:cNvPr id="7" name="Textfeld 6">
+            <a:extLst>
+              <a:ext uri="{FF2B5EF4-FFF2-40B4-BE49-F238E27FC236}">
+                <a16:creationId xmlns:a16="http://schemas.microsoft.com/office/drawing/2014/main" id="{620DC048-4CEA-4BE0-0413-E1D5042F1DCB}"/>
+              </a:ext>
+            </a:extLst>
+          </p:cNvPr>
+          <p:cNvSpPr txBox="1"/>
+          <p:nvPr/>
+        </p:nvSpPr>
+        <p:spPr>
+          <a:xfrm>
+            <a:off x="3194414" y="2650850"/>
+            <a:ext cx="2297883" cy="1200329"/>
           </a:xfrm>
           <a:prstGeom prst="rect">
             <a:avLst/>
@@ -12328,205 +13467,94 @@
           <a:bodyPr wrap="square" rtlCol="0">
             <a:spAutoFit/>
           </a:bodyPr>
-          <a:lstStyle>
-            <a:defPPr>
-              <a:defRPr lang="de-DE"/>
-            </a:defPPr>
-            <a:lvl1pPr marL="0" algn="l" defTabSz="914400" rtl="0" eaLnBrk="1" latinLnBrk="0" hangingPunct="1">
-              <a:defRPr sz="1800" kern="1200">
-                <a:solidFill>
-                  <a:schemeClr val="tx1"/>
-                </a:solidFill>
-                <a:latin typeface="+mn-lt"/>
-                <a:ea typeface="+mn-ea"/>
-                <a:cs typeface="+mn-cs"/>
-              </a:defRPr>
-            </a:lvl1pPr>
-            <a:lvl2pPr marL="457200" algn="l" defTabSz="914400" rtl="0" eaLnBrk="1" latinLnBrk="0" hangingPunct="1">
-              <a:defRPr sz="1800" kern="1200">
-                <a:solidFill>
-                  <a:schemeClr val="tx1"/>
-                </a:solidFill>
-                <a:latin typeface="+mn-lt"/>
-                <a:ea typeface="+mn-ea"/>
-                <a:cs typeface="+mn-cs"/>
-              </a:defRPr>
-            </a:lvl2pPr>
-            <a:lvl3pPr marL="914400" algn="l" defTabSz="914400" rtl="0" eaLnBrk="1" latinLnBrk="0" hangingPunct="1">
-              <a:defRPr sz="1800" kern="1200">
-                <a:solidFill>
-                  <a:schemeClr val="tx1"/>
-                </a:solidFill>
-                <a:latin typeface="+mn-lt"/>
-                <a:ea typeface="+mn-ea"/>
-                <a:cs typeface="+mn-cs"/>
-              </a:defRPr>
-            </a:lvl3pPr>
-            <a:lvl4pPr marL="1371600" algn="l" defTabSz="914400" rtl="0" eaLnBrk="1" latinLnBrk="0" hangingPunct="1">
-              <a:defRPr sz="1800" kern="1200">
-                <a:solidFill>
-                  <a:schemeClr val="tx1"/>
-                </a:solidFill>
-                <a:latin typeface="+mn-lt"/>
-                <a:ea typeface="+mn-ea"/>
-                <a:cs typeface="+mn-cs"/>
-              </a:defRPr>
-            </a:lvl4pPr>
-            <a:lvl5pPr marL="1828800" algn="l" defTabSz="914400" rtl="0" eaLnBrk="1" latinLnBrk="0" hangingPunct="1">
-              <a:defRPr sz="1800" kern="1200">
-                <a:solidFill>
-                  <a:schemeClr val="tx1"/>
-                </a:solidFill>
-                <a:latin typeface="+mn-lt"/>
-                <a:ea typeface="+mn-ea"/>
-                <a:cs typeface="+mn-cs"/>
-              </a:defRPr>
-            </a:lvl5pPr>
-            <a:lvl6pPr marL="2286000" algn="l" defTabSz="914400" rtl="0" eaLnBrk="1" latinLnBrk="0" hangingPunct="1">
-              <a:defRPr sz="1800" kern="1200">
-                <a:solidFill>
-                  <a:schemeClr val="tx1"/>
-                </a:solidFill>
-                <a:latin typeface="+mn-lt"/>
-                <a:ea typeface="+mn-ea"/>
-                <a:cs typeface="+mn-cs"/>
-              </a:defRPr>
-            </a:lvl6pPr>
-            <a:lvl7pPr marL="2743200" algn="l" defTabSz="914400" rtl="0" eaLnBrk="1" latinLnBrk="0" hangingPunct="1">
-              <a:defRPr sz="1800" kern="1200">
-                <a:solidFill>
-                  <a:schemeClr val="tx1"/>
-                </a:solidFill>
-                <a:latin typeface="+mn-lt"/>
-                <a:ea typeface="+mn-ea"/>
-                <a:cs typeface="+mn-cs"/>
-              </a:defRPr>
-            </a:lvl7pPr>
-            <a:lvl8pPr marL="3200400" algn="l" defTabSz="914400" rtl="0" eaLnBrk="1" latinLnBrk="0" hangingPunct="1">
-              <a:defRPr sz="1800" kern="1200">
-                <a:solidFill>
-                  <a:schemeClr val="tx1"/>
-                </a:solidFill>
-                <a:latin typeface="+mn-lt"/>
-                <a:ea typeface="+mn-ea"/>
-                <a:cs typeface="+mn-cs"/>
-              </a:defRPr>
-            </a:lvl8pPr>
-            <a:lvl9pPr marL="3657600" algn="l" defTabSz="914400" rtl="0" eaLnBrk="1" latinLnBrk="0" hangingPunct="1">
-              <a:defRPr sz="1800" kern="1200">
-                <a:solidFill>
-                  <a:schemeClr val="tx1"/>
-                </a:solidFill>
-                <a:latin typeface="+mn-lt"/>
-                <a:ea typeface="+mn-ea"/>
-                <a:cs typeface="+mn-cs"/>
-              </a:defRPr>
-            </a:lvl9pPr>
-          </a:lstStyle>
-          <a:p>
-            <a:pPr marL="285750" indent="-285750">
-              <a:buFont typeface="Arial" panose="020B0604020202020204" pitchFamily="34" charset="0"/>
-              <a:buChar char="•"/>
-            </a:pPr>
-            <a:r>
-              <a:rPr lang="de-DE" sz="1600" dirty="0"/>
-              <a:t>Caching in </a:t>
-            </a:r>
-            <a:r>
-              <a:rPr lang="de-DE" sz="1600" dirty="0" err="1"/>
-              <a:t>githubactions</a:t>
-            </a:r>
-            <a:endParaRPr lang="de-DE" sz="1600" dirty="0"/>
-          </a:p>
-          <a:p>
-            <a:pPr marL="285750" indent="-285750">
-              <a:buFont typeface="Arial" panose="020B0604020202020204" pitchFamily="34" charset="0"/>
-              <a:buChar char="•"/>
-            </a:pPr>
-            <a:r>
-              <a:rPr lang="de-DE" sz="1600" dirty="0" err="1"/>
-              <a:t>Using</a:t>
-            </a:r>
-            <a:r>
-              <a:rPr lang="de-DE" sz="1600" dirty="0"/>
+          <a:lstStyle/>
+          <a:p>
+            <a:pPr algn="ctr"/>
+            <a:r>
+              <a:rPr lang="de-DE" dirty="0"/>
+              <a:t>But </a:t>
+            </a:r>
+            <a:r>
+              <a:rPr lang="de-DE" dirty="0" err="1"/>
+              <a:t>how</a:t>
+            </a:r>
+            <a:r>
+              <a:rPr lang="de-DE" dirty="0"/>
+              <a:t> do i </a:t>
+            </a:r>
+            <a:r>
+              <a:rPr lang="de-DE" dirty="0" err="1"/>
+              <a:t>know</a:t>
+            </a:r>
+            <a:r>
+              <a:rPr lang="de-DE" dirty="0"/>
               <a:t> </a:t>
             </a:r>
             <a:r>
-              <a:rPr lang="de-DE" sz="1600" dirty="0" err="1"/>
-              <a:t>of</a:t>
-            </a:r>
-            <a:r>
-              <a:rPr lang="de-DE" sz="1600" dirty="0"/>
+              <a:rPr lang="de-DE" dirty="0" err="1"/>
+              <a:t>what</a:t>
+            </a:r>
+            <a:r>
+              <a:rPr lang="de-DE" dirty="0"/>
               <a:t> </a:t>
             </a:r>
             <a:r>
-              <a:rPr lang="de-DE" sz="1600" dirty="0" err="1"/>
-              <a:t>docker</a:t>
-            </a:r>
-            <a:r>
-              <a:rPr lang="de-DE" sz="1600" dirty="0"/>
-              <a:t> in </a:t>
-            </a:r>
-            <a:r>
-              <a:rPr lang="de-DE" sz="1600" dirty="0" err="1"/>
-              <a:t>github</a:t>
-            </a:r>
-            <a:r>
-              <a:rPr lang="de-DE" sz="1600" dirty="0"/>
+              <a:rPr lang="de-DE" dirty="0" err="1"/>
+              <a:t>paths</a:t>
+            </a:r>
+            <a:r>
+              <a:rPr lang="de-DE" dirty="0"/>
               <a:t> </a:t>
             </a:r>
             <a:r>
-              <a:rPr lang="de-DE" sz="1600" dirty="0" err="1"/>
-              <a:t>actions</a:t>
-            </a:r>
-            <a:endParaRPr lang="de-DE" sz="1600" dirty="0"/>
-          </a:p>
-          <a:p>
-            <a:pPr marL="285750" indent="-285750">
-              <a:buFont typeface="Arial" panose="020B0604020202020204" pitchFamily="34" charset="0"/>
-              <a:buChar char="•"/>
-            </a:pPr>
-            <a:r>
-              <a:rPr lang="de-DE" sz="1600" dirty="0" err="1"/>
-              <a:t>Excustion</a:t>
-            </a:r>
-            <a:r>
-              <a:rPr lang="de-DE" sz="1600" dirty="0"/>
-              <a:t>: </a:t>
-            </a:r>
-            <a:r>
-              <a:rPr lang="de-DE" sz="1600" dirty="0" err="1"/>
-              <a:t>using</a:t>
-            </a:r>
-            <a:r>
-              <a:rPr lang="de-DE" sz="1600" dirty="0"/>
-              <a:t> GPUs in </a:t>
-            </a:r>
-            <a:r>
-              <a:rPr lang="de-DE" sz="1600" dirty="0" err="1"/>
-              <a:t>docker</a:t>
-            </a:r>
-            <a:r>
-              <a:rPr lang="de-DE" sz="1600" dirty="0"/>
+              <a:rPr lang="de-DE" dirty="0" err="1"/>
+              <a:t>or</a:t>
+            </a:r>
+            <a:r>
+              <a:rPr lang="de-DE" dirty="0"/>
               <a:t> </a:t>
             </a:r>
             <a:r>
-              <a:rPr lang="de-DE" sz="1600" dirty="0" err="1"/>
-              <a:t>containers</a:t>
-            </a:r>
-            <a:endParaRPr lang="de-DE" sz="1600" dirty="0"/>
-          </a:p>
-          <a:p>
-            <a:endParaRPr lang="de-DE" dirty="0"/>
+              <a:rPr lang="de-DE" dirty="0" err="1"/>
+              <a:t>parameters</a:t>
+            </a:r>
+            <a:r>
+              <a:rPr lang="de-DE" dirty="0"/>
+              <a:t> i </a:t>
+            </a:r>
+            <a:r>
+              <a:rPr lang="de-DE" dirty="0" err="1"/>
+              <a:t>have</a:t>
+            </a:r>
+            <a:r>
+              <a:rPr lang="de-DE" dirty="0"/>
+              <a:t> </a:t>
+            </a:r>
+            <a:r>
+              <a:rPr lang="de-DE" dirty="0" err="1"/>
+              <a:t>to</a:t>
+            </a:r>
+            <a:r>
+              <a:rPr lang="de-DE" dirty="0"/>
+              <a:t> </a:t>
+            </a:r>
+            <a:r>
+              <a:rPr lang="de-DE" dirty="0" err="1"/>
+              <a:t>enter</a:t>
+            </a:r>
+            <a:r>
+              <a:rPr lang="de-DE" dirty="0"/>
+              <a:t> ???</a:t>
+            </a:r>
           </a:p>
         </p:txBody>
       </p:sp>
       <p:sp>
         <p:nvSpPr>
-          <p:cNvPr id="15" name="Textfeld 14">
-            <a:extLst>
-              <a:ext uri="{FF2B5EF4-FFF2-40B4-BE49-F238E27FC236}">
-                <a16:creationId xmlns:a16="http://schemas.microsoft.com/office/drawing/2014/main" id="{D19EC54F-12A9-7F99-BB27-335252FE8020}"/>
+          <p:cNvPr id="11" name="Textfeld 10">
+            <a:extLst>
+              <a:ext uri="{FF2B5EF4-FFF2-40B4-BE49-F238E27FC236}">
+                <a16:creationId xmlns:a16="http://schemas.microsoft.com/office/drawing/2014/main" id="{484F4994-D3D8-2944-6B2E-CE07FBE8FFEC}"/>
               </a:ext>
             </a:extLst>
           </p:cNvPr>
@@ -12535,8 +13563,45 @@
         </p:nvSpPr>
         <p:spPr>
           <a:xfrm>
-            <a:off x="4583832" y="6003586"/>
-            <a:ext cx="1798265" cy="276999"/>
+            <a:off x="6888088" y="3558210"/>
+            <a:ext cx="3168352" cy="1200329"/>
+          </a:xfrm>
+          <a:prstGeom prst="rect">
+            <a:avLst/>
+          </a:prstGeom>
+          <a:noFill/>
+        </p:spPr>
+        <p:txBody>
+          <a:bodyPr wrap="square" rtlCol="0">
+            <a:spAutoFit/>
+          </a:bodyPr>
+          <a:lstStyle/>
+          <a:p>
+            <a:pPr algn="ctr"/>
+            <a:r>
+              <a:rPr lang="en-US" dirty="0"/>
+              <a:t>Many but not all web services offer sufficient API documentation and they vary in form and quality</a:t>
+            </a:r>
+            <a:endParaRPr lang="de-DE" dirty="0"/>
+          </a:p>
+        </p:txBody>
+      </p:sp>
+      <p:sp>
+        <p:nvSpPr>
+          <p:cNvPr id="8" name="Textfeld 7">
+            <a:extLst>
+              <a:ext uri="{FF2B5EF4-FFF2-40B4-BE49-F238E27FC236}">
+                <a16:creationId xmlns:a16="http://schemas.microsoft.com/office/drawing/2014/main" id="{0837D175-F78C-3B5B-619F-B0DE56700C70}"/>
+              </a:ext>
+            </a:extLst>
+          </p:cNvPr>
+          <p:cNvSpPr txBox="1"/>
+          <p:nvPr/>
+        </p:nvSpPr>
+        <p:spPr>
+          <a:xfrm>
+            <a:off x="-1" y="5979770"/>
+            <a:ext cx="12187802" cy="276999"/>
           </a:xfrm>
           <a:prstGeom prst="rect">
             <a:avLst/>
@@ -12550,40 +13615,19 @@
           <a:lstStyle/>
           <a:p>
             <a:r>
-              <a:rPr lang="de-DE" sz="1200" i="1" dirty="0" err="1"/>
-              <a:t>Inner</a:t>
-            </a:r>
-            <a:r>
-              <a:rPr lang="de-DE" sz="1200" i="1" dirty="0"/>
-              <a:t> </a:t>
-            </a:r>
-            <a:r>
-              <a:rPr lang="de-DE" sz="1200" i="1" dirty="0" err="1"/>
-              <a:t>german</a:t>
-            </a:r>
-            <a:r>
-              <a:rPr lang="de-DE" sz="1200" i="1" dirty="0"/>
-              <a:t> </a:t>
-            </a:r>
-            <a:r>
-              <a:rPr lang="de-DE" sz="1200" i="1" dirty="0" err="1"/>
-              <a:t>border</a:t>
-            </a:r>
-            <a:r>
-              <a:rPr lang="de-DE" sz="1200" i="1" dirty="0"/>
-              <a:t>  </a:t>
-            </a:r>
-            <a:r>
-              <a:rPr lang="de-DE" sz="1200" i="1" baseline="30000" dirty="0"/>
-              <a:t>[4]</a:t>
-            </a:r>
+              <a:rPr lang="en-US" sz="1200" dirty="0">
+                <a:latin typeface="ArialMT"/>
+              </a:rPr>
+              <a:t>https://www.openapis.org/</a:t>
+            </a:r>
+            <a:endParaRPr lang="de-DE" sz="1200" i="1" baseline="30000" dirty="0"/>
           </a:p>
         </p:txBody>
       </p:sp>
     </p:spTree>
     <p:extLst>
       <p:ext uri="{BB962C8B-B14F-4D97-AF65-F5344CB8AC3E}">
-        <p14:creationId xmlns:p14="http://schemas.microsoft.com/office/powerpoint/2010/main" val="2620527138"/>
+        <p14:creationId xmlns:p14="http://schemas.microsoft.com/office/powerpoint/2010/main" val="66134868"/>
       </p:ext>
     </p:extLst>
   </p:cSld>
@@ -12632,13 +13676,9 @@
           <a:lstStyle/>
           <a:p>
             <a:r>
-              <a:rPr lang="en-US" sz="2400" b="1" dirty="0"/>
-              <a:t>Short introduction </a:t>
-            </a:r>
-            <a:endParaRPr lang="de-DE" sz="2400" b="1" dirty="0"/>
-          </a:p>
-          <a:p>
-            <a:endParaRPr lang="de-DE" dirty="0"/>
+              <a:rPr lang="de-DE" sz="2400" b="1" dirty="0"/>
+              <a:t>API – Open API</a:t>
+            </a:r>
           </a:p>
         </p:txBody>
       </p:sp>
@@ -12674,17 +13714,14 @@
               <a:t>Sustainable software development / chapter 1</a:t>
             </a:r>
           </a:p>
-          <a:p>
-            <a:endParaRPr lang="de-DE" dirty="0"/>
-          </a:p>
         </p:txBody>
       </p:sp>
       <p:sp>
         <p:nvSpPr>
-          <p:cNvPr id="8" name="Textfeld 8">
-            <a:extLst>
-              <a:ext uri="{FF2B5EF4-FFF2-40B4-BE49-F238E27FC236}">
-                <a16:creationId xmlns:a16="http://schemas.microsoft.com/office/drawing/2014/main" id="{D9E4E258-1090-7A70-DF51-176C4BD82FCB}"/>
+          <p:cNvPr id="6" name="Textfeld 5">
+            <a:extLst>
+              <a:ext uri="{FF2B5EF4-FFF2-40B4-BE49-F238E27FC236}">
+                <a16:creationId xmlns:a16="http://schemas.microsoft.com/office/drawing/2014/main" id="{C3357F99-F307-47AC-4D53-00106EB96FDB}"/>
               </a:ext>
             </a:extLst>
           </p:cNvPr>
@@ -12693,8 +13730,213 @@
         </p:nvSpPr>
         <p:spPr>
           <a:xfrm>
-            <a:off x="2927648" y="2636912"/>
-            <a:ext cx="5957406" cy="615553"/>
+            <a:off x="257786" y="1311827"/>
+            <a:ext cx="7846763" cy="369332"/>
+          </a:xfrm>
+          <a:prstGeom prst="rect">
+            <a:avLst/>
+          </a:prstGeom>
+          <a:noFill/>
+        </p:spPr>
+        <p:txBody>
+          <a:bodyPr wrap="none" rtlCol="0">
+            <a:spAutoFit/>
+          </a:bodyPr>
+          <a:lstStyle/>
+          <a:p>
+            <a:r>
+              <a:rPr lang="de-DE" dirty="0"/>
+              <a:t>https://</a:t>
+            </a:r>
+            <a:r>
+              <a:rPr lang="de-DE" dirty="0">
+                <a:solidFill>
+                  <a:schemeClr val="accent6">
+                    <a:lumMod val="50000"/>
+                  </a:schemeClr>
+                </a:solidFill>
+              </a:rPr>
+              <a:t>pubchem.ncbi.nlm.nih.gov/rest/pug/</a:t>
+            </a:r>
+            <a:r>
+              <a:rPr lang="de-DE" dirty="0">
+                <a:solidFill>
+                  <a:schemeClr val="accent1"/>
+                </a:solidFill>
+              </a:rPr>
+              <a:t>substance/sid/10000/synonyms/json</a:t>
+            </a:r>
+          </a:p>
+        </p:txBody>
+      </p:sp>
+      <p:sp>
+        <p:nvSpPr>
+          <p:cNvPr id="30" name="Textfeld 29">
+            <a:extLst>
+              <a:ext uri="{FF2B5EF4-FFF2-40B4-BE49-F238E27FC236}">
+                <a16:creationId xmlns:a16="http://schemas.microsoft.com/office/drawing/2014/main" id="{D150B946-0567-60F3-F0AE-3C5AE8DBDCA4}"/>
+              </a:ext>
+            </a:extLst>
+          </p:cNvPr>
+          <p:cNvSpPr txBox="1"/>
+          <p:nvPr/>
+        </p:nvSpPr>
+        <p:spPr>
+          <a:xfrm>
+            <a:off x="2402040" y="1790924"/>
+            <a:ext cx="7387920" cy="369332"/>
+          </a:xfrm>
+          <a:prstGeom prst="rect">
+            <a:avLst/>
+          </a:prstGeom>
+          <a:noFill/>
+        </p:spPr>
+        <p:txBody>
+          <a:bodyPr wrap="none" rtlCol="0">
+            <a:spAutoFit/>
+          </a:bodyPr>
+          <a:lstStyle/>
+          <a:p>
+            <a:r>
+              <a:rPr lang="de-DE" dirty="0"/>
+              <a:t>https://</a:t>
+            </a:r>
+            <a:r>
+              <a:rPr lang="de-DE" dirty="0">
+                <a:solidFill>
+                  <a:schemeClr val="accent6">
+                    <a:lumMod val="50000"/>
+                  </a:schemeClr>
+                </a:solidFill>
+              </a:rPr>
+              <a:t>www.ebi.ac.uk/chembl/api/</a:t>
+            </a:r>
+            <a:r>
+              <a:rPr lang="de-DE" dirty="0">
+                <a:solidFill>
+                  <a:schemeClr val="accent1"/>
+                </a:solidFill>
+              </a:rPr>
+              <a:t>data/target</a:t>
+            </a:r>
+            <a:r>
+              <a:rPr lang="de-DE" dirty="0"/>
+              <a:t>?</a:t>
+            </a:r>
+            <a:r>
+              <a:rPr lang="de-DE" dirty="0">
+                <a:solidFill>
+                  <a:schemeClr val="accent3">
+                    <a:lumMod val="75000"/>
+                  </a:schemeClr>
+                </a:solidFill>
+              </a:rPr>
+              <a:t>pref_name__contains=cyclin</a:t>
+            </a:r>
+          </a:p>
+        </p:txBody>
+      </p:sp>
+      <p:pic>
+        <p:nvPicPr>
+          <p:cNvPr id="2" name="Grafik 1" descr="Ein Bild, das Clipart, Cartoon, Zeichnung, Animierter Cartoon enthält.&#10;&#10;Automatisch generierte Beschreibung">
+            <a:extLst>
+              <a:ext uri="{FF2B5EF4-FFF2-40B4-BE49-F238E27FC236}">
+                <a16:creationId xmlns:a16="http://schemas.microsoft.com/office/drawing/2014/main" id="{9E988462-78D5-609F-ABF8-FE95F323CCD0}"/>
+              </a:ext>
+            </a:extLst>
+          </p:cNvPr>
+          <p:cNvPicPr>
+            <a:picLocks noChangeAspect="1"/>
+          </p:cNvPicPr>
+          <p:nvPr/>
+        </p:nvPicPr>
+        <p:blipFill>
+          <a:blip r:embed="rId2" cstate="print">
+            <a:extLst>
+              <a:ext uri="{28A0092B-C50C-407E-A947-70E740481C1C}">
+                <a14:useLocalDpi xmlns:a14="http://schemas.microsoft.com/office/drawing/2010/main" val="0"/>
+              </a:ext>
+              <a:ext uri="{837473B0-CC2E-450A-ABE3-18F120FF3D39}">
+                <a1611:picAttrSrcUrl xmlns:a1611="http://schemas.microsoft.com/office/drawing/2016/11/main" r:id="rId3"/>
+              </a:ext>
+            </a:extLst>
+          </a:blip>
+          <a:stretch>
+            <a:fillRect/>
+          </a:stretch>
+        </p:blipFill>
+        <p:spPr>
+          <a:xfrm>
+            <a:off x="623392" y="1853239"/>
+            <a:ext cx="1009347" cy="1326150"/>
+          </a:xfrm>
+          <a:prstGeom prst="rect">
+            <a:avLst/>
+          </a:prstGeom>
+        </p:spPr>
+      </p:pic>
+      <p:sp>
+        <p:nvSpPr>
+          <p:cNvPr id="4" name="Denkblase: wolkenförmig 3">
+            <a:extLst>
+              <a:ext uri="{FF2B5EF4-FFF2-40B4-BE49-F238E27FC236}">
+                <a16:creationId xmlns:a16="http://schemas.microsoft.com/office/drawing/2014/main" id="{18CD0399-3A3F-014C-D87E-9E3408033A55}"/>
+              </a:ext>
+            </a:extLst>
+          </p:cNvPr>
+          <p:cNvSpPr/>
+          <p:nvPr/>
+        </p:nvSpPr>
+        <p:spPr>
+          <a:xfrm>
+            <a:off x="2845880" y="2160256"/>
+            <a:ext cx="2994952" cy="2132981"/>
+          </a:xfrm>
+          <a:prstGeom prst="cloudCallout">
+            <a:avLst>
+              <a:gd name="adj1" fmla="val -86422"/>
+              <a:gd name="adj2" fmla="val -46870"/>
+            </a:avLst>
+          </a:prstGeom>
+          <a:ln>
+            <a:solidFill>
+              <a:schemeClr val="tx1"/>
+            </a:solidFill>
+          </a:ln>
+        </p:spPr>
+        <p:txBody>
+          <a:bodyPr wrap="square" rtlCol="0" anchor="ctr">
+            <a:spAutoFit/>
+          </a:bodyPr>
+          <a:lstStyle/>
+          <a:p>
+            <a:pPr algn="ctr"/>
+            <a:endParaRPr lang="de-DE" sz="2000" b="1" dirty="0">
+              <a:solidFill>
+                <a:schemeClr val="accent3">
+                  <a:lumMod val="75000"/>
+                </a:schemeClr>
+              </a:solidFill>
+            </a:endParaRPr>
+          </a:p>
+        </p:txBody>
+      </p:sp>
+      <p:sp>
+        <p:nvSpPr>
+          <p:cNvPr id="7" name="Textfeld 6">
+            <a:extLst>
+              <a:ext uri="{FF2B5EF4-FFF2-40B4-BE49-F238E27FC236}">
+                <a16:creationId xmlns:a16="http://schemas.microsoft.com/office/drawing/2014/main" id="{620DC048-4CEA-4BE0-0413-E1D5042F1DCB}"/>
+              </a:ext>
+            </a:extLst>
+          </p:cNvPr>
+          <p:cNvSpPr txBox="1"/>
+          <p:nvPr/>
+        </p:nvSpPr>
+        <p:spPr>
+          <a:xfrm>
+            <a:off x="3194414" y="2650850"/>
+            <a:ext cx="2297883" cy="1200329"/>
           </a:xfrm>
           <a:prstGeom prst="rect">
             <a:avLst/>
@@ -12705,135 +13947,94 @@
           <a:bodyPr wrap="square" rtlCol="0">
             <a:spAutoFit/>
           </a:bodyPr>
-          <a:lstStyle>
-            <a:defPPr>
-              <a:defRPr lang="de-DE"/>
-            </a:defPPr>
-            <a:lvl1pPr marL="0" algn="l" defTabSz="914400" rtl="0" eaLnBrk="1" latinLnBrk="0" hangingPunct="1">
-              <a:defRPr sz="1800" kern="1200">
-                <a:solidFill>
-                  <a:schemeClr val="tx1"/>
-                </a:solidFill>
-                <a:latin typeface="+mn-lt"/>
-                <a:ea typeface="+mn-ea"/>
-                <a:cs typeface="+mn-cs"/>
-              </a:defRPr>
-            </a:lvl1pPr>
-            <a:lvl2pPr marL="457200" algn="l" defTabSz="914400" rtl="0" eaLnBrk="1" latinLnBrk="0" hangingPunct="1">
-              <a:defRPr sz="1800" kern="1200">
-                <a:solidFill>
-                  <a:schemeClr val="tx1"/>
-                </a:solidFill>
-                <a:latin typeface="+mn-lt"/>
-                <a:ea typeface="+mn-ea"/>
-                <a:cs typeface="+mn-cs"/>
-              </a:defRPr>
-            </a:lvl2pPr>
-            <a:lvl3pPr marL="914400" algn="l" defTabSz="914400" rtl="0" eaLnBrk="1" latinLnBrk="0" hangingPunct="1">
-              <a:defRPr sz="1800" kern="1200">
-                <a:solidFill>
-                  <a:schemeClr val="tx1"/>
-                </a:solidFill>
-                <a:latin typeface="+mn-lt"/>
-                <a:ea typeface="+mn-ea"/>
-                <a:cs typeface="+mn-cs"/>
-              </a:defRPr>
-            </a:lvl3pPr>
-            <a:lvl4pPr marL="1371600" algn="l" defTabSz="914400" rtl="0" eaLnBrk="1" latinLnBrk="0" hangingPunct="1">
-              <a:defRPr sz="1800" kern="1200">
-                <a:solidFill>
-                  <a:schemeClr val="tx1"/>
-                </a:solidFill>
-                <a:latin typeface="+mn-lt"/>
-                <a:ea typeface="+mn-ea"/>
-                <a:cs typeface="+mn-cs"/>
-              </a:defRPr>
-            </a:lvl4pPr>
-            <a:lvl5pPr marL="1828800" algn="l" defTabSz="914400" rtl="0" eaLnBrk="1" latinLnBrk="0" hangingPunct="1">
-              <a:defRPr sz="1800" kern="1200">
-                <a:solidFill>
-                  <a:schemeClr val="tx1"/>
-                </a:solidFill>
-                <a:latin typeface="+mn-lt"/>
-                <a:ea typeface="+mn-ea"/>
-                <a:cs typeface="+mn-cs"/>
-              </a:defRPr>
-            </a:lvl5pPr>
-            <a:lvl6pPr marL="2286000" algn="l" defTabSz="914400" rtl="0" eaLnBrk="1" latinLnBrk="0" hangingPunct="1">
-              <a:defRPr sz="1800" kern="1200">
-                <a:solidFill>
-                  <a:schemeClr val="tx1"/>
-                </a:solidFill>
-                <a:latin typeface="+mn-lt"/>
-                <a:ea typeface="+mn-ea"/>
-                <a:cs typeface="+mn-cs"/>
-              </a:defRPr>
-            </a:lvl6pPr>
-            <a:lvl7pPr marL="2743200" algn="l" defTabSz="914400" rtl="0" eaLnBrk="1" latinLnBrk="0" hangingPunct="1">
-              <a:defRPr sz="1800" kern="1200">
-                <a:solidFill>
-                  <a:schemeClr val="tx1"/>
-                </a:solidFill>
-                <a:latin typeface="+mn-lt"/>
-                <a:ea typeface="+mn-ea"/>
-                <a:cs typeface="+mn-cs"/>
-              </a:defRPr>
-            </a:lvl7pPr>
-            <a:lvl8pPr marL="3200400" algn="l" defTabSz="914400" rtl="0" eaLnBrk="1" latinLnBrk="0" hangingPunct="1">
-              <a:defRPr sz="1800" kern="1200">
-                <a:solidFill>
-                  <a:schemeClr val="tx1"/>
-                </a:solidFill>
-                <a:latin typeface="+mn-lt"/>
-                <a:ea typeface="+mn-ea"/>
-                <a:cs typeface="+mn-cs"/>
-              </a:defRPr>
-            </a:lvl8pPr>
-            <a:lvl9pPr marL="3657600" algn="l" defTabSz="914400" rtl="0" eaLnBrk="1" latinLnBrk="0" hangingPunct="1">
-              <a:defRPr sz="1800" kern="1200">
-                <a:solidFill>
-                  <a:schemeClr val="tx1"/>
-                </a:solidFill>
-                <a:latin typeface="+mn-lt"/>
-                <a:ea typeface="+mn-ea"/>
-                <a:cs typeface="+mn-cs"/>
-              </a:defRPr>
-            </a:lvl9pPr>
-          </a:lstStyle>
-          <a:p>
-            <a:pPr marL="285750" indent="-285750">
-              <a:buFont typeface="Arial" panose="020B0604020202020204" pitchFamily="34" charset="0"/>
-              <a:buChar char="•"/>
-            </a:pPr>
-            <a:r>
-              <a:rPr lang="de-DE" sz="1600" dirty="0"/>
-              <a:t>Docker </a:t>
-            </a:r>
-            <a:r>
-              <a:rPr lang="de-DE" sz="1600" dirty="0" err="1"/>
-              <a:t>compose</a:t>
-            </a:r>
-            <a:r>
-              <a:rPr lang="de-DE" sz="1600" dirty="0"/>
-              <a:t> and </a:t>
-            </a:r>
-            <a:r>
-              <a:rPr lang="de-DE" sz="1600" dirty="0" err="1"/>
-              <a:t>kubernetes</a:t>
-            </a:r>
-            <a:endParaRPr lang="de-DE" sz="1600" dirty="0"/>
-          </a:p>
-          <a:p>
-            <a:endParaRPr lang="de-DE" dirty="0"/>
+          <a:lstStyle/>
+          <a:p>
+            <a:pPr algn="ctr"/>
+            <a:r>
+              <a:rPr lang="de-DE" dirty="0"/>
+              <a:t>But </a:t>
+            </a:r>
+            <a:r>
+              <a:rPr lang="de-DE" dirty="0" err="1"/>
+              <a:t>how</a:t>
+            </a:r>
+            <a:r>
+              <a:rPr lang="de-DE" dirty="0"/>
+              <a:t> do i </a:t>
+            </a:r>
+            <a:r>
+              <a:rPr lang="de-DE" dirty="0" err="1"/>
+              <a:t>know</a:t>
+            </a:r>
+            <a:r>
+              <a:rPr lang="de-DE" dirty="0"/>
+              <a:t> </a:t>
+            </a:r>
+            <a:r>
+              <a:rPr lang="de-DE" dirty="0" err="1"/>
+              <a:t>what</a:t>
+            </a:r>
+            <a:r>
+              <a:rPr lang="de-DE" dirty="0"/>
+              <a:t> </a:t>
+            </a:r>
+            <a:r>
+              <a:rPr lang="de-DE" dirty="0" err="1"/>
+              <a:t>paths</a:t>
+            </a:r>
+            <a:r>
+              <a:rPr lang="de-DE" dirty="0"/>
+              <a:t> </a:t>
+            </a:r>
+            <a:r>
+              <a:rPr lang="de-DE" dirty="0" err="1"/>
+              <a:t>or</a:t>
+            </a:r>
+            <a:r>
+              <a:rPr lang="de-DE" dirty="0"/>
+              <a:t> </a:t>
+            </a:r>
+            <a:r>
+              <a:rPr lang="de-DE" dirty="0" err="1"/>
+              <a:t>parameters</a:t>
+            </a:r>
+            <a:r>
+              <a:rPr lang="de-DE" dirty="0"/>
+              <a:t> i </a:t>
+            </a:r>
+            <a:r>
+              <a:rPr lang="de-DE" dirty="0" err="1"/>
+              <a:t>have</a:t>
+            </a:r>
+            <a:r>
+              <a:rPr lang="de-DE" dirty="0"/>
+              <a:t> </a:t>
+            </a:r>
+            <a:r>
+              <a:rPr lang="de-DE" dirty="0" err="1"/>
+              <a:t>to</a:t>
+            </a:r>
+            <a:r>
+              <a:rPr lang="de-DE" dirty="0"/>
+              <a:t> </a:t>
+            </a:r>
+            <a:r>
+              <a:rPr lang="de-DE" dirty="0" err="1"/>
+              <a:t>enter</a:t>
+            </a:r>
+            <a:r>
+              <a:rPr lang="de-DE" dirty="0"/>
+              <a:t> ???</a:t>
+            </a:r>
           </a:p>
         </p:txBody>
       </p:sp>
       <p:sp>
         <p:nvSpPr>
-          <p:cNvPr id="15" name="Textfeld 14">
-            <a:extLst>
-              <a:ext uri="{FF2B5EF4-FFF2-40B4-BE49-F238E27FC236}">
-                <a16:creationId xmlns:a16="http://schemas.microsoft.com/office/drawing/2014/main" id="{D19EC54F-12A9-7F99-BB27-335252FE8020}"/>
+          <p:cNvPr id="8" name="Textfeld 7">
+            <a:extLst>
+              <a:ext uri="{FF2B5EF4-FFF2-40B4-BE49-F238E27FC236}">
+                <a16:creationId xmlns:a16="http://schemas.microsoft.com/office/drawing/2014/main" id="{0837D175-F78C-3B5B-619F-B0DE56700C70}"/>
               </a:ext>
             </a:extLst>
           </p:cNvPr>
@@ -12842,8 +14043,8 @@
         </p:nvSpPr>
         <p:spPr>
           <a:xfrm>
-            <a:off x="4583832" y="6003586"/>
-            <a:ext cx="1798265" cy="276999"/>
+            <a:off x="-1" y="5979770"/>
+            <a:ext cx="12187802" cy="276999"/>
           </a:xfrm>
           <a:prstGeom prst="rect">
             <a:avLst/>
@@ -12857,40 +14058,103 @@
           <a:lstStyle/>
           <a:p>
             <a:r>
-              <a:rPr lang="de-DE" sz="1200" i="1" dirty="0" err="1"/>
-              <a:t>Inner</a:t>
-            </a:r>
-            <a:r>
-              <a:rPr lang="de-DE" sz="1200" i="1" dirty="0"/>
-              <a:t> </a:t>
-            </a:r>
-            <a:r>
-              <a:rPr lang="de-DE" sz="1200" i="1" dirty="0" err="1"/>
-              <a:t>german</a:t>
-            </a:r>
-            <a:r>
-              <a:rPr lang="de-DE" sz="1200" i="1" dirty="0"/>
-              <a:t> </a:t>
-            </a:r>
-            <a:r>
-              <a:rPr lang="de-DE" sz="1200" i="1" dirty="0" err="1"/>
-              <a:t>border</a:t>
-            </a:r>
-            <a:r>
-              <a:rPr lang="de-DE" sz="1200" i="1" dirty="0"/>
-              <a:t>  </a:t>
-            </a:r>
-            <a:r>
-              <a:rPr lang="de-DE" sz="1200" i="1" baseline="30000" dirty="0"/>
-              <a:t>[4]</a:t>
-            </a:r>
+              <a:rPr lang="en-US" sz="1200" dirty="0">
+                <a:latin typeface="ArialMT"/>
+              </a:rPr>
+              <a:t>https://www.openapis.org/</a:t>
+            </a:r>
+            <a:endParaRPr lang="de-DE" sz="1200" i="1" baseline="30000" dirty="0"/>
+          </a:p>
+        </p:txBody>
+      </p:sp>
+      <p:sp>
+        <p:nvSpPr>
+          <p:cNvPr id="9" name="Textfeld 8">
+            <a:extLst>
+              <a:ext uri="{FF2B5EF4-FFF2-40B4-BE49-F238E27FC236}">
+                <a16:creationId xmlns:a16="http://schemas.microsoft.com/office/drawing/2014/main" id="{EACA72C0-1006-8F01-E5CF-BED7DA0A9550}"/>
+              </a:ext>
+            </a:extLst>
+          </p:cNvPr>
+          <p:cNvSpPr txBox="1"/>
+          <p:nvPr/>
+        </p:nvSpPr>
+        <p:spPr>
+          <a:xfrm>
+            <a:off x="7608168" y="2561952"/>
+            <a:ext cx="2008883" cy="707886"/>
+          </a:xfrm>
+          <a:prstGeom prst="rect">
+            <a:avLst/>
+          </a:prstGeom>
+          <a:noFill/>
+        </p:spPr>
+        <p:txBody>
+          <a:bodyPr wrap="none" rtlCol="0">
+            <a:spAutoFit/>
+          </a:bodyPr>
+          <a:lstStyle/>
+          <a:p>
+            <a:r>
+              <a:rPr lang="de-DE" sz="4000" dirty="0" err="1"/>
+              <a:t>OpenAPI</a:t>
+            </a:r>
+            <a:endParaRPr lang="de-DE" sz="4000" dirty="0"/>
+          </a:p>
+        </p:txBody>
+      </p:sp>
+      <p:sp>
+        <p:nvSpPr>
+          <p:cNvPr id="10" name="Textfeld 9">
+            <a:extLst>
+              <a:ext uri="{FF2B5EF4-FFF2-40B4-BE49-F238E27FC236}">
+                <a16:creationId xmlns:a16="http://schemas.microsoft.com/office/drawing/2014/main" id="{2E0F2019-77BE-9F93-2355-989FC9E6AA79}"/>
+              </a:ext>
+            </a:extLst>
+          </p:cNvPr>
+          <p:cNvSpPr txBox="1"/>
+          <p:nvPr/>
+        </p:nvSpPr>
+        <p:spPr>
+          <a:xfrm>
+            <a:off x="6528048" y="3751509"/>
+            <a:ext cx="4536504" cy="923330"/>
+          </a:xfrm>
+          <a:prstGeom prst="rect">
+            <a:avLst/>
+          </a:prstGeom>
+          <a:noFill/>
+        </p:spPr>
+        <p:txBody>
+          <a:bodyPr wrap="square" rtlCol="0">
+            <a:spAutoFit/>
+          </a:bodyPr>
+          <a:lstStyle/>
+          <a:p>
+            <a:pPr algn="ctr"/>
+            <a:r>
+              <a:rPr lang="en-US" b="1" dirty="0"/>
+              <a:t>The </a:t>
+            </a:r>
+            <a:r>
+              <a:rPr lang="en-US" b="1" dirty="0" err="1"/>
+              <a:t>OpenAPI</a:t>
+            </a:r>
+            <a:r>
+              <a:rPr lang="en-US" b="1" dirty="0"/>
+              <a:t> Specifications provides a formal standard for describing HTTP APIs</a:t>
+            </a:r>
+          </a:p>
+          <a:p>
+            <a:pPr algn="ctr"/>
+            <a:endParaRPr lang="de-DE" dirty="0"/>
           </a:p>
         </p:txBody>
       </p:sp>
     </p:spTree>
     <p:extLst>
       <p:ext uri="{BB962C8B-B14F-4D97-AF65-F5344CB8AC3E}">
-        <p14:creationId xmlns:p14="http://schemas.microsoft.com/office/powerpoint/2010/main" val="2329085792"/>
+        <p14:creationId xmlns:p14="http://schemas.microsoft.com/office/powerpoint/2010/main" val="4189691509"/>
       </p:ext>
     </p:extLst>
   </p:cSld>
@@ -12939,8 +14203,20 @@
           <a:lstStyle/>
           <a:p>
             <a:r>
-              <a:rPr lang="en-US" sz="2400" b="1" dirty="0"/>
-              <a:t>Short introduction </a:t>
+              <a:rPr lang="de-DE" sz="2400" b="1" dirty="0"/>
+              <a:t>API – </a:t>
+            </a:r>
+            <a:r>
+              <a:rPr lang="de-DE" dirty="0"/>
+              <a:t>Open API </a:t>
+            </a:r>
+            <a:r>
+              <a:rPr lang="de-DE" dirty="0" err="1"/>
+              <a:t>specification</a:t>
+            </a:r>
+            <a:r>
+              <a:rPr lang="de-DE" dirty="0"/>
+              <a:t> </a:t>
             </a:r>
             <a:endParaRPr lang="de-DE" sz="2400" b="1" dirty="0"/>
           </a:p>
@@ -12980,146 +14256,6 @@
               </a:rPr>
               <a:t>Sustainable software development / chapter 1</a:t>
             </a:r>
-          </a:p>
-          <a:p>
-            <a:endParaRPr lang="de-DE" dirty="0"/>
-          </a:p>
-        </p:txBody>
-      </p:sp>
-      <p:sp>
-        <p:nvSpPr>
-          <p:cNvPr id="8" name="Textfeld 8">
-            <a:extLst>
-              <a:ext uri="{FF2B5EF4-FFF2-40B4-BE49-F238E27FC236}">
-                <a16:creationId xmlns:a16="http://schemas.microsoft.com/office/drawing/2014/main" id="{D9E4E258-1090-7A70-DF51-176C4BD82FCB}"/>
-              </a:ext>
-            </a:extLst>
-          </p:cNvPr>
-          <p:cNvSpPr txBox="1"/>
-          <p:nvPr/>
-        </p:nvSpPr>
-        <p:spPr>
-          <a:xfrm>
-            <a:off x="2927648" y="2636912"/>
-            <a:ext cx="5957406" cy="615553"/>
-          </a:xfrm>
-          <a:prstGeom prst="rect">
-            <a:avLst/>
-          </a:prstGeom>
-          <a:noFill/>
-        </p:spPr>
-        <p:txBody>
-          <a:bodyPr wrap="square" rtlCol="0">
-            <a:spAutoFit/>
-          </a:bodyPr>
-          <a:lstStyle>
-            <a:defPPr>
-              <a:defRPr lang="de-DE"/>
-            </a:defPPr>
-            <a:lvl1pPr marL="0" algn="l" defTabSz="914400" rtl="0" eaLnBrk="1" latinLnBrk="0" hangingPunct="1">
-              <a:defRPr sz="1800" kern="1200">
-                <a:solidFill>
-                  <a:schemeClr val="tx1"/>
-                </a:solidFill>
-                <a:latin typeface="+mn-lt"/>
-                <a:ea typeface="+mn-ea"/>
-                <a:cs typeface="+mn-cs"/>
-              </a:defRPr>
-            </a:lvl1pPr>
-            <a:lvl2pPr marL="457200" algn="l" defTabSz="914400" rtl="0" eaLnBrk="1" latinLnBrk="0" hangingPunct="1">
-              <a:defRPr sz="1800" kern="1200">
-                <a:solidFill>
-                  <a:schemeClr val="tx1"/>
-                </a:solidFill>
-                <a:latin typeface="+mn-lt"/>
-                <a:ea typeface="+mn-ea"/>
-                <a:cs typeface="+mn-cs"/>
-              </a:defRPr>
-            </a:lvl2pPr>
-            <a:lvl3pPr marL="914400" algn="l" defTabSz="914400" rtl="0" eaLnBrk="1" latinLnBrk="0" hangingPunct="1">
-              <a:defRPr sz="1800" kern="1200">
-                <a:solidFill>
-                  <a:schemeClr val="tx1"/>
-                </a:solidFill>
-                <a:latin typeface="+mn-lt"/>
-                <a:ea typeface="+mn-ea"/>
-                <a:cs typeface="+mn-cs"/>
-              </a:defRPr>
-            </a:lvl3pPr>
-            <a:lvl4pPr marL="1371600" algn="l" defTabSz="914400" rtl="0" eaLnBrk="1" latinLnBrk="0" hangingPunct="1">
-              <a:defRPr sz="1800" kern="1200">
-                <a:solidFill>
-                  <a:schemeClr val="tx1"/>
-                </a:solidFill>
-                <a:latin typeface="+mn-lt"/>
-                <a:ea typeface="+mn-ea"/>
-                <a:cs typeface="+mn-cs"/>
-              </a:defRPr>
-            </a:lvl4pPr>
-            <a:lvl5pPr marL="1828800" algn="l" defTabSz="914400" rtl="0" eaLnBrk="1" latinLnBrk="0" hangingPunct="1">
-              <a:defRPr sz="1800" kern="1200">
-                <a:solidFill>
-                  <a:schemeClr val="tx1"/>
-                </a:solidFill>
-                <a:latin typeface="+mn-lt"/>
-                <a:ea typeface="+mn-ea"/>
-                <a:cs typeface="+mn-cs"/>
-              </a:defRPr>
-            </a:lvl5pPr>
-            <a:lvl6pPr marL="2286000" algn="l" defTabSz="914400" rtl="0" eaLnBrk="1" latinLnBrk="0" hangingPunct="1">
-              <a:defRPr sz="1800" kern="1200">
-                <a:solidFill>
-                  <a:schemeClr val="tx1"/>
-                </a:solidFill>
-                <a:latin typeface="+mn-lt"/>
-                <a:ea typeface="+mn-ea"/>
-                <a:cs typeface="+mn-cs"/>
-              </a:defRPr>
-            </a:lvl6pPr>
-            <a:lvl7pPr marL="2743200" algn="l" defTabSz="914400" rtl="0" eaLnBrk="1" latinLnBrk="0" hangingPunct="1">
-              <a:defRPr sz="1800" kern="1200">
-                <a:solidFill>
-                  <a:schemeClr val="tx1"/>
-                </a:solidFill>
-                <a:latin typeface="+mn-lt"/>
-                <a:ea typeface="+mn-ea"/>
-                <a:cs typeface="+mn-cs"/>
-              </a:defRPr>
-            </a:lvl7pPr>
-            <a:lvl8pPr marL="3200400" algn="l" defTabSz="914400" rtl="0" eaLnBrk="1" latinLnBrk="0" hangingPunct="1">
-              <a:defRPr sz="1800" kern="1200">
-                <a:solidFill>
-                  <a:schemeClr val="tx1"/>
-                </a:solidFill>
-                <a:latin typeface="+mn-lt"/>
-                <a:ea typeface="+mn-ea"/>
-                <a:cs typeface="+mn-cs"/>
-              </a:defRPr>
-            </a:lvl8pPr>
-            <a:lvl9pPr marL="3657600" algn="l" defTabSz="914400" rtl="0" eaLnBrk="1" latinLnBrk="0" hangingPunct="1">
-              <a:defRPr sz="1800" kern="1200">
-                <a:solidFill>
-                  <a:schemeClr val="tx1"/>
-                </a:solidFill>
-                <a:latin typeface="+mn-lt"/>
-                <a:ea typeface="+mn-ea"/>
-                <a:cs typeface="+mn-cs"/>
-              </a:defRPr>
-            </a:lvl9pPr>
-          </a:lstStyle>
-          <a:p>
-            <a:pPr marL="285750" indent="-285750">
-              <a:buFont typeface="Arial" panose="020B0604020202020204" pitchFamily="34" charset="0"/>
-              <a:buChar char="•"/>
-            </a:pPr>
-            <a:r>
-              <a:rPr lang="de-DE" sz="1600" dirty="0" err="1"/>
-              <a:t>Thanks</a:t>
-            </a:r>
-            <a:endParaRPr lang="de-DE" sz="1600" dirty="0"/>
-          </a:p>
-          <a:p>
-            <a:endParaRPr lang="de-DE" dirty="0"/>
           </a:p>
         </p:txBody>
       </p:sp>
@@ -13182,10 +14318,2232 @@
           </a:p>
         </p:txBody>
       </p:sp>
+      <p:sp>
+        <p:nvSpPr>
+          <p:cNvPr id="4" name="Textfeld 3">
+            <a:extLst>
+              <a:ext uri="{FF2B5EF4-FFF2-40B4-BE49-F238E27FC236}">
+                <a16:creationId xmlns:a16="http://schemas.microsoft.com/office/drawing/2014/main" id="{D442C321-F51B-2084-45A3-EF8C0F8BCC89}"/>
+              </a:ext>
+            </a:extLst>
+          </p:cNvPr>
+          <p:cNvSpPr txBox="1"/>
+          <p:nvPr/>
+        </p:nvSpPr>
+        <p:spPr>
+          <a:xfrm>
+            <a:off x="2783632" y="2204864"/>
+            <a:ext cx="4107150" cy="923330"/>
+          </a:xfrm>
+          <a:prstGeom prst="rect">
+            <a:avLst/>
+          </a:prstGeom>
+          <a:noFill/>
+        </p:spPr>
+        <p:txBody>
+          <a:bodyPr wrap="none" rtlCol="0">
+            <a:spAutoFit/>
+          </a:bodyPr>
+          <a:lstStyle/>
+          <a:p>
+            <a:r>
+              <a:rPr lang="de-DE" dirty="0" err="1"/>
+              <a:t>Specification</a:t>
+            </a:r>
+            <a:r>
+              <a:rPr lang="de-DE" dirty="0"/>
+              <a:t> </a:t>
+            </a:r>
+            <a:r>
+              <a:rPr lang="de-DE" dirty="0" err="1"/>
+              <a:t>example</a:t>
+            </a:r>
+            <a:r>
+              <a:rPr lang="de-DE" dirty="0"/>
+              <a:t> </a:t>
+            </a:r>
+          </a:p>
+          <a:p>
+            <a:r>
+              <a:rPr lang="de-DE" dirty="0"/>
+              <a:t>Code </a:t>
+            </a:r>
+            <a:r>
+              <a:rPr lang="de-DE" dirty="0" err="1"/>
+              <a:t>generation</a:t>
+            </a:r>
+            <a:endParaRPr lang="de-DE" dirty="0"/>
+          </a:p>
+          <a:p>
+            <a:r>
+              <a:rPr lang="de-DE" dirty="0"/>
+              <a:t>Mention </a:t>
+            </a:r>
+            <a:r>
+              <a:rPr lang="de-DE" dirty="0" err="1"/>
+              <a:t>that</a:t>
+            </a:r>
+            <a:r>
+              <a:rPr lang="de-DE" dirty="0"/>
+              <a:t> </a:t>
+            </a:r>
+            <a:r>
+              <a:rPr lang="de-DE" dirty="0" err="1"/>
+              <a:t>there</a:t>
+            </a:r>
+            <a:r>
+              <a:rPr lang="de-DE" dirty="0"/>
+              <a:t> </a:t>
+            </a:r>
+            <a:r>
+              <a:rPr lang="de-DE" dirty="0" err="1"/>
+              <a:t>are</a:t>
+            </a:r>
+            <a:r>
+              <a:rPr lang="de-DE" dirty="0"/>
+              <a:t> </a:t>
+            </a:r>
+            <a:r>
+              <a:rPr lang="de-DE" dirty="0" err="1"/>
+              <a:t>other</a:t>
+            </a:r>
+            <a:r>
+              <a:rPr lang="de-DE" dirty="0"/>
+              <a:t> </a:t>
+            </a:r>
+            <a:r>
+              <a:rPr lang="de-DE" dirty="0" err="1"/>
+              <a:t>descriptions</a:t>
+            </a:r>
+            <a:endParaRPr lang="de-DE" dirty="0"/>
+          </a:p>
+        </p:txBody>
+      </p:sp>
     </p:spTree>
     <p:extLst>
       <p:ext uri="{BB962C8B-B14F-4D97-AF65-F5344CB8AC3E}">
-        <p14:creationId xmlns:p14="http://schemas.microsoft.com/office/powerpoint/2010/main" val="1795187389"/>
+        <p14:creationId xmlns:p14="http://schemas.microsoft.com/office/powerpoint/2010/main" val="2130259946"/>
+      </p:ext>
+    </p:extLst>
+  </p:cSld>
+  <p:clrMapOvr>
+    <a:masterClrMapping/>
+  </p:clrMapOvr>
+</p:sld>
+</file>
+
+<file path=ppt/slides/slide24.xml><?xml version="1.0" encoding="utf-8"?>
+<p:sld xmlns:a="http://schemas.openxmlformats.org/drawingml/2006/main" xmlns:r="http://schemas.openxmlformats.org/officeDocument/2006/relationships" xmlns:p="http://schemas.openxmlformats.org/presentationml/2006/main">
+  <p:cSld>
+    <p:spTree>
+      <p:nvGrpSpPr>
+        <p:cNvPr id="1" name=""/>
+        <p:cNvGrpSpPr/>
+        <p:nvPr/>
+      </p:nvGrpSpPr>
+      <p:grpSpPr>
+        <a:xfrm>
+          <a:off x="0" y="0"/>
+          <a:ext cx="0" cy="0"/>
+          <a:chOff x="0" y="0"/>
+          <a:chExt cx="0" cy="0"/>
+        </a:xfrm>
+      </p:grpSpPr>
+      <p:sp>
+        <p:nvSpPr>
+          <p:cNvPr id="3" name="Textplatzhalter 2">
+            <a:extLst>
+              <a:ext uri="{FF2B5EF4-FFF2-40B4-BE49-F238E27FC236}">
+                <a16:creationId xmlns:a16="http://schemas.microsoft.com/office/drawing/2014/main" id="{E53959BB-0FE9-4A8E-A0CA-2ED897403CB1}"/>
+              </a:ext>
+            </a:extLst>
+          </p:cNvPr>
+          <p:cNvSpPr>
+            <a:spLocks noGrp="1"/>
+          </p:cNvSpPr>
+          <p:nvPr>
+            <p:ph type="body" sz="quarter" idx="13"/>
+          </p:nvPr>
+        </p:nvSpPr>
+        <p:spPr/>
+        <p:txBody>
+          <a:bodyPr/>
+          <a:lstStyle/>
+          <a:p>
+            <a:r>
+              <a:rPr lang="de-DE" sz="2400" b="1" dirty="0"/>
+              <a:t>API – </a:t>
+            </a:r>
+            <a:r>
+              <a:rPr lang="de-DE" dirty="0"/>
+              <a:t>Swagger UI</a:t>
+            </a:r>
+            <a:endParaRPr lang="de-DE" sz="2400" b="1" dirty="0"/>
+          </a:p>
+          <a:p>
+            <a:endParaRPr lang="de-DE" dirty="0"/>
+          </a:p>
+        </p:txBody>
+      </p:sp>
+      <p:sp>
+        <p:nvSpPr>
+          <p:cNvPr id="5" name="Textplatzhalter 4">
+            <a:extLst>
+              <a:ext uri="{FF2B5EF4-FFF2-40B4-BE49-F238E27FC236}">
+                <a16:creationId xmlns:a16="http://schemas.microsoft.com/office/drawing/2014/main" id="{5A3D76A7-DEFB-4C11-B5A5-CFE9919E6B74}"/>
+              </a:ext>
+            </a:extLst>
+          </p:cNvPr>
+          <p:cNvSpPr>
+            <a:spLocks noGrp="1"/>
+          </p:cNvSpPr>
+          <p:nvPr>
+            <p:ph type="body" sz="quarter" idx="14"/>
+          </p:nvPr>
+        </p:nvSpPr>
+        <p:spPr/>
+        <p:txBody>
+          <a:bodyPr/>
+          <a:lstStyle/>
+          <a:p>
+            <a:r>
+              <a:rPr lang="en-US" sz="2000" b="1" dirty="0">
+                <a:solidFill>
+                  <a:schemeClr val="accent3">
+                    <a:lumMod val="75000"/>
+                  </a:schemeClr>
+                </a:solidFill>
+              </a:rPr>
+              <a:t>Sustainable software development / chapter 1</a:t>
+            </a:r>
+          </a:p>
+        </p:txBody>
+      </p:sp>
+      <p:sp>
+        <p:nvSpPr>
+          <p:cNvPr id="15" name="Textfeld 14">
+            <a:extLst>
+              <a:ext uri="{FF2B5EF4-FFF2-40B4-BE49-F238E27FC236}">
+                <a16:creationId xmlns:a16="http://schemas.microsoft.com/office/drawing/2014/main" id="{D19EC54F-12A9-7F99-BB27-335252FE8020}"/>
+              </a:ext>
+            </a:extLst>
+          </p:cNvPr>
+          <p:cNvSpPr txBox="1"/>
+          <p:nvPr/>
+        </p:nvSpPr>
+        <p:spPr>
+          <a:xfrm>
+            <a:off x="4583832" y="6003586"/>
+            <a:ext cx="1798265" cy="276999"/>
+          </a:xfrm>
+          <a:prstGeom prst="rect">
+            <a:avLst/>
+          </a:prstGeom>
+          <a:noFill/>
+        </p:spPr>
+        <p:txBody>
+          <a:bodyPr wrap="square">
+            <a:spAutoFit/>
+          </a:bodyPr>
+          <a:lstStyle/>
+          <a:p>
+            <a:r>
+              <a:rPr lang="de-DE" sz="1200" i="1" dirty="0" err="1"/>
+              <a:t>Inner</a:t>
+            </a:r>
+            <a:r>
+              <a:rPr lang="de-DE" sz="1200" i="1" dirty="0"/>
+              <a:t> </a:t>
+            </a:r>
+            <a:r>
+              <a:rPr lang="de-DE" sz="1200" i="1" dirty="0" err="1"/>
+              <a:t>german</a:t>
+            </a:r>
+            <a:r>
+              <a:rPr lang="de-DE" sz="1200" i="1" dirty="0"/>
+              <a:t> </a:t>
+            </a:r>
+            <a:r>
+              <a:rPr lang="de-DE" sz="1200" i="1" dirty="0" err="1"/>
+              <a:t>border</a:t>
+            </a:r>
+            <a:r>
+              <a:rPr lang="de-DE" sz="1200" i="1" dirty="0"/>
+              <a:t>  </a:t>
+            </a:r>
+            <a:r>
+              <a:rPr lang="de-DE" sz="1200" i="1" baseline="30000" dirty="0"/>
+              <a:t>[4]</a:t>
+            </a:r>
+          </a:p>
+        </p:txBody>
+      </p:sp>
+      <p:sp>
+        <p:nvSpPr>
+          <p:cNvPr id="4" name="Textfeld 3">
+            <a:extLst>
+              <a:ext uri="{FF2B5EF4-FFF2-40B4-BE49-F238E27FC236}">
+                <a16:creationId xmlns:a16="http://schemas.microsoft.com/office/drawing/2014/main" id="{D442C321-F51B-2084-45A3-EF8C0F8BCC89}"/>
+              </a:ext>
+            </a:extLst>
+          </p:cNvPr>
+          <p:cNvSpPr txBox="1"/>
+          <p:nvPr/>
+        </p:nvSpPr>
+        <p:spPr>
+          <a:xfrm>
+            <a:off x="2783632" y="2204864"/>
+            <a:ext cx="3484672" cy="369332"/>
+          </a:xfrm>
+          <a:prstGeom prst="rect">
+            <a:avLst/>
+          </a:prstGeom>
+          <a:noFill/>
+        </p:spPr>
+        <p:txBody>
+          <a:bodyPr wrap="none" rtlCol="0">
+            <a:spAutoFit/>
+          </a:bodyPr>
+          <a:lstStyle/>
+          <a:p>
+            <a:r>
+              <a:rPr lang="de-DE" dirty="0" err="1"/>
+              <a:t>Example</a:t>
+            </a:r>
+            <a:r>
+              <a:rPr lang="de-DE" dirty="0"/>
+              <a:t> </a:t>
+            </a:r>
+            <a:r>
+              <a:rPr lang="de-DE" dirty="0" err="1"/>
+              <a:t>showing</a:t>
+            </a:r>
+            <a:r>
+              <a:rPr lang="de-DE" dirty="0"/>
+              <a:t> </a:t>
+            </a:r>
+            <a:r>
+              <a:rPr lang="de-DE" dirty="0" err="1"/>
+              <a:t>the</a:t>
+            </a:r>
+            <a:r>
+              <a:rPr lang="de-DE" dirty="0"/>
+              <a:t> </a:t>
+            </a:r>
+            <a:r>
+              <a:rPr lang="de-DE" dirty="0" err="1"/>
+              <a:t>swagger</a:t>
+            </a:r>
+            <a:r>
+              <a:rPr lang="de-DE" dirty="0"/>
+              <a:t> </a:t>
+            </a:r>
+            <a:r>
+              <a:rPr lang="de-DE" dirty="0" err="1"/>
+              <a:t>stuff</a:t>
+            </a:r>
+            <a:endParaRPr lang="de-DE" dirty="0"/>
+          </a:p>
+        </p:txBody>
+      </p:sp>
+    </p:spTree>
+    <p:extLst>
+      <p:ext uri="{BB962C8B-B14F-4D97-AF65-F5344CB8AC3E}">
+        <p14:creationId xmlns:p14="http://schemas.microsoft.com/office/powerpoint/2010/main" val="1858411995"/>
+      </p:ext>
+    </p:extLst>
+  </p:cSld>
+  <p:clrMapOvr>
+    <a:masterClrMapping/>
+  </p:clrMapOvr>
+</p:sld>
+</file>
+
+<file path=ppt/slides/slide25.xml><?xml version="1.0" encoding="utf-8"?>
+<p:sld xmlns:a="http://schemas.openxmlformats.org/drawingml/2006/main" xmlns:r="http://schemas.openxmlformats.org/officeDocument/2006/relationships" xmlns:p="http://schemas.openxmlformats.org/presentationml/2006/main">
+  <p:cSld>
+    <p:spTree>
+      <p:nvGrpSpPr>
+        <p:cNvPr id="1" name=""/>
+        <p:cNvGrpSpPr/>
+        <p:nvPr/>
+      </p:nvGrpSpPr>
+      <p:grpSpPr>
+        <a:xfrm>
+          <a:off x="0" y="0"/>
+          <a:ext cx="0" cy="0"/>
+          <a:chOff x="0" y="0"/>
+          <a:chExt cx="0" cy="0"/>
+        </a:xfrm>
+      </p:grpSpPr>
+      <p:sp>
+        <p:nvSpPr>
+          <p:cNvPr id="3" name="Textplatzhalter 2">
+            <a:extLst>
+              <a:ext uri="{FF2B5EF4-FFF2-40B4-BE49-F238E27FC236}">
+                <a16:creationId xmlns:a16="http://schemas.microsoft.com/office/drawing/2014/main" id="{E53959BB-0FE9-4A8E-A0CA-2ED897403CB1}"/>
+              </a:ext>
+            </a:extLst>
+          </p:cNvPr>
+          <p:cNvSpPr>
+            <a:spLocks noGrp="1"/>
+          </p:cNvSpPr>
+          <p:nvPr>
+            <p:ph type="body" sz="quarter" idx="13"/>
+          </p:nvPr>
+        </p:nvSpPr>
+        <p:spPr/>
+        <p:txBody>
+          <a:bodyPr/>
+          <a:lstStyle/>
+          <a:p>
+            <a:r>
+              <a:rPr lang="de-DE" sz="2400" b="1" dirty="0"/>
+              <a:t>API – </a:t>
+            </a:r>
+            <a:r>
+              <a:rPr lang="de-DE" dirty="0" err="1"/>
+              <a:t>S</a:t>
+            </a:r>
+            <a:r>
+              <a:rPr lang="de-DE" sz="2400" b="1" dirty="0" err="1"/>
+              <a:t>ecuring</a:t>
+            </a:r>
+            <a:r>
+              <a:rPr lang="de-DE" sz="2400" b="1" dirty="0"/>
+              <a:t> API </a:t>
+            </a:r>
+            <a:r>
+              <a:rPr lang="de-DE" sz="2400" b="1" dirty="0" err="1"/>
+              <a:t>endpoints</a:t>
+            </a:r>
+            <a:endParaRPr lang="de-DE" sz="2400" b="1" dirty="0"/>
+          </a:p>
+          <a:p>
+            <a:endParaRPr lang="de-DE" dirty="0"/>
+          </a:p>
+        </p:txBody>
+      </p:sp>
+      <p:sp>
+        <p:nvSpPr>
+          <p:cNvPr id="5" name="Textplatzhalter 4">
+            <a:extLst>
+              <a:ext uri="{FF2B5EF4-FFF2-40B4-BE49-F238E27FC236}">
+                <a16:creationId xmlns:a16="http://schemas.microsoft.com/office/drawing/2014/main" id="{5A3D76A7-DEFB-4C11-B5A5-CFE9919E6B74}"/>
+              </a:ext>
+            </a:extLst>
+          </p:cNvPr>
+          <p:cNvSpPr>
+            <a:spLocks noGrp="1"/>
+          </p:cNvSpPr>
+          <p:nvPr>
+            <p:ph type="body" sz="quarter" idx="14"/>
+          </p:nvPr>
+        </p:nvSpPr>
+        <p:spPr/>
+        <p:txBody>
+          <a:bodyPr/>
+          <a:lstStyle/>
+          <a:p>
+            <a:r>
+              <a:rPr lang="en-US" sz="2000" b="1" dirty="0">
+                <a:solidFill>
+                  <a:schemeClr val="accent3">
+                    <a:lumMod val="75000"/>
+                  </a:schemeClr>
+                </a:solidFill>
+              </a:rPr>
+              <a:t>Sustainable software development / chapter 1</a:t>
+            </a:r>
+          </a:p>
+        </p:txBody>
+      </p:sp>
+      <p:sp>
+        <p:nvSpPr>
+          <p:cNvPr id="2" name="Textfeld 1">
+            <a:extLst>
+              <a:ext uri="{FF2B5EF4-FFF2-40B4-BE49-F238E27FC236}">
+                <a16:creationId xmlns:a16="http://schemas.microsoft.com/office/drawing/2014/main" id="{033B4D9C-6208-6014-BD80-609B8DAD1D65}"/>
+              </a:ext>
+            </a:extLst>
+          </p:cNvPr>
+          <p:cNvSpPr txBox="1"/>
+          <p:nvPr/>
+        </p:nvSpPr>
+        <p:spPr>
+          <a:xfrm>
+            <a:off x="3287688" y="2564904"/>
+            <a:ext cx="3321487" cy="1754326"/>
+          </a:xfrm>
+          <a:prstGeom prst="rect">
+            <a:avLst/>
+          </a:prstGeom>
+          <a:noFill/>
+        </p:spPr>
+        <p:txBody>
+          <a:bodyPr wrap="none" rtlCol="0">
+            <a:spAutoFit/>
+          </a:bodyPr>
+          <a:lstStyle/>
+          <a:p>
+            <a:r>
+              <a:rPr lang="de-DE" dirty="0"/>
+              <a:t>HTTPs</a:t>
+            </a:r>
+          </a:p>
+          <a:p>
+            <a:r>
+              <a:rPr lang="de-DE" dirty="0" err="1"/>
+              <a:t>WebTokens</a:t>
+            </a:r>
+            <a:endParaRPr lang="de-DE" dirty="0"/>
+          </a:p>
+          <a:p>
+            <a:r>
+              <a:rPr lang="de-DE" dirty="0" err="1"/>
+              <a:t>AccessTokens</a:t>
+            </a:r>
+            <a:endParaRPr lang="de-DE" dirty="0"/>
+          </a:p>
+          <a:p>
+            <a:r>
+              <a:rPr lang="de-DE"/>
+              <a:t>Security Layer</a:t>
+            </a:r>
+            <a:endParaRPr lang="de-DE" dirty="0"/>
+          </a:p>
+          <a:p>
+            <a:endParaRPr lang="de-DE" dirty="0"/>
+          </a:p>
+          <a:p>
+            <a:r>
+              <a:rPr lang="de-DE" dirty="0" err="1"/>
+              <a:t>Authentification</a:t>
+            </a:r>
+            <a:r>
+              <a:rPr lang="de-DE" dirty="0"/>
+              <a:t> &lt;&gt; </a:t>
+            </a:r>
+            <a:r>
+              <a:rPr lang="de-DE" dirty="0" err="1"/>
+              <a:t>Authorisation</a:t>
+            </a:r>
+            <a:endParaRPr lang="de-DE" dirty="0"/>
+          </a:p>
+        </p:txBody>
+      </p:sp>
+      <p:sp>
+        <p:nvSpPr>
+          <p:cNvPr id="6" name="Textfeld 5">
+            <a:extLst>
+              <a:ext uri="{FF2B5EF4-FFF2-40B4-BE49-F238E27FC236}">
+                <a16:creationId xmlns:a16="http://schemas.microsoft.com/office/drawing/2014/main" id="{8A6B698B-A49F-73F8-D4CA-C752062D261F}"/>
+              </a:ext>
+            </a:extLst>
+          </p:cNvPr>
+          <p:cNvSpPr txBox="1"/>
+          <p:nvPr/>
+        </p:nvSpPr>
+        <p:spPr>
+          <a:xfrm>
+            <a:off x="4199" y="5981217"/>
+            <a:ext cx="12187802" cy="276999"/>
+          </a:xfrm>
+          <a:prstGeom prst="rect">
+            <a:avLst/>
+          </a:prstGeom>
+          <a:noFill/>
+        </p:spPr>
+        <p:txBody>
+          <a:bodyPr wrap="square">
+            <a:spAutoFit/>
+          </a:bodyPr>
+          <a:lstStyle/>
+          <a:p>
+            <a:r>
+              <a:rPr lang="en-US" sz="1200" dirty="0">
+                <a:latin typeface="ArialMT"/>
+              </a:rPr>
+              <a:t>M. Amundsen</a:t>
+            </a:r>
+            <a:r>
+              <a:rPr lang="en-US" sz="1200" b="0" i="0" u="none" strike="noStrike" baseline="0" dirty="0">
+                <a:latin typeface="ArialMT"/>
+              </a:rPr>
+              <a:t>, Design and Build Great Web APIs, </a:t>
+            </a:r>
+            <a:r>
+              <a:rPr lang="en-US" sz="1200" b="1" i="0" u="none" strike="noStrike" baseline="0" dirty="0">
+                <a:latin typeface="ArialMT"/>
+              </a:rPr>
+              <a:t>20</a:t>
+            </a:r>
+            <a:r>
+              <a:rPr lang="en-US" sz="1200" b="1" dirty="0">
+                <a:latin typeface="ArialMT"/>
+              </a:rPr>
+              <a:t>20</a:t>
+            </a:r>
+            <a:r>
+              <a:rPr lang="en-US" sz="1200" dirty="0">
+                <a:latin typeface="ArialMT"/>
+              </a:rPr>
+              <a:t>, p. 207ff</a:t>
+            </a:r>
+            <a:endParaRPr lang="de-DE" sz="1200" i="1" baseline="30000" dirty="0"/>
+          </a:p>
+        </p:txBody>
+      </p:sp>
+    </p:spTree>
+    <p:extLst>
+      <p:ext uri="{BB962C8B-B14F-4D97-AF65-F5344CB8AC3E}">
+        <p14:creationId xmlns:p14="http://schemas.microsoft.com/office/powerpoint/2010/main" val="2531217227"/>
+      </p:ext>
+    </p:extLst>
+  </p:cSld>
+  <p:clrMapOvr>
+    <a:masterClrMapping/>
+  </p:clrMapOvr>
+</p:sld>
+</file>
+
+<file path=ppt/slides/slide26.xml><?xml version="1.0" encoding="utf-8"?>
+<p:sld xmlns:a="http://schemas.openxmlformats.org/drawingml/2006/main" xmlns:r="http://schemas.openxmlformats.org/officeDocument/2006/relationships" xmlns:p="http://schemas.openxmlformats.org/presentationml/2006/main">
+  <p:cSld>
+    <p:spTree>
+      <p:nvGrpSpPr>
+        <p:cNvPr id="1" name=""/>
+        <p:cNvGrpSpPr/>
+        <p:nvPr/>
+      </p:nvGrpSpPr>
+      <p:grpSpPr>
+        <a:xfrm>
+          <a:off x="0" y="0"/>
+          <a:ext cx="0" cy="0"/>
+          <a:chOff x="0" y="0"/>
+          <a:chExt cx="0" cy="0"/>
+        </a:xfrm>
+      </p:grpSpPr>
+      <p:sp>
+        <p:nvSpPr>
+          <p:cNvPr id="3" name="Textplatzhalter 2">
+            <a:extLst>
+              <a:ext uri="{FF2B5EF4-FFF2-40B4-BE49-F238E27FC236}">
+                <a16:creationId xmlns:a16="http://schemas.microsoft.com/office/drawing/2014/main" id="{E53959BB-0FE9-4A8E-A0CA-2ED897403CB1}"/>
+              </a:ext>
+            </a:extLst>
+          </p:cNvPr>
+          <p:cNvSpPr>
+            <a:spLocks noGrp="1"/>
+          </p:cNvSpPr>
+          <p:nvPr>
+            <p:ph type="body" sz="quarter" idx="13"/>
+          </p:nvPr>
+        </p:nvSpPr>
+        <p:spPr/>
+        <p:txBody>
+          <a:bodyPr/>
+          <a:lstStyle/>
+          <a:p>
+            <a:r>
+              <a:rPr lang="de-DE" sz="2400" b="1" dirty="0"/>
+              <a:t>API – </a:t>
+            </a:r>
+            <a:r>
+              <a:rPr lang="de-DE" sz="2400" b="1" dirty="0" err="1"/>
+              <a:t>some</a:t>
+            </a:r>
+            <a:r>
+              <a:rPr lang="de-DE" sz="2400" b="1" dirty="0"/>
+              <a:t> </a:t>
+            </a:r>
+            <a:r>
+              <a:rPr lang="de-DE" sz="2400" b="1" dirty="0" err="1"/>
+              <a:t>tipps</a:t>
+            </a:r>
+            <a:r>
+              <a:rPr lang="de-DE" sz="2400" b="1" dirty="0"/>
+              <a:t> </a:t>
+            </a:r>
+            <a:r>
+              <a:rPr lang="de-DE" sz="2400" b="1" dirty="0" err="1"/>
+              <a:t>for</a:t>
+            </a:r>
+            <a:r>
+              <a:rPr lang="de-DE" sz="2400" b="1" dirty="0"/>
+              <a:t> API design</a:t>
+            </a:r>
+          </a:p>
+          <a:p>
+            <a:endParaRPr lang="de-DE" dirty="0"/>
+          </a:p>
+        </p:txBody>
+      </p:sp>
+      <p:sp>
+        <p:nvSpPr>
+          <p:cNvPr id="5" name="Textplatzhalter 4">
+            <a:extLst>
+              <a:ext uri="{FF2B5EF4-FFF2-40B4-BE49-F238E27FC236}">
+                <a16:creationId xmlns:a16="http://schemas.microsoft.com/office/drawing/2014/main" id="{5A3D76A7-DEFB-4C11-B5A5-CFE9919E6B74}"/>
+              </a:ext>
+            </a:extLst>
+          </p:cNvPr>
+          <p:cNvSpPr>
+            <a:spLocks noGrp="1"/>
+          </p:cNvSpPr>
+          <p:nvPr>
+            <p:ph type="body" sz="quarter" idx="14"/>
+          </p:nvPr>
+        </p:nvSpPr>
+        <p:spPr/>
+        <p:txBody>
+          <a:bodyPr/>
+          <a:lstStyle/>
+          <a:p>
+            <a:r>
+              <a:rPr lang="en-US" sz="2000" b="1" dirty="0">
+                <a:solidFill>
+                  <a:schemeClr val="accent3">
+                    <a:lumMod val="75000"/>
+                  </a:schemeClr>
+                </a:solidFill>
+              </a:rPr>
+              <a:t>Sustainable software development / chapter 1</a:t>
+            </a:r>
+          </a:p>
+        </p:txBody>
+      </p:sp>
+      <p:sp>
+        <p:nvSpPr>
+          <p:cNvPr id="8" name="Textfeld 8">
+            <a:extLst>
+              <a:ext uri="{FF2B5EF4-FFF2-40B4-BE49-F238E27FC236}">
+                <a16:creationId xmlns:a16="http://schemas.microsoft.com/office/drawing/2014/main" id="{D9E4E258-1090-7A70-DF51-176C4BD82FCB}"/>
+              </a:ext>
+            </a:extLst>
+          </p:cNvPr>
+          <p:cNvSpPr txBox="1"/>
+          <p:nvPr/>
+        </p:nvSpPr>
+        <p:spPr>
+          <a:xfrm>
+            <a:off x="2504261" y="2276872"/>
+            <a:ext cx="5957406" cy="615553"/>
+          </a:xfrm>
+          <a:prstGeom prst="rect">
+            <a:avLst/>
+          </a:prstGeom>
+          <a:noFill/>
+        </p:spPr>
+        <p:txBody>
+          <a:bodyPr wrap="square" rtlCol="0">
+            <a:spAutoFit/>
+          </a:bodyPr>
+          <a:lstStyle>
+            <a:defPPr>
+              <a:defRPr lang="de-DE"/>
+            </a:defPPr>
+            <a:lvl1pPr marL="0" algn="l" defTabSz="914400" rtl="0" eaLnBrk="1" latinLnBrk="0" hangingPunct="1">
+              <a:defRPr sz="1800" kern="1200">
+                <a:solidFill>
+                  <a:schemeClr val="tx1"/>
+                </a:solidFill>
+                <a:latin typeface="+mn-lt"/>
+                <a:ea typeface="+mn-ea"/>
+                <a:cs typeface="+mn-cs"/>
+              </a:defRPr>
+            </a:lvl1pPr>
+            <a:lvl2pPr marL="457200" algn="l" defTabSz="914400" rtl="0" eaLnBrk="1" latinLnBrk="0" hangingPunct="1">
+              <a:defRPr sz="1800" kern="1200">
+                <a:solidFill>
+                  <a:schemeClr val="tx1"/>
+                </a:solidFill>
+                <a:latin typeface="+mn-lt"/>
+                <a:ea typeface="+mn-ea"/>
+                <a:cs typeface="+mn-cs"/>
+              </a:defRPr>
+            </a:lvl2pPr>
+            <a:lvl3pPr marL="914400" algn="l" defTabSz="914400" rtl="0" eaLnBrk="1" latinLnBrk="0" hangingPunct="1">
+              <a:defRPr sz="1800" kern="1200">
+                <a:solidFill>
+                  <a:schemeClr val="tx1"/>
+                </a:solidFill>
+                <a:latin typeface="+mn-lt"/>
+                <a:ea typeface="+mn-ea"/>
+                <a:cs typeface="+mn-cs"/>
+              </a:defRPr>
+            </a:lvl3pPr>
+            <a:lvl4pPr marL="1371600" algn="l" defTabSz="914400" rtl="0" eaLnBrk="1" latinLnBrk="0" hangingPunct="1">
+              <a:defRPr sz="1800" kern="1200">
+                <a:solidFill>
+                  <a:schemeClr val="tx1"/>
+                </a:solidFill>
+                <a:latin typeface="+mn-lt"/>
+                <a:ea typeface="+mn-ea"/>
+                <a:cs typeface="+mn-cs"/>
+              </a:defRPr>
+            </a:lvl4pPr>
+            <a:lvl5pPr marL="1828800" algn="l" defTabSz="914400" rtl="0" eaLnBrk="1" latinLnBrk="0" hangingPunct="1">
+              <a:defRPr sz="1800" kern="1200">
+                <a:solidFill>
+                  <a:schemeClr val="tx1"/>
+                </a:solidFill>
+                <a:latin typeface="+mn-lt"/>
+                <a:ea typeface="+mn-ea"/>
+                <a:cs typeface="+mn-cs"/>
+              </a:defRPr>
+            </a:lvl5pPr>
+            <a:lvl6pPr marL="2286000" algn="l" defTabSz="914400" rtl="0" eaLnBrk="1" latinLnBrk="0" hangingPunct="1">
+              <a:defRPr sz="1800" kern="1200">
+                <a:solidFill>
+                  <a:schemeClr val="tx1"/>
+                </a:solidFill>
+                <a:latin typeface="+mn-lt"/>
+                <a:ea typeface="+mn-ea"/>
+                <a:cs typeface="+mn-cs"/>
+              </a:defRPr>
+            </a:lvl6pPr>
+            <a:lvl7pPr marL="2743200" algn="l" defTabSz="914400" rtl="0" eaLnBrk="1" latinLnBrk="0" hangingPunct="1">
+              <a:defRPr sz="1800" kern="1200">
+                <a:solidFill>
+                  <a:schemeClr val="tx1"/>
+                </a:solidFill>
+                <a:latin typeface="+mn-lt"/>
+                <a:ea typeface="+mn-ea"/>
+                <a:cs typeface="+mn-cs"/>
+              </a:defRPr>
+            </a:lvl7pPr>
+            <a:lvl8pPr marL="3200400" algn="l" defTabSz="914400" rtl="0" eaLnBrk="1" latinLnBrk="0" hangingPunct="1">
+              <a:defRPr sz="1800" kern="1200">
+                <a:solidFill>
+                  <a:schemeClr val="tx1"/>
+                </a:solidFill>
+                <a:latin typeface="+mn-lt"/>
+                <a:ea typeface="+mn-ea"/>
+                <a:cs typeface="+mn-cs"/>
+              </a:defRPr>
+            </a:lvl8pPr>
+            <a:lvl9pPr marL="3657600" algn="l" defTabSz="914400" rtl="0" eaLnBrk="1" latinLnBrk="0" hangingPunct="1">
+              <a:defRPr sz="1800" kern="1200">
+                <a:solidFill>
+                  <a:schemeClr val="tx1"/>
+                </a:solidFill>
+                <a:latin typeface="+mn-lt"/>
+                <a:ea typeface="+mn-ea"/>
+                <a:cs typeface="+mn-cs"/>
+              </a:defRPr>
+            </a:lvl9pPr>
+          </a:lstStyle>
+          <a:p>
+            <a:pPr marL="285750" indent="-285750">
+              <a:buFont typeface="Arial" panose="020B0604020202020204" pitchFamily="34" charset="0"/>
+              <a:buChar char="•"/>
+            </a:pPr>
+            <a:r>
+              <a:rPr lang="de-DE" sz="1600" dirty="0"/>
+              <a:t>Tipps </a:t>
+            </a:r>
+            <a:r>
+              <a:rPr lang="de-DE" sz="1600" dirty="0" err="1"/>
+              <a:t>for</a:t>
+            </a:r>
+            <a:r>
+              <a:rPr lang="de-DE" sz="1600" dirty="0"/>
+              <a:t> a </a:t>
+            </a:r>
+            <a:r>
+              <a:rPr lang="de-DE" sz="1600" dirty="0" err="1"/>
+              <a:t>good</a:t>
+            </a:r>
+            <a:r>
+              <a:rPr lang="de-DE" sz="1600" dirty="0"/>
+              <a:t> API design</a:t>
+            </a:r>
+          </a:p>
+          <a:p>
+            <a:endParaRPr lang="de-DE" dirty="0"/>
+          </a:p>
+        </p:txBody>
+      </p:sp>
+      <p:sp>
+        <p:nvSpPr>
+          <p:cNvPr id="15" name="Textfeld 14">
+            <a:extLst>
+              <a:ext uri="{FF2B5EF4-FFF2-40B4-BE49-F238E27FC236}">
+                <a16:creationId xmlns:a16="http://schemas.microsoft.com/office/drawing/2014/main" id="{D19EC54F-12A9-7F99-BB27-335252FE8020}"/>
+              </a:ext>
+            </a:extLst>
+          </p:cNvPr>
+          <p:cNvSpPr txBox="1"/>
+          <p:nvPr/>
+        </p:nvSpPr>
+        <p:spPr>
+          <a:xfrm>
+            <a:off x="4583832" y="6003586"/>
+            <a:ext cx="1798265" cy="276999"/>
+          </a:xfrm>
+          <a:prstGeom prst="rect">
+            <a:avLst/>
+          </a:prstGeom>
+          <a:noFill/>
+        </p:spPr>
+        <p:txBody>
+          <a:bodyPr wrap="square">
+            <a:spAutoFit/>
+          </a:bodyPr>
+          <a:lstStyle/>
+          <a:p>
+            <a:r>
+              <a:rPr lang="de-DE" sz="1200" i="1" dirty="0" err="1"/>
+              <a:t>Inner</a:t>
+            </a:r>
+            <a:r>
+              <a:rPr lang="de-DE" sz="1200" i="1" dirty="0"/>
+              <a:t> </a:t>
+            </a:r>
+            <a:r>
+              <a:rPr lang="de-DE" sz="1200" i="1" dirty="0" err="1"/>
+              <a:t>german</a:t>
+            </a:r>
+            <a:r>
+              <a:rPr lang="de-DE" sz="1200" i="1" dirty="0"/>
+              <a:t> </a:t>
+            </a:r>
+            <a:r>
+              <a:rPr lang="de-DE" sz="1200" i="1" dirty="0" err="1"/>
+              <a:t>border</a:t>
+            </a:r>
+            <a:r>
+              <a:rPr lang="de-DE" sz="1200" i="1" dirty="0"/>
+              <a:t>  </a:t>
+            </a:r>
+            <a:r>
+              <a:rPr lang="de-DE" sz="1200" i="1" baseline="30000" dirty="0"/>
+              <a:t>[4]</a:t>
+            </a:r>
+          </a:p>
+        </p:txBody>
+      </p:sp>
+      <p:sp>
+        <p:nvSpPr>
+          <p:cNvPr id="2" name="Textfeld 1">
+            <a:extLst>
+              <a:ext uri="{FF2B5EF4-FFF2-40B4-BE49-F238E27FC236}">
+                <a16:creationId xmlns:a16="http://schemas.microsoft.com/office/drawing/2014/main" id="{0B54786F-0521-2392-2637-9240F04CF4B7}"/>
+              </a:ext>
+            </a:extLst>
+          </p:cNvPr>
+          <p:cNvSpPr txBox="1"/>
+          <p:nvPr/>
+        </p:nvSpPr>
+        <p:spPr>
+          <a:xfrm>
+            <a:off x="2063552" y="3068960"/>
+            <a:ext cx="3384376" cy="2031325"/>
+          </a:xfrm>
+          <a:prstGeom prst="rect">
+            <a:avLst/>
+          </a:prstGeom>
+          <a:noFill/>
+        </p:spPr>
+        <p:txBody>
+          <a:bodyPr wrap="square" rtlCol="0">
+            <a:spAutoFit/>
+          </a:bodyPr>
+          <a:lstStyle/>
+          <a:p>
+            <a:pPr marL="742950" lvl="1" indent="-285750">
+              <a:buFont typeface="Arial" panose="020B0604020202020204" pitchFamily="34" charset="0"/>
+              <a:buChar char="•"/>
+            </a:pPr>
+            <a:r>
+              <a:rPr lang="de-DE" sz="1800" b="0" i="0" u="none" strike="noStrike" baseline="0" dirty="0">
+                <a:latin typeface="BookmanStd-Light"/>
+              </a:rPr>
+              <a:t>Client-server</a:t>
+            </a:r>
+          </a:p>
+          <a:p>
+            <a:pPr marL="742950" lvl="1" indent="-285750">
+              <a:buFont typeface="Arial" panose="020B0604020202020204" pitchFamily="34" charset="0"/>
+              <a:buChar char="•"/>
+            </a:pPr>
+            <a:r>
+              <a:rPr lang="de-DE" sz="1800" b="1" i="0" u="none" strike="noStrike" baseline="0" dirty="0" err="1">
+                <a:latin typeface="BookmanStd-Light"/>
+              </a:rPr>
+              <a:t>Stateless</a:t>
+            </a:r>
+            <a:r>
+              <a:rPr lang="de-DE" sz="1800" b="1" i="0" u="none" strike="noStrike" baseline="0" dirty="0">
+                <a:latin typeface="BookmanStd-Light"/>
+              </a:rPr>
+              <a:t> </a:t>
+            </a:r>
+            <a:r>
+              <a:rPr lang="de-DE" sz="1800" b="1" i="0" u="none" strike="noStrike" baseline="0" dirty="0" err="1">
+                <a:latin typeface="BookmanStd-Light"/>
+              </a:rPr>
+              <a:t>systems</a:t>
+            </a:r>
+            <a:endParaRPr lang="de-DE" sz="1800" b="1" dirty="0">
+              <a:latin typeface="BookmanStd-Light"/>
+            </a:endParaRPr>
+          </a:p>
+          <a:p>
+            <a:pPr marL="742950" lvl="1" indent="-285750">
+              <a:buFont typeface="Arial" panose="020B0604020202020204" pitchFamily="34" charset="0"/>
+              <a:buChar char="•"/>
+            </a:pPr>
+            <a:r>
+              <a:rPr lang="de-DE" sz="1800" b="0" i="0" u="none" strike="noStrike" baseline="0" dirty="0">
+                <a:latin typeface="BookmanStd-Light"/>
+              </a:rPr>
+              <a:t>Cache</a:t>
+            </a:r>
+          </a:p>
+          <a:p>
+            <a:pPr marL="742950" lvl="1" indent="-285750">
+              <a:buFont typeface="Arial" panose="020B0604020202020204" pitchFamily="34" charset="0"/>
+              <a:buChar char="•"/>
+            </a:pPr>
+            <a:r>
+              <a:rPr lang="de-DE" sz="1800" b="1" i="0" u="none" strike="noStrike" baseline="0" dirty="0">
+                <a:latin typeface="BookmanStd-Light"/>
+              </a:rPr>
+              <a:t>Uniform interface</a:t>
+            </a:r>
+            <a:endParaRPr lang="de-DE" sz="1800" b="1" dirty="0">
+              <a:latin typeface="BookmanStd-Light"/>
+            </a:endParaRPr>
+          </a:p>
+          <a:p>
+            <a:pPr marL="742950" lvl="1" indent="-285750">
+              <a:buFont typeface="Arial" panose="020B0604020202020204" pitchFamily="34" charset="0"/>
+              <a:buChar char="•"/>
+            </a:pPr>
+            <a:r>
+              <a:rPr lang="de-DE" sz="1800" b="0" i="0" u="none" strike="noStrike" baseline="0" dirty="0" err="1">
+                <a:latin typeface="BookmanStd-Light"/>
+              </a:rPr>
+              <a:t>Layered</a:t>
+            </a:r>
+            <a:r>
+              <a:rPr lang="de-DE" sz="1800" b="0" i="0" u="none" strike="noStrike" baseline="0" dirty="0">
+                <a:latin typeface="BookmanStd-Light"/>
+              </a:rPr>
+              <a:t> </a:t>
+            </a:r>
+            <a:r>
+              <a:rPr lang="de-DE" sz="1800" b="0" i="0" u="none" strike="noStrike" baseline="0" dirty="0" err="1">
+                <a:latin typeface="BookmanStd-Light"/>
+              </a:rPr>
+              <a:t>system</a:t>
+            </a:r>
+            <a:endParaRPr lang="de-DE" sz="1800" b="0" i="0" u="none" strike="noStrike" baseline="0" dirty="0">
+              <a:latin typeface="BookmanStd-Light"/>
+            </a:endParaRPr>
+          </a:p>
+          <a:p>
+            <a:pPr marL="742950" lvl="1" indent="-285750">
+              <a:buFont typeface="Arial" panose="020B0604020202020204" pitchFamily="34" charset="0"/>
+              <a:buChar char="•"/>
+            </a:pPr>
+            <a:r>
+              <a:rPr lang="de-DE" sz="1800" b="0" i="0" u="none" strike="noStrike" baseline="0" dirty="0">
+                <a:latin typeface="BookmanStd-Light"/>
+              </a:rPr>
+              <a:t>Code on </a:t>
+            </a:r>
+            <a:r>
+              <a:rPr lang="de-DE" sz="1800" b="0" i="0" u="none" strike="noStrike" baseline="0" dirty="0" err="1">
+                <a:latin typeface="BookmanStd-Light"/>
+              </a:rPr>
+              <a:t>demand</a:t>
+            </a:r>
+            <a:endParaRPr lang="de-DE" sz="1800" dirty="0"/>
+          </a:p>
+          <a:p>
+            <a:endParaRPr lang="de-DE" dirty="0"/>
+          </a:p>
+        </p:txBody>
+      </p:sp>
+    </p:spTree>
+    <p:extLst>
+      <p:ext uri="{BB962C8B-B14F-4D97-AF65-F5344CB8AC3E}">
+        <p14:creationId xmlns:p14="http://schemas.microsoft.com/office/powerpoint/2010/main" val="2452407369"/>
+      </p:ext>
+    </p:extLst>
+  </p:cSld>
+  <p:clrMapOvr>
+    <a:masterClrMapping/>
+  </p:clrMapOvr>
+</p:sld>
+</file>
+
+<file path=ppt/slides/slide27.xml><?xml version="1.0" encoding="utf-8"?>
+<p:sld xmlns:a="http://schemas.openxmlformats.org/drawingml/2006/main" xmlns:r="http://schemas.openxmlformats.org/officeDocument/2006/relationships" xmlns:p="http://schemas.openxmlformats.org/presentationml/2006/main">
+  <p:cSld>
+    <p:spTree>
+      <p:nvGrpSpPr>
+        <p:cNvPr id="1" name=""/>
+        <p:cNvGrpSpPr/>
+        <p:nvPr/>
+      </p:nvGrpSpPr>
+      <p:grpSpPr>
+        <a:xfrm>
+          <a:off x="0" y="0"/>
+          <a:ext cx="0" cy="0"/>
+          <a:chOff x="0" y="0"/>
+          <a:chExt cx="0" cy="0"/>
+        </a:xfrm>
+      </p:grpSpPr>
+      <p:sp>
+        <p:nvSpPr>
+          <p:cNvPr id="3" name="Textplatzhalter 2">
+            <a:extLst>
+              <a:ext uri="{FF2B5EF4-FFF2-40B4-BE49-F238E27FC236}">
+                <a16:creationId xmlns:a16="http://schemas.microsoft.com/office/drawing/2014/main" id="{E53959BB-0FE9-4A8E-A0CA-2ED897403CB1}"/>
+              </a:ext>
+            </a:extLst>
+          </p:cNvPr>
+          <p:cNvSpPr>
+            <a:spLocks noGrp="1"/>
+          </p:cNvSpPr>
+          <p:nvPr>
+            <p:ph type="body" sz="quarter" idx="13"/>
+          </p:nvPr>
+        </p:nvSpPr>
+        <p:spPr/>
+        <p:txBody>
+          <a:bodyPr/>
+          <a:lstStyle/>
+          <a:p>
+            <a:r>
+              <a:rPr lang="de-DE" sz="2400" b="1" dirty="0"/>
+              <a:t>API – </a:t>
+            </a:r>
+            <a:r>
+              <a:rPr lang="de-DE" sz="2400" b="1" dirty="0" err="1"/>
+              <a:t>Testing</a:t>
+            </a:r>
+            <a:r>
+              <a:rPr lang="de-DE" sz="2400" b="1" dirty="0"/>
+              <a:t> </a:t>
+            </a:r>
+            <a:r>
+              <a:rPr lang="de-DE" sz="2400" b="1" dirty="0" err="1"/>
+              <a:t>of</a:t>
+            </a:r>
+            <a:r>
+              <a:rPr lang="de-DE" sz="2400" b="1" dirty="0"/>
+              <a:t> APIs</a:t>
+            </a:r>
+          </a:p>
+        </p:txBody>
+      </p:sp>
+      <p:sp>
+        <p:nvSpPr>
+          <p:cNvPr id="5" name="Textplatzhalter 4">
+            <a:extLst>
+              <a:ext uri="{FF2B5EF4-FFF2-40B4-BE49-F238E27FC236}">
+                <a16:creationId xmlns:a16="http://schemas.microsoft.com/office/drawing/2014/main" id="{5A3D76A7-DEFB-4C11-B5A5-CFE9919E6B74}"/>
+              </a:ext>
+            </a:extLst>
+          </p:cNvPr>
+          <p:cNvSpPr>
+            <a:spLocks noGrp="1"/>
+          </p:cNvSpPr>
+          <p:nvPr>
+            <p:ph type="body" sz="quarter" idx="14"/>
+          </p:nvPr>
+        </p:nvSpPr>
+        <p:spPr/>
+        <p:txBody>
+          <a:bodyPr/>
+          <a:lstStyle/>
+          <a:p>
+            <a:r>
+              <a:rPr lang="en-US" sz="2000" b="1" dirty="0">
+                <a:solidFill>
+                  <a:schemeClr val="accent3">
+                    <a:lumMod val="75000"/>
+                  </a:schemeClr>
+                </a:solidFill>
+              </a:rPr>
+              <a:t>Sustainable software development / chapter 1</a:t>
+            </a:r>
+          </a:p>
+        </p:txBody>
+      </p:sp>
+      <p:sp>
+        <p:nvSpPr>
+          <p:cNvPr id="8" name="Textfeld 8">
+            <a:extLst>
+              <a:ext uri="{FF2B5EF4-FFF2-40B4-BE49-F238E27FC236}">
+                <a16:creationId xmlns:a16="http://schemas.microsoft.com/office/drawing/2014/main" id="{D9E4E258-1090-7A70-DF51-176C4BD82FCB}"/>
+              </a:ext>
+            </a:extLst>
+          </p:cNvPr>
+          <p:cNvSpPr txBox="1"/>
+          <p:nvPr/>
+        </p:nvSpPr>
+        <p:spPr>
+          <a:xfrm>
+            <a:off x="2504261" y="2276872"/>
+            <a:ext cx="5957406" cy="1107996"/>
+          </a:xfrm>
+          <a:prstGeom prst="rect">
+            <a:avLst/>
+          </a:prstGeom>
+          <a:noFill/>
+        </p:spPr>
+        <p:txBody>
+          <a:bodyPr wrap="square" rtlCol="0">
+            <a:spAutoFit/>
+          </a:bodyPr>
+          <a:lstStyle>
+            <a:defPPr>
+              <a:defRPr lang="de-DE"/>
+            </a:defPPr>
+            <a:lvl1pPr marL="0" algn="l" defTabSz="914400" rtl="0" eaLnBrk="1" latinLnBrk="0" hangingPunct="1">
+              <a:defRPr sz="1800" kern="1200">
+                <a:solidFill>
+                  <a:schemeClr val="tx1"/>
+                </a:solidFill>
+                <a:latin typeface="+mn-lt"/>
+                <a:ea typeface="+mn-ea"/>
+                <a:cs typeface="+mn-cs"/>
+              </a:defRPr>
+            </a:lvl1pPr>
+            <a:lvl2pPr marL="457200" algn="l" defTabSz="914400" rtl="0" eaLnBrk="1" latinLnBrk="0" hangingPunct="1">
+              <a:defRPr sz="1800" kern="1200">
+                <a:solidFill>
+                  <a:schemeClr val="tx1"/>
+                </a:solidFill>
+                <a:latin typeface="+mn-lt"/>
+                <a:ea typeface="+mn-ea"/>
+                <a:cs typeface="+mn-cs"/>
+              </a:defRPr>
+            </a:lvl2pPr>
+            <a:lvl3pPr marL="914400" algn="l" defTabSz="914400" rtl="0" eaLnBrk="1" latinLnBrk="0" hangingPunct="1">
+              <a:defRPr sz="1800" kern="1200">
+                <a:solidFill>
+                  <a:schemeClr val="tx1"/>
+                </a:solidFill>
+                <a:latin typeface="+mn-lt"/>
+                <a:ea typeface="+mn-ea"/>
+                <a:cs typeface="+mn-cs"/>
+              </a:defRPr>
+            </a:lvl3pPr>
+            <a:lvl4pPr marL="1371600" algn="l" defTabSz="914400" rtl="0" eaLnBrk="1" latinLnBrk="0" hangingPunct="1">
+              <a:defRPr sz="1800" kern="1200">
+                <a:solidFill>
+                  <a:schemeClr val="tx1"/>
+                </a:solidFill>
+                <a:latin typeface="+mn-lt"/>
+                <a:ea typeface="+mn-ea"/>
+                <a:cs typeface="+mn-cs"/>
+              </a:defRPr>
+            </a:lvl4pPr>
+            <a:lvl5pPr marL="1828800" algn="l" defTabSz="914400" rtl="0" eaLnBrk="1" latinLnBrk="0" hangingPunct="1">
+              <a:defRPr sz="1800" kern="1200">
+                <a:solidFill>
+                  <a:schemeClr val="tx1"/>
+                </a:solidFill>
+                <a:latin typeface="+mn-lt"/>
+                <a:ea typeface="+mn-ea"/>
+                <a:cs typeface="+mn-cs"/>
+              </a:defRPr>
+            </a:lvl5pPr>
+            <a:lvl6pPr marL="2286000" algn="l" defTabSz="914400" rtl="0" eaLnBrk="1" latinLnBrk="0" hangingPunct="1">
+              <a:defRPr sz="1800" kern="1200">
+                <a:solidFill>
+                  <a:schemeClr val="tx1"/>
+                </a:solidFill>
+                <a:latin typeface="+mn-lt"/>
+                <a:ea typeface="+mn-ea"/>
+                <a:cs typeface="+mn-cs"/>
+              </a:defRPr>
+            </a:lvl6pPr>
+            <a:lvl7pPr marL="2743200" algn="l" defTabSz="914400" rtl="0" eaLnBrk="1" latinLnBrk="0" hangingPunct="1">
+              <a:defRPr sz="1800" kern="1200">
+                <a:solidFill>
+                  <a:schemeClr val="tx1"/>
+                </a:solidFill>
+                <a:latin typeface="+mn-lt"/>
+                <a:ea typeface="+mn-ea"/>
+                <a:cs typeface="+mn-cs"/>
+              </a:defRPr>
+            </a:lvl7pPr>
+            <a:lvl8pPr marL="3200400" algn="l" defTabSz="914400" rtl="0" eaLnBrk="1" latinLnBrk="0" hangingPunct="1">
+              <a:defRPr sz="1800" kern="1200">
+                <a:solidFill>
+                  <a:schemeClr val="tx1"/>
+                </a:solidFill>
+                <a:latin typeface="+mn-lt"/>
+                <a:ea typeface="+mn-ea"/>
+                <a:cs typeface="+mn-cs"/>
+              </a:defRPr>
+            </a:lvl8pPr>
+            <a:lvl9pPr marL="3657600" algn="l" defTabSz="914400" rtl="0" eaLnBrk="1" latinLnBrk="0" hangingPunct="1">
+              <a:defRPr sz="1800" kern="1200">
+                <a:solidFill>
+                  <a:schemeClr val="tx1"/>
+                </a:solidFill>
+                <a:latin typeface="+mn-lt"/>
+                <a:ea typeface="+mn-ea"/>
+                <a:cs typeface="+mn-cs"/>
+              </a:defRPr>
+            </a:lvl9pPr>
+          </a:lstStyle>
+          <a:p>
+            <a:pPr marL="285750" indent="-285750">
+              <a:buFont typeface="Arial" panose="020B0604020202020204" pitchFamily="34" charset="0"/>
+              <a:buChar char="•"/>
+            </a:pPr>
+            <a:r>
+              <a:rPr lang="de-DE" sz="1600" dirty="0"/>
+              <a:t>Problems </a:t>
+            </a:r>
+            <a:r>
+              <a:rPr lang="de-DE" sz="1600" dirty="0" err="1"/>
+              <a:t>with</a:t>
+            </a:r>
+            <a:r>
+              <a:rPr lang="de-DE" sz="1600" dirty="0"/>
+              <a:t> APIs</a:t>
+            </a:r>
+          </a:p>
+          <a:p>
+            <a:pPr marL="285750" indent="-285750">
+              <a:buFont typeface="Arial" panose="020B0604020202020204" pitchFamily="34" charset="0"/>
+              <a:buChar char="•"/>
+            </a:pPr>
+            <a:r>
+              <a:rPr lang="de-DE" sz="1600" dirty="0"/>
+              <a:t>Not </a:t>
+            </a:r>
+            <a:r>
+              <a:rPr lang="de-DE" sz="1600" dirty="0" err="1"/>
+              <a:t>stable</a:t>
+            </a:r>
+            <a:r>
+              <a:rPr lang="de-DE" sz="1600" dirty="0"/>
+              <a:t>, </a:t>
+            </a:r>
+            <a:r>
+              <a:rPr lang="de-DE" sz="1600" dirty="0" err="1"/>
+              <a:t>unclear</a:t>
+            </a:r>
+            <a:r>
+              <a:rPr lang="de-DE" sz="1600" dirty="0"/>
+              <a:t>, ….</a:t>
+            </a:r>
+          </a:p>
+          <a:p>
+            <a:pPr marL="285750" indent="-285750">
+              <a:buFont typeface="Arial" panose="020B0604020202020204" pitchFamily="34" charset="0"/>
+              <a:buChar char="•"/>
+            </a:pPr>
+            <a:r>
+              <a:rPr lang="de-DE" sz="1600" dirty="0" err="1"/>
+              <a:t>Testablility</a:t>
+            </a:r>
+            <a:r>
+              <a:rPr lang="de-DE" sz="1600" dirty="0"/>
+              <a:t> -&gt; </a:t>
+            </a:r>
+            <a:r>
+              <a:rPr lang="de-DE" sz="1600" dirty="0" err="1"/>
+              <a:t>leads</a:t>
+            </a:r>
+            <a:r>
+              <a:rPr lang="de-DE" sz="1600" dirty="0"/>
+              <a:t> </a:t>
+            </a:r>
+            <a:r>
+              <a:rPr lang="de-DE" sz="1600" dirty="0" err="1"/>
+              <a:t>to</a:t>
+            </a:r>
+            <a:r>
+              <a:rPr lang="de-DE" sz="1600" dirty="0"/>
+              <a:t> </a:t>
+            </a:r>
+            <a:r>
+              <a:rPr lang="de-DE" sz="1600" dirty="0" err="1"/>
+              <a:t>next</a:t>
+            </a:r>
+            <a:r>
+              <a:rPr lang="de-DE" sz="1600" dirty="0"/>
+              <a:t> </a:t>
+            </a:r>
+            <a:r>
+              <a:rPr lang="de-DE" sz="1600" dirty="0" err="1"/>
+              <a:t>slide</a:t>
+            </a:r>
+            <a:endParaRPr lang="de-DE" sz="1600" dirty="0"/>
+          </a:p>
+          <a:p>
+            <a:endParaRPr lang="de-DE" dirty="0"/>
+          </a:p>
+        </p:txBody>
+      </p:sp>
+      <p:sp>
+        <p:nvSpPr>
+          <p:cNvPr id="15" name="Textfeld 14">
+            <a:extLst>
+              <a:ext uri="{FF2B5EF4-FFF2-40B4-BE49-F238E27FC236}">
+                <a16:creationId xmlns:a16="http://schemas.microsoft.com/office/drawing/2014/main" id="{D19EC54F-12A9-7F99-BB27-335252FE8020}"/>
+              </a:ext>
+            </a:extLst>
+          </p:cNvPr>
+          <p:cNvSpPr txBox="1"/>
+          <p:nvPr/>
+        </p:nvSpPr>
+        <p:spPr>
+          <a:xfrm>
+            <a:off x="4583832" y="6003586"/>
+            <a:ext cx="1798265" cy="276999"/>
+          </a:xfrm>
+          <a:prstGeom prst="rect">
+            <a:avLst/>
+          </a:prstGeom>
+          <a:noFill/>
+        </p:spPr>
+        <p:txBody>
+          <a:bodyPr wrap="square">
+            <a:spAutoFit/>
+          </a:bodyPr>
+          <a:lstStyle/>
+          <a:p>
+            <a:r>
+              <a:rPr lang="de-DE" sz="1200" i="1" dirty="0" err="1"/>
+              <a:t>Inner</a:t>
+            </a:r>
+            <a:r>
+              <a:rPr lang="de-DE" sz="1200" i="1" dirty="0"/>
+              <a:t> </a:t>
+            </a:r>
+            <a:r>
+              <a:rPr lang="de-DE" sz="1200" i="1" dirty="0" err="1"/>
+              <a:t>german</a:t>
+            </a:r>
+            <a:r>
+              <a:rPr lang="de-DE" sz="1200" i="1" dirty="0"/>
+              <a:t> </a:t>
+            </a:r>
+            <a:r>
+              <a:rPr lang="de-DE" sz="1200" i="1" dirty="0" err="1"/>
+              <a:t>border</a:t>
+            </a:r>
+            <a:r>
+              <a:rPr lang="de-DE" sz="1200" i="1" dirty="0"/>
+              <a:t>  </a:t>
+            </a:r>
+            <a:r>
+              <a:rPr lang="de-DE" sz="1200" i="1" baseline="30000" dirty="0"/>
+              <a:t>[4]</a:t>
+            </a:r>
+          </a:p>
+        </p:txBody>
+      </p:sp>
+    </p:spTree>
+    <p:extLst>
+      <p:ext uri="{BB962C8B-B14F-4D97-AF65-F5344CB8AC3E}">
+        <p14:creationId xmlns:p14="http://schemas.microsoft.com/office/powerpoint/2010/main" val="2181985573"/>
+      </p:ext>
+    </p:extLst>
+  </p:cSld>
+  <p:clrMapOvr>
+    <a:masterClrMapping/>
+  </p:clrMapOvr>
+</p:sld>
+</file>
+
+<file path=ppt/slides/slide28.xml><?xml version="1.0" encoding="utf-8"?>
+<p:sld xmlns:a="http://schemas.openxmlformats.org/drawingml/2006/main" xmlns:r="http://schemas.openxmlformats.org/officeDocument/2006/relationships" xmlns:p="http://schemas.openxmlformats.org/presentationml/2006/main">
+  <p:cSld>
+    <p:spTree>
+      <p:nvGrpSpPr>
+        <p:cNvPr id="1" name=""/>
+        <p:cNvGrpSpPr/>
+        <p:nvPr/>
+      </p:nvGrpSpPr>
+      <p:grpSpPr>
+        <a:xfrm>
+          <a:off x="0" y="0"/>
+          <a:ext cx="0" cy="0"/>
+          <a:chOff x="0" y="0"/>
+          <a:chExt cx="0" cy="0"/>
+        </a:xfrm>
+      </p:grpSpPr>
+      <p:sp>
+        <p:nvSpPr>
+          <p:cNvPr id="3" name="Textplatzhalter 2">
+            <a:extLst>
+              <a:ext uri="{FF2B5EF4-FFF2-40B4-BE49-F238E27FC236}">
+                <a16:creationId xmlns:a16="http://schemas.microsoft.com/office/drawing/2014/main" id="{E53959BB-0FE9-4A8E-A0CA-2ED897403CB1}"/>
+              </a:ext>
+            </a:extLst>
+          </p:cNvPr>
+          <p:cNvSpPr>
+            <a:spLocks noGrp="1"/>
+          </p:cNvSpPr>
+          <p:nvPr>
+            <p:ph type="body" sz="quarter" idx="13"/>
+          </p:nvPr>
+        </p:nvSpPr>
+        <p:spPr/>
+        <p:txBody>
+          <a:bodyPr/>
+          <a:lstStyle/>
+          <a:p>
+            <a:r>
+              <a:rPr lang="de-DE" dirty="0" err="1"/>
+              <a:t>Testing</a:t>
+            </a:r>
+            <a:r>
+              <a:rPr lang="de-DE" dirty="0"/>
+              <a:t> </a:t>
+            </a:r>
+            <a:r>
+              <a:rPr lang="de-DE" dirty="0" err="1"/>
+              <a:t>with</a:t>
+            </a:r>
+            <a:r>
+              <a:rPr lang="de-DE" dirty="0"/>
+              <a:t> </a:t>
+            </a:r>
+            <a:r>
+              <a:rPr lang="de-DE" dirty="0" err="1"/>
+              <a:t>github</a:t>
+            </a:r>
+            <a:r>
+              <a:rPr lang="de-DE" dirty="0"/>
+              <a:t> </a:t>
+            </a:r>
+            <a:r>
+              <a:rPr lang="de-DE" dirty="0" err="1"/>
+              <a:t>actions</a:t>
+            </a:r>
+            <a:endParaRPr lang="de-DE" dirty="0"/>
+          </a:p>
+        </p:txBody>
+      </p:sp>
+      <p:sp>
+        <p:nvSpPr>
+          <p:cNvPr id="5" name="Textplatzhalter 4">
+            <a:extLst>
+              <a:ext uri="{FF2B5EF4-FFF2-40B4-BE49-F238E27FC236}">
+                <a16:creationId xmlns:a16="http://schemas.microsoft.com/office/drawing/2014/main" id="{5A3D76A7-DEFB-4C11-B5A5-CFE9919E6B74}"/>
+              </a:ext>
+            </a:extLst>
+          </p:cNvPr>
+          <p:cNvSpPr>
+            <a:spLocks noGrp="1"/>
+          </p:cNvSpPr>
+          <p:nvPr>
+            <p:ph type="body" sz="quarter" idx="14"/>
+          </p:nvPr>
+        </p:nvSpPr>
+        <p:spPr/>
+        <p:txBody>
+          <a:bodyPr/>
+          <a:lstStyle/>
+          <a:p>
+            <a:r>
+              <a:rPr lang="en-US" sz="2000" b="1" dirty="0">
+                <a:solidFill>
+                  <a:schemeClr val="accent3">
+                    <a:lumMod val="75000"/>
+                  </a:schemeClr>
+                </a:solidFill>
+              </a:rPr>
+              <a:t>Sustainable software development / chapter 1</a:t>
+            </a:r>
+          </a:p>
+        </p:txBody>
+      </p:sp>
+      <p:sp>
+        <p:nvSpPr>
+          <p:cNvPr id="8" name="Textfeld 8">
+            <a:extLst>
+              <a:ext uri="{FF2B5EF4-FFF2-40B4-BE49-F238E27FC236}">
+                <a16:creationId xmlns:a16="http://schemas.microsoft.com/office/drawing/2014/main" id="{D9E4E258-1090-7A70-DF51-176C4BD82FCB}"/>
+              </a:ext>
+            </a:extLst>
+          </p:cNvPr>
+          <p:cNvSpPr txBox="1"/>
+          <p:nvPr/>
+        </p:nvSpPr>
+        <p:spPr>
+          <a:xfrm>
+            <a:off x="2927648" y="2636912"/>
+            <a:ext cx="5957406" cy="1600438"/>
+          </a:xfrm>
+          <a:prstGeom prst="rect">
+            <a:avLst/>
+          </a:prstGeom>
+          <a:noFill/>
+        </p:spPr>
+        <p:txBody>
+          <a:bodyPr wrap="square" rtlCol="0">
+            <a:spAutoFit/>
+          </a:bodyPr>
+          <a:lstStyle>
+            <a:defPPr>
+              <a:defRPr lang="de-DE"/>
+            </a:defPPr>
+            <a:lvl1pPr marL="0" algn="l" defTabSz="914400" rtl="0" eaLnBrk="1" latinLnBrk="0" hangingPunct="1">
+              <a:defRPr sz="1800" kern="1200">
+                <a:solidFill>
+                  <a:schemeClr val="tx1"/>
+                </a:solidFill>
+                <a:latin typeface="+mn-lt"/>
+                <a:ea typeface="+mn-ea"/>
+                <a:cs typeface="+mn-cs"/>
+              </a:defRPr>
+            </a:lvl1pPr>
+            <a:lvl2pPr marL="457200" algn="l" defTabSz="914400" rtl="0" eaLnBrk="1" latinLnBrk="0" hangingPunct="1">
+              <a:defRPr sz="1800" kern="1200">
+                <a:solidFill>
+                  <a:schemeClr val="tx1"/>
+                </a:solidFill>
+                <a:latin typeface="+mn-lt"/>
+                <a:ea typeface="+mn-ea"/>
+                <a:cs typeface="+mn-cs"/>
+              </a:defRPr>
+            </a:lvl2pPr>
+            <a:lvl3pPr marL="914400" algn="l" defTabSz="914400" rtl="0" eaLnBrk="1" latinLnBrk="0" hangingPunct="1">
+              <a:defRPr sz="1800" kern="1200">
+                <a:solidFill>
+                  <a:schemeClr val="tx1"/>
+                </a:solidFill>
+                <a:latin typeface="+mn-lt"/>
+                <a:ea typeface="+mn-ea"/>
+                <a:cs typeface="+mn-cs"/>
+              </a:defRPr>
+            </a:lvl3pPr>
+            <a:lvl4pPr marL="1371600" algn="l" defTabSz="914400" rtl="0" eaLnBrk="1" latinLnBrk="0" hangingPunct="1">
+              <a:defRPr sz="1800" kern="1200">
+                <a:solidFill>
+                  <a:schemeClr val="tx1"/>
+                </a:solidFill>
+                <a:latin typeface="+mn-lt"/>
+                <a:ea typeface="+mn-ea"/>
+                <a:cs typeface="+mn-cs"/>
+              </a:defRPr>
+            </a:lvl4pPr>
+            <a:lvl5pPr marL="1828800" algn="l" defTabSz="914400" rtl="0" eaLnBrk="1" latinLnBrk="0" hangingPunct="1">
+              <a:defRPr sz="1800" kern="1200">
+                <a:solidFill>
+                  <a:schemeClr val="tx1"/>
+                </a:solidFill>
+                <a:latin typeface="+mn-lt"/>
+                <a:ea typeface="+mn-ea"/>
+                <a:cs typeface="+mn-cs"/>
+              </a:defRPr>
+            </a:lvl5pPr>
+            <a:lvl6pPr marL="2286000" algn="l" defTabSz="914400" rtl="0" eaLnBrk="1" latinLnBrk="0" hangingPunct="1">
+              <a:defRPr sz="1800" kern="1200">
+                <a:solidFill>
+                  <a:schemeClr val="tx1"/>
+                </a:solidFill>
+                <a:latin typeface="+mn-lt"/>
+                <a:ea typeface="+mn-ea"/>
+                <a:cs typeface="+mn-cs"/>
+              </a:defRPr>
+            </a:lvl6pPr>
+            <a:lvl7pPr marL="2743200" algn="l" defTabSz="914400" rtl="0" eaLnBrk="1" latinLnBrk="0" hangingPunct="1">
+              <a:defRPr sz="1800" kern="1200">
+                <a:solidFill>
+                  <a:schemeClr val="tx1"/>
+                </a:solidFill>
+                <a:latin typeface="+mn-lt"/>
+                <a:ea typeface="+mn-ea"/>
+                <a:cs typeface="+mn-cs"/>
+              </a:defRPr>
+            </a:lvl7pPr>
+            <a:lvl8pPr marL="3200400" algn="l" defTabSz="914400" rtl="0" eaLnBrk="1" latinLnBrk="0" hangingPunct="1">
+              <a:defRPr sz="1800" kern="1200">
+                <a:solidFill>
+                  <a:schemeClr val="tx1"/>
+                </a:solidFill>
+                <a:latin typeface="+mn-lt"/>
+                <a:ea typeface="+mn-ea"/>
+                <a:cs typeface="+mn-cs"/>
+              </a:defRPr>
+            </a:lvl8pPr>
+            <a:lvl9pPr marL="3657600" algn="l" defTabSz="914400" rtl="0" eaLnBrk="1" latinLnBrk="0" hangingPunct="1">
+              <a:defRPr sz="1800" kern="1200">
+                <a:solidFill>
+                  <a:schemeClr val="tx1"/>
+                </a:solidFill>
+                <a:latin typeface="+mn-lt"/>
+                <a:ea typeface="+mn-ea"/>
+                <a:cs typeface="+mn-cs"/>
+              </a:defRPr>
+            </a:lvl9pPr>
+          </a:lstStyle>
+          <a:p>
+            <a:pPr marL="285750" indent="-285750">
+              <a:buFont typeface="Arial" panose="020B0604020202020204" pitchFamily="34" charset="0"/>
+              <a:buChar char="•"/>
+            </a:pPr>
+            <a:r>
+              <a:rPr lang="de-DE" sz="1600" dirty="0" err="1"/>
+              <a:t>Again</a:t>
+            </a:r>
+            <a:r>
+              <a:rPr lang="de-DE" sz="1600" dirty="0"/>
+              <a:t> </a:t>
+            </a:r>
+            <a:r>
+              <a:rPr lang="de-DE" sz="1600" dirty="0" err="1"/>
+              <a:t>architecture</a:t>
+            </a:r>
+            <a:r>
+              <a:rPr lang="de-DE" sz="1600" dirty="0"/>
+              <a:t> and </a:t>
+            </a:r>
+            <a:r>
+              <a:rPr lang="de-DE" sz="1600" dirty="0" err="1"/>
+              <a:t>focus</a:t>
+            </a:r>
+            <a:r>
+              <a:rPr lang="de-DE" sz="1600" dirty="0"/>
+              <a:t> on </a:t>
+            </a:r>
+            <a:r>
+              <a:rPr lang="de-DE" sz="1600" dirty="0" err="1"/>
+              <a:t>testing</a:t>
+            </a:r>
+            <a:endParaRPr lang="de-DE" sz="1600" dirty="0"/>
+          </a:p>
+          <a:p>
+            <a:pPr marL="285750" indent="-285750">
+              <a:buFont typeface="Arial" panose="020B0604020202020204" pitchFamily="34" charset="0"/>
+              <a:buChar char="•"/>
+            </a:pPr>
+            <a:r>
+              <a:rPr lang="de-DE" sz="1600" dirty="0"/>
+              <a:t>Nachteil viel mehr Komponenten, komplexeres -&gt; Automatisierung/</a:t>
+            </a:r>
+            <a:r>
+              <a:rPr lang="de-DE" sz="1600" dirty="0" err="1"/>
+              <a:t>Github</a:t>
+            </a:r>
+            <a:r>
+              <a:rPr lang="de-DE" sz="1600" dirty="0"/>
+              <a:t> Actions </a:t>
+            </a:r>
+          </a:p>
+          <a:p>
+            <a:pPr marL="285750" indent="-285750">
+              <a:buFont typeface="Arial" panose="020B0604020202020204" pitchFamily="34" charset="0"/>
+              <a:buChar char="•"/>
+            </a:pPr>
+            <a:r>
+              <a:rPr lang="de-DE" sz="1600" dirty="0"/>
+              <a:t>-&gt; </a:t>
+            </a:r>
+            <a:r>
+              <a:rPr lang="de-DE" sz="1600" dirty="0" err="1"/>
+              <a:t>Github</a:t>
+            </a:r>
+            <a:r>
+              <a:rPr lang="de-DE" sz="1600" dirty="0"/>
+              <a:t> </a:t>
+            </a:r>
+            <a:r>
+              <a:rPr lang="de-DE" sz="1600" dirty="0" err="1"/>
+              <a:t>actions</a:t>
+            </a:r>
+            <a:r>
+              <a:rPr lang="de-DE" sz="1600" dirty="0"/>
+              <a:t> </a:t>
+            </a:r>
+            <a:r>
+              <a:rPr lang="de-DE" sz="1600" dirty="0" err="1"/>
+              <a:t>example</a:t>
+            </a:r>
+            <a:endParaRPr lang="de-DE" sz="1600" dirty="0"/>
+          </a:p>
+          <a:p>
+            <a:pPr marL="285750" indent="-285750">
+              <a:buFont typeface="Arial" panose="020B0604020202020204" pitchFamily="34" charset="0"/>
+              <a:buChar char="•"/>
+            </a:pPr>
+            <a:r>
+              <a:rPr lang="de-DE" sz="1600" dirty="0" err="1"/>
+              <a:t>Testing</a:t>
+            </a:r>
+            <a:r>
+              <a:rPr lang="de-DE" sz="1600" dirty="0"/>
+              <a:t> </a:t>
+            </a:r>
+            <a:r>
+              <a:rPr lang="de-DE" sz="1600" dirty="0" err="1"/>
+              <a:t>pyramide</a:t>
+            </a:r>
+            <a:endParaRPr lang="de-DE" sz="1600" dirty="0"/>
+          </a:p>
+          <a:p>
+            <a:endParaRPr lang="de-DE" dirty="0"/>
+          </a:p>
+        </p:txBody>
+      </p:sp>
+      <p:sp>
+        <p:nvSpPr>
+          <p:cNvPr id="15" name="Textfeld 14">
+            <a:extLst>
+              <a:ext uri="{FF2B5EF4-FFF2-40B4-BE49-F238E27FC236}">
+                <a16:creationId xmlns:a16="http://schemas.microsoft.com/office/drawing/2014/main" id="{D19EC54F-12A9-7F99-BB27-335252FE8020}"/>
+              </a:ext>
+            </a:extLst>
+          </p:cNvPr>
+          <p:cNvSpPr txBox="1"/>
+          <p:nvPr/>
+        </p:nvSpPr>
+        <p:spPr>
+          <a:xfrm>
+            <a:off x="4583832" y="6003586"/>
+            <a:ext cx="1798265" cy="276999"/>
+          </a:xfrm>
+          <a:prstGeom prst="rect">
+            <a:avLst/>
+          </a:prstGeom>
+          <a:noFill/>
+        </p:spPr>
+        <p:txBody>
+          <a:bodyPr wrap="square">
+            <a:spAutoFit/>
+          </a:bodyPr>
+          <a:lstStyle/>
+          <a:p>
+            <a:r>
+              <a:rPr lang="de-DE" sz="1200" i="1" dirty="0" err="1"/>
+              <a:t>Inner</a:t>
+            </a:r>
+            <a:r>
+              <a:rPr lang="de-DE" sz="1200" i="1" dirty="0"/>
+              <a:t> </a:t>
+            </a:r>
+            <a:r>
+              <a:rPr lang="de-DE" sz="1200" i="1" dirty="0" err="1"/>
+              <a:t>german</a:t>
+            </a:r>
+            <a:r>
+              <a:rPr lang="de-DE" sz="1200" i="1" dirty="0"/>
+              <a:t> </a:t>
+            </a:r>
+            <a:r>
+              <a:rPr lang="de-DE" sz="1200" i="1" dirty="0" err="1"/>
+              <a:t>border</a:t>
+            </a:r>
+            <a:r>
+              <a:rPr lang="de-DE" sz="1200" i="1" dirty="0"/>
+              <a:t>  </a:t>
+            </a:r>
+            <a:r>
+              <a:rPr lang="de-DE" sz="1200" i="1" baseline="30000" dirty="0"/>
+              <a:t>[4]</a:t>
+            </a:r>
+          </a:p>
+        </p:txBody>
+      </p:sp>
+    </p:spTree>
+    <p:extLst>
+      <p:ext uri="{BB962C8B-B14F-4D97-AF65-F5344CB8AC3E}">
+        <p14:creationId xmlns:p14="http://schemas.microsoft.com/office/powerpoint/2010/main" val="1230181177"/>
+      </p:ext>
+    </p:extLst>
+  </p:cSld>
+  <p:clrMapOvr>
+    <a:masterClrMapping/>
+  </p:clrMapOvr>
+</p:sld>
+</file>
+
+<file path=ppt/slides/slide29.xml><?xml version="1.0" encoding="utf-8"?>
+<p:sld xmlns:a="http://schemas.openxmlformats.org/drawingml/2006/main" xmlns:r="http://schemas.openxmlformats.org/officeDocument/2006/relationships" xmlns:p="http://schemas.openxmlformats.org/presentationml/2006/main">
+  <p:cSld>
+    <p:spTree>
+      <p:nvGrpSpPr>
+        <p:cNvPr id="1" name=""/>
+        <p:cNvGrpSpPr/>
+        <p:nvPr/>
+      </p:nvGrpSpPr>
+      <p:grpSpPr>
+        <a:xfrm>
+          <a:off x="0" y="0"/>
+          <a:ext cx="0" cy="0"/>
+          <a:chOff x="0" y="0"/>
+          <a:chExt cx="0" cy="0"/>
+        </a:xfrm>
+      </p:grpSpPr>
+      <p:sp>
+        <p:nvSpPr>
+          <p:cNvPr id="3" name="Textplatzhalter 2">
+            <a:extLst>
+              <a:ext uri="{FF2B5EF4-FFF2-40B4-BE49-F238E27FC236}">
+                <a16:creationId xmlns:a16="http://schemas.microsoft.com/office/drawing/2014/main" id="{E53959BB-0FE9-4A8E-A0CA-2ED897403CB1}"/>
+              </a:ext>
+            </a:extLst>
+          </p:cNvPr>
+          <p:cNvSpPr>
+            <a:spLocks noGrp="1"/>
+          </p:cNvSpPr>
+          <p:nvPr>
+            <p:ph type="body" sz="quarter" idx="13"/>
+          </p:nvPr>
+        </p:nvSpPr>
+        <p:spPr/>
+        <p:txBody>
+          <a:bodyPr/>
+          <a:lstStyle/>
+          <a:p>
+            <a:r>
+              <a:rPr lang="de-DE" dirty="0" err="1"/>
+              <a:t>Github</a:t>
+            </a:r>
+            <a:r>
+              <a:rPr lang="de-DE" dirty="0"/>
+              <a:t> </a:t>
+            </a:r>
+            <a:r>
+              <a:rPr lang="de-DE" dirty="0" err="1"/>
+              <a:t>actions</a:t>
+            </a:r>
+            <a:r>
+              <a:rPr lang="de-DE" dirty="0"/>
+              <a:t> - </a:t>
+            </a:r>
+            <a:r>
+              <a:rPr lang="de-DE" dirty="0" err="1"/>
+              <a:t>examples</a:t>
+            </a:r>
+            <a:endParaRPr lang="de-DE" dirty="0"/>
+          </a:p>
+        </p:txBody>
+      </p:sp>
+      <p:sp>
+        <p:nvSpPr>
+          <p:cNvPr id="5" name="Textplatzhalter 4">
+            <a:extLst>
+              <a:ext uri="{FF2B5EF4-FFF2-40B4-BE49-F238E27FC236}">
+                <a16:creationId xmlns:a16="http://schemas.microsoft.com/office/drawing/2014/main" id="{5A3D76A7-DEFB-4C11-B5A5-CFE9919E6B74}"/>
+              </a:ext>
+            </a:extLst>
+          </p:cNvPr>
+          <p:cNvSpPr>
+            <a:spLocks noGrp="1"/>
+          </p:cNvSpPr>
+          <p:nvPr>
+            <p:ph type="body" sz="quarter" idx="14"/>
+          </p:nvPr>
+        </p:nvSpPr>
+        <p:spPr/>
+        <p:txBody>
+          <a:bodyPr/>
+          <a:lstStyle/>
+          <a:p>
+            <a:r>
+              <a:rPr lang="en-US" sz="2000" b="1" dirty="0">
+                <a:solidFill>
+                  <a:schemeClr val="accent3">
+                    <a:lumMod val="75000"/>
+                  </a:schemeClr>
+                </a:solidFill>
+              </a:rPr>
+              <a:t>Sustainable software development / chapter 1</a:t>
+            </a:r>
+          </a:p>
+        </p:txBody>
+      </p:sp>
+      <p:sp>
+        <p:nvSpPr>
+          <p:cNvPr id="8" name="Textfeld 8">
+            <a:extLst>
+              <a:ext uri="{FF2B5EF4-FFF2-40B4-BE49-F238E27FC236}">
+                <a16:creationId xmlns:a16="http://schemas.microsoft.com/office/drawing/2014/main" id="{D9E4E258-1090-7A70-DF51-176C4BD82FCB}"/>
+              </a:ext>
+            </a:extLst>
+          </p:cNvPr>
+          <p:cNvSpPr txBox="1"/>
+          <p:nvPr/>
+        </p:nvSpPr>
+        <p:spPr>
+          <a:xfrm>
+            <a:off x="2927648" y="2636912"/>
+            <a:ext cx="5957406" cy="1107996"/>
+          </a:xfrm>
+          <a:prstGeom prst="rect">
+            <a:avLst/>
+          </a:prstGeom>
+          <a:noFill/>
+        </p:spPr>
+        <p:txBody>
+          <a:bodyPr wrap="square" rtlCol="0">
+            <a:spAutoFit/>
+          </a:bodyPr>
+          <a:lstStyle>
+            <a:defPPr>
+              <a:defRPr lang="de-DE"/>
+            </a:defPPr>
+            <a:lvl1pPr marL="0" algn="l" defTabSz="914400" rtl="0" eaLnBrk="1" latinLnBrk="0" hangingPunct="1">
+              <a:defRPr sz="1800" kern="1200">
+                <a:solidFill>
+                  <a:schemeClr val="tx1"/>
+                </a:solidFill>
+                <a:latin typeface="+mn-lt"/>
+                <a:ea typeface="+mn-ea"/>
+                <a:cs typeface="+mn-cs"/>
+              </a:defRPr>
+            </a:lvl1pPr>
+            <a:lvl2pPr marL="457200" algn="l" defTabSz="914400" rtl="0" eaLnBrk="1" latinLnBrk="0" hangingPunct="1">
+              <a:defRPr sz="1800" kern="1200">
+                <a:solidFill>
+                  <a:schemeClr val="tx1"/>
+                </a:solidFill>
+                <a:latin typeface="+mn-lt"/>
+                <a:ea typeface="+mn-ea"/>
+                <a:cs typeface="+mn-cs"/>
+              </a:defRPr>
+            </a:lvl2pPr>
+            <a:lvl3pPr marL="914400" algn="l" defTabSz="914400" rtl="0" eaLnBrk="1" latinLnBrk="0" hangingPunct="1">
+              <a:defRPr sz="1800" kern="1200">
+                <a:solidFill>
+                  <a:schemeClr val="tx1"/>
+                </a:solidFill>
+                <a:latin typeface="+mn-lt"/>
+                <a:ea typeface="+mn-ea"/>
+                <a:cs typeface="+mn-cs"/>
+              </a:defRPr>
+            </a:lvl3pPr>
+            <a:lvl4pPr marL="1371600" algn="l" defTabSz="914400" rtl="0" eaLnBrk="1" latinLnBrk="0" hangingPunct="1">
+              <a:defRPr sz="1800" kern="1200">
+                <a:solidFill>
+                  <a:schemeClr val="tx1"/>
+                </a:solidFill>
+                <a:latin typeface="+mn-lt"/>
+                <a:ea typeface="+mn-ea"/>
+                <a:cs typeface="+mn-cs"/>
+              </a:defRPr>
+            </a:lvl4pPr>
+            <a:lvl5pPr marL="1828800" algn="l" defTabSz="914400" rtl="0" eaLnBrk="1" latinLnBrk="0" hangingPunct="1">
+              <a:defRPr sz="1800" kern="1200">
+                <a:solidFill>
+                  <a:schemeClr val="tx1"/>
+                </a:solidFill>
+                <a:latin typeface="+mn-lt"/>
+                <a:ea typeface="+mn-ea"/>
+                <a:cs typeface="+mn-cs"/>
+              </a:defRPr>
+            </a:lvl5pPr>
+            <a:lvl6pPr marL="2286000" algn="l" defTabSz="914400" rtl="0" eaLnBrk="1" latinLnBrk="0" hangingPunct="1">
+              <a:defRPr sz="1800" kern="1200">
+                <a:solidFill>
+                  <a:schemeClr val="tx1"/>
+                </a:solidFill>
+                <a:latin typeface="+mn-lt"/>
+                <a:ea typeface="+mn-ea"/>
+                <a:cs typeface="+mn-cs"/>
+              </a:defRPr>
+            </a:lvl6pPr>
+            <a:lvl7pPr marL="2743200" algn="l" defTabSz="914400" rtl="0" eaLnBrk="1" latinLnBrk="0" hangingPunct="1">
+              <a:defRPr sz="1800" kern="1200">
+                <a:solidFill>
+                  <a:schemeClr val="tx1"/>
+                </a:solidFill>
+                <a:latin typeface="+mn-lt"/>
+                <a:ea typeface="+mn-ea"/>
+                <a:cs typeface="+mn-cs"/>
+              </a:defRPr>
+            </a:lvl7pPr>
+            <a:lvl8pPr marL="3200400" algn="l" defTabSz="914400" rtl="0" eaLnBrk="1" latinLnBrk="0" hangingPunct="1">
+              <a:defRPr sz="1800" kern="1200">
+                <a:solidFill>
+                  <a:schemeClr val="tx1"/>
+                </a:solidFill>
+                <a:latin typeface="+mn-lt"/>
+                <a:ea typeface="+mn-ea"/>
+                <a:cs typeface="+mn-cs"/>
+              </a:defRPr>
+            </a:lvl8pPr>
+            <a:lvl9pPr marL="3657600" algn="l" defTabSz="914400" rtl="0" eaLnBrk="1" latinLnBrk="0" hangingPunct="1">
+              <a:defRPr sz="1800" kern="1200">
+                <a:solidFill>
+                  <a:schemeClr val="tx1"/>
+                </a:solidFill>
+                <a:latin typeface="+mn-lt"/>
+                <a:ea typeface="+mn-ea"/>
+                <a:cs typeface="+mn-cs"/>
+              </a:defRPr>
+            </a:lvl9pPr>
+          </a:lstStyle>
+          <a:p>
+            <a:pPr marL="285750" indent="-285750">
+              <a:buFont typeface="Arial" panose="020B0604020202020204" pitchFamily="34" charset="0"/>
+              <a:buChar char="•"/>
+            </a:pPr>
+            <a:r>
+              <a:rPr lang="de-DE" sz="1600" dirty="0"/>
+              <a:t>Caching in </a:t>
+            </a:r>
+            <a:r>
+              <a:rPr lang="de-DE" sz="1600" dirty="0" err="1"/>
+              <a:t>githubactions</a:t>
+            </a:r>
+            <a:endParaRPr lang="de-DE" sz="1600" dirty="0"/>
+          </a:p>
+          <a:p>
+            <a:pPr marL="285750" indent="-285750">
+              <a:buFont typeface="Arial" panose="020B0604020202020204" pitchFamily="34" charset="0"/>
+              <a:buChar char="•"/>
+            </a:pPr>
+            <a:r>
+              <a:rPr lang="de-DE" sz="1600" dirty="0" err="1"/>
+              <a:t>Using</a:t>
+            </a:r>
+            <a:r>
+              <a:rPr lang="de-DE" sz="1600" dirty="0"/>
+              <a:t> </a:t>
+            </a:r>
+            <a:r>
+              <a:rPr lang="de-DE" sz="1600" dirty="0" err="1"/>
+              <a:t>of</a:t>
+            </a:r>
+            <a:r>
+              <a:rPr lang="de-DE" sz="1600" dirty="0"/>
+              <a:t> </a:t>
+            </a:r>
+            <a:r>
+              <a:rPr lang="de-DE" sz="1600" dirty="0" err="1"/>
+              <a:t>docker</a:t>
+            </a:r>
+            <a:r>
+              <a:rPr lang="de-DE" sz="1600" dirty="0"/>
+              <a:t> in </a:t>
+            </a:r>
+            <a:r>
+              <a:rPr lang="de-DE" sz="1600" dirty="0" err="1"/>
+              <a:t>github</a:t>
+            </a:r>
+            <a:r>
+              <a:rPr lang="de-DE" sz="1600" dirty="0"/>
+              <a:t> </a:t>
+            </a:r>
+            <a:r>
+              <a:rPr lang="de-DE" sz="1600" dirty="0" err="1"/>
+              <a:t>actions</a:t>
+            </a:r>
+            <a:endParaRPr lang="de-DE" sz="1600" dirty="0"/>
+          </a:p>
+          <a:p>
+            <a:pPr marL="285750" indent="-285750">
+              <a:buFont typeface="Arial" panose="020B0604020202020204" pitchFamily="34" charset="0"/>
+              <a:buChar char="•"/>
+            </a:pPr>
+            <a:r>
+              <a:rPr lang="de-DE" sz="1600" dirty="0" err="1"/>
+              <a:t>Excustion</a:t>
+            </a:r>
+            <a:r>
+              <a:rPr lang="de-DE" sz="1600" dirty="0"/>
+              <a:t>: </a:t>
+            </a:r>
+            <a:r>
+              <a:rPr lang="de-DE" sz="1600" dirty="0" err="1"/>
+              <a:t>using</a:t>
+            </a:r>
+            <a:r>
+              <a:rPr lang="de-DE" sz="1600" dirty="0"/>
+              <a:t> GPUs in </a:t>
+            </a:r>
+            <a:r>
+              <a:rPr lang="de-DE" sz="1600" dirty="0" err="1"/>
+              <a:t>docker</a:t>
+            </a:r>
+            <a:r>
+              <a:rPr lang="de-DE" sz="1600" dirty="0"/>
+              <a:t> </a:t>
+            </a:r>
+            <a:r>
+              <a:rPr lang="de-DE" sz="1600" dirty="0" err="1"/>
+              <a:t>containers</a:t>
+            </a:r>
+            <a:endParaRPr lang="de-DE" sz="1600" dirty="0"/>
+          </a:p>
+          <a:p>
+            <a:endParaRPr lang="de-DE" dirty="0"/>
+          </a:p>
+        </p:txBody>
+      </p:sp>
+      <p:sp>
+        <p:nvSpPr>
+          <p:cNvPr id="15" name="Textfeld 14">
+            <a:extLst>
+              <a:ext uri="{FF2B5EF4-FFF2-40B4-BE49-F238E27FC236}">
+                <a16:creationId xmlns:a16="http://schemas.microsoft.com/office/drawing/2014/main" id="{D19EC54F-12A9-7F99-BB27-335252FE8020}"/>
+              </a:ext>
+            </a:extLst>
+          </p:cNvPr>
+          <p:cNvSpPr txBox="1"/>
+          <p:nvPr/>
+        </p:nvSpPr>
+        <p:spPr>
+          <a:xfrm>
+            <a:off x="4583832" y="6003586"/>
+            <a:ext cx="1798265" cy="276999"/>
+          </a:xfrm>
+          <a:prstGeom prst="rect">
+            <a:avLst/>
+          </a:prstGeom>
+          <a:noFill/>
+        </p:spPr>
+        <p:txBody>
+          <a:bodyPr wrap="square">
+            <a:spAutoFit/>
+          </a:bodyPr>
+          <a:lstStyle/>
+          <a:p>
+            <a:r>
+              <a:rPr lang="de-DE" sz="1200" i="1" dirty="0" err="1"/>
+              <a:t>Inner</a:t>
+            </a:r>
+            <a:r>
+              <a:rPr lang="de-DE" sz="1200" i="1" dirty="0"/>
+              <a:t> </a:t>
+            </a:r>
+            <a:r>
+              <a:rPr lang="de-DE" sz="1200" i="1" dirty="0" err="1"/>
+              <a:t>german</a:t>
+            </a:r>
+            <a:r>
+              <a:rPr lang="de-DE" sz="1200" i="1" dirty="0"/>
+              <a:t> </a:t>
+            </a:r>
+            <a:r>
+              <a:rPr lang="de-DE" sz="1200" i="1" dirty="0" err="1"/>
+              <a:t>border</a:t>
+            </a:r>
+            <a:r>
+              <a:rPr lang="de-DE" sz="1200" i="1" dirty="0"/>
+              <a:t>  </a:t>
+            </a:r>
+            <a:r>
+              <a:rPr lang="de-DE" sz="1200" i="1" baseline="30000" dirty="0"/>
+              <a:t>[4]</a:t>
+            </a:r>
+          </a:p>
+        </p:txBody>
+      </p:sp>
+    </p:spTree>
+    <p:extLst>
+      <p:ext uri="{BB962C8B-B14F-4D97-AF65-F5344CB8AC3E}">
+        <p14:creationId xmlns:p14="http://schemas.microsoft.com/office/powerpoint/2010/main" val="2620527138"/>
       </p:ext>
     </p:extLst>
   </p:cSld>
@@ -13568,6 +16926,617 @@
     <p:extLst>
       <p:ext uri="{BB962C8B-B14F-4D97-AF65-F5344CB8AC3E}">
         <p14:creationId xmlns:p14="http://schemas.microsoft.com/office/powerpoint/2010/main" val="1480705736"/>
+      </p:ext>
+    </p:extLst>
+  </p:cSld>
+  <p:clrMapOvr>
+    <a:masterClrMapping/>
+  </p:clrMapOvr>
+</p:sld>
+</file>
+
+<file path=ppt/slides/slide30.xml><?xml version="1.0" encoding="utf-8"?>
+<p:sld xmlns:a="http://schemas.openxmlformats.org/drawingml/2006/main" xmlns:r="http://schemas.openxmlformats.org/officeDocument/2006/relationships" xmlns:p="http://schemas.openxmlformats.org/presentationml/2006/main">
+  <p:cSld>
+    <p:spTree>
+      <p:nvGrpSpPr>
+        <p:cNvPr id="1" name=""/>
+        <p:cNvGrpSpPr/>
+        <p:nvPr/>
+      </p:nvGrpSpPr>
+      <p:grpSpPr>
+        <a:xfrm>
+          <a:off x="0" y="0"/>
+          <a:ext cx="0" cy="0"/>
+          <a:chOff x="0" y="0"/>
+          <a:chExt cx="0" cy="0"/>
+        </a:xfrm>
+      </p:grpSpPr>
+      <p:sp>
+        <p:nvSpPr>
+          <p:cNvPr id="3" name="Textplatzhalter 2">
+            <a:extLst>
+              <a:ext uri="{FF2B5EF4-FFF2-40B4-BE49-F238E27FC236}">
+                <a16:creationId xmlns:a16="http://schemas.microsoft.com/office/drawing/2014/main" id="{E53959BB-0FE9-4A8E-A0CA-2ED897403CB1}"/>
+              </a:ext>
+            </a:extLst>
+          </p:cNvPr>
+          <p:cNvSpPr>
+            <a:spLocks noGrp="1"/>
+          </p:cNvSpPr>
+          <p:nvPr>
+            <p:ph type="body" sz="quarter" idx="13"/>
+          </p:nvPr>
+        </p:nvSpPr>
+        <p:spPr/>
+        <p:txBody>
+          <a:bodyPr/>
+          <a:lstStyle/>
+          <a:p>
+            <a:r>
+              <a:rPr lang="de-DE" sz="2400" b="1" dirty="0"/>
+              <a:t>Docker </a:t>
+            </a:r>
+            <a:r>
+              <a:rPr lang="de-DE" sz="2400" b="1" dirty="0" err="1"/>
+              <a:t>compose</a:t>
+            </a:r>
+            <a:r>
+              <a:rPr lang="de-DE" sz="2400" b="1" dirty="0"/>
+              <a:t> &amp; </a:t>
+            </a:r>
+            <a:r>
+              <a:rPr lang="de-DE" sz="2400" b="1" dirty="0" err="1"/>
+              <a:t>kubernetes</a:t>
+            </a:r>
+            <a:endParaRPr lang="de-DE" sz="2400" b="1" dirty="0"/>
+          </a:p>
+          <a:p>
+            <a:endParaRPr lang="de-DE" dirty="0"/>
+          </a:p>
+        </p:txBody>
+      </p:sp>
+      <p:sp>
+        <p:nvSpPr>
+          <p:cNvPr id="5" name="Textplatzhalter 4">
+            <a:extLst>
+              <a:ext uri="{FF2B5EF4-FFF2-40B4-BE49-F238E27FC236}">
+                <a16:creationId xmlns:a16="http://schemas.microsoft.com/office/drawing/2014/main" id="{5A3D76A7-DEFB-4C11-B5A5-CFE9919E6B74}"/>
+              </a:ext>
+            </a:extLst>
+          </p:cNvPr>
+          <p:cNvSpPr>
+            <a:spLocks noGrp="1"/>
+          </p:cNvSpPr>
+          <p:nvPr>
+            <p:ph type="body" sz="quarter" idx="14"/>
+          </p:nvPr>
+        </p:nvSpPr>
+        <p:spPr/>
+        <p:txBody>
+          <a:bodyPr/>
+          <a:lstStyle/>
+          <a:p>
+            <a:r>
+              <a:rPr lang="en-US" sz="2000" b="1" dirty="0">
+                <a:solidFill>
+                  <a:schemeClr val="accent3">
+                    <a:lumMod val="75000"/>
+                  </a:schemeClr>
+                </a:solidFill>
+              </a:rPr>
+              <a:t>Sustainable software development / chapter 1</a:t>
+            </a:r>
+          </a:p>
+        </p:txBody>
+      </p:sp>
+      <p:sp>
+        <p:nvSpPr>
+          <p:cNvPr id="8" name="Textfeld 8">
+            <a:extLst>
+              <a:ext uri="{FF2B5EF4-FFF2-40B4-BE49-F238E27FC236}">
+                <a16:creationId xmlns:a16="http://schemas.microsoft.com/office/drawing/2014/main" id="{D9E4E258-1090-7A70-DF51-176C4BD82FCB}"/>
+              </a:ext>
+            </a:extLst>
+          </p:cNvPr>
+          <p:cNvSpPr txBox="1"/>
+          <p:nvPr/>
+        </p:nvSpPr>
+        <p:spPr>
+          <a:xfrm>
+            <a:off x="2927648" y="2636912"/>
+            <a:ext cx="5957406" cy="615553"/>
+          </a:xfrm>
+          <a:prstGeom prst="rect">
+            <a:avLst/>
+          </a:prstGeom>
+          <a:noFill/>
+        </p:spPr>
+        <p:txBody>
+          <a:bodyPr wrap="square" rtlCol="0">
+            <a:spAutoFit/>
+          </a:bodyPr>
+          <a:lstStyle>
+            <a:defPPr>
+              <a:defRPr lang="de-DE"/>
+            </a:defPPr>
+            <a:lvl1pPr marL="0" algn="l" defTabSz="914400" rtl="0" eaLnBrk="1" latinLnBrk="0" hangingPunct="1">
+              <a:defRPr sz="1800" kern="1200">
+                <a:solidFill>
+                  <a:schemeClr val="tx1"/>
+                </a:solidFill>
+                <a:latin typeface="+mn-lt"/>
+                <a:ea typeface="+mn-ea"/>
+                <a:cs typeface="+mn-cs"/>
+              </a:defRPr>
+            </a:lvl1pPr>
+            <a:lvl2pPr marL="457200" algn="l" defTabSz="914400" rtl="0" eaLnBrk="1" latinLnBrk="0" hangingPunct="1">
+              <a:defRPr sz="1800" kern="1200">
+                <a:solidFill>
+                  <a:schemeClr val="tx1"/>
+                </a:solidFill>
+                <a:latin typeface="+mn-lt"/>
+                <a:ea typeface="+mn-ea"/>
+                <a:cs typeface="+mn-cs"/>
+              </a:defRPr>
+            </a:lvl2pPr>
+            <a:lvl3pPr marL="914400" algn="l" defTabSz="914400" rtl="0" eaLnBrk="1" latinLnBrk="0" hangingPunct="1">
+              <a:defRPr sz="1800" kern="1200">
+                <a:solidFill>
+                  <a:schemeClr val="tx1"/>
+                </a:solidFill>
+                <a:latin typeface="+mn-lt"/>
+                <a:ea typeface="+mn-ea"/>
+                <a:cs typeface="+mn-cs"/>
+              </a:defRPr>
+            </a:lvl3pPr>
+            <a:lvl4pPr marL="1371600" algn="l" defTabSz="914400" rtl="0" eaLnBrk="1" latinLnBrk="0" hangingPunct="1">
+              <a:defRPr sz="1800" kern="1200">
+                <a:solidFill>
+                  <a:schemeClr val="tx1"/>
+                </a:solidFill>
+                <a:latin typeface="+mn-lt"/>
+                <a:ea typeface="+mn-ea"/>
+                <a:cs typeface="+mn-cs"/>
+              </a:defRPr>
+            </a:lvl4pPr>
+            <a:lvl5pPr marL="1828800" algn="l" defTabSz="914400" rtl="0" eaLnBrk="1" latinLnBrk="0" hangingPunct="1">
+              <a:defRPr sz="1800" kern="1200">
+                <a:solidFill>
+                  <a:schemeClr val="tx1"/>
+                </a:solidFill>
+                <a:latin typeface="+mn-lt"/>
+                <a:ea typeface="+mn-ea"/>
+                <a:cs typeface="+mn-cs"/>
+              </a:defRPr>
+            </a:lvl5pPr>
+            <a:lvl6pPr marL="2286000" algn="l" defTabSz="914400" rtl="0" eaLnBrk="1" latinLnBrk="0" hangingPunct="1">
+              <a:defRPr sz="1800" kern="1200">
+                <a:solidFill>
+                  <a:schemeClr val="tx1"/>
+                </a:solidFill>
+                <a:latin typeface="+mn-lt"/>
+                <a:ea typeface="+mn-ea"/>
+                <a:cs typeface="+mn-cs"/>
+              </a:defRPr>
+            </a:lvl6pPr>
+            <a:lvl7pPr marL="2743200" algn="l" defTabSz="914400" rtl="0" eaLnBrk="1" latinLnBrk="0" hangingPunct="1">
+              <a:defRPr sz="1800" kern="1200">
+                <a:solidFill>
+                  <a:schemeClr val="tx1"/>
+                </a:solidFill>
+                <a:latin typeface="+mn-lt"/>
+                <a:ea typeface="+mn-ea"/>
+                <a:cs typeface="+mn-cs"/>
+              </a:defRPr>
+            </a:lvl7pPr>
+            <a:lvl8pPr marL="3200400" algn="l" defTabSz="914400" rtl="0" eaLnBrk="1" latinLnBrk="0" hangingPunct="1">
+              <a:defRPr sz="1800" kern="1200">
+                <a:solidFill>
+                  <a:schemeClr val="tx1"/>
+                </a:solidFill>
+                <a:latin typeface="+mn-lt"/>
+                <a:ea typeface="+mn-ea"/>
+                <a:cs typeface="+mn-cs"/>
+              </a:defRPr>
+            </a:lvl8pPr>
+            <a:lvl9pPr marL="3657600" algn="l" defTabSz="914400" rtl="0" eaLnBrk="1" latinLnBrk="0" hangingPunct="1">
+              <a:defRPr sz="1800" kern="1200">
+                <a:solidFill>
+                  <a:schemeClr val="tx1"/>
+                </a:solidFill>
+                <a:latin typeface="+mn-lt"/>
+                <a:ea typeface="+mn-ea"/>
+                <a:cs typeface="+mn-cs"/>
+              </a:defRPr>
+            </a:lvl9pPr>
+          </a:lstStyle>
+          <a:p>
+            <a:pPr marL="285750" indent="-285750">
+              <a:buFont typeface="Arial" panose="020B0604020202020204" pitchFamily="34" charset="0"/>
+              <a:buChar char="•"/>
+            </a:pPr>
+            <a:r>
+              <a:rPr lang="de-DE" sz="1600" dirty="0"/>
+              <a:t>Docker </a:t>
+            </a:r>
+            <a:r>
+              <a:rPr lang="de-DE" sz="1600" dirty="0" err="1"/>
+              <a:t>compose</a:t>
+            </a:r>
+            <a:r>
+              <a:rPr lang="de-DE" sz="1600" dirty="0"/>
+              <a:t> and </a:t>
+            </a:r>
+            <a:r>
+              <a:rPr lang="de-DE" sz="1600" dirty="0" err="1"/>
+              <a:t>kubernetes</a:t>
+            </a:r>
+            <a:endParaRPr lang="de-DE" sz="1600" dirty="0"/>
+          </a:p>
+          <a:p>
+            <a:endParaRPr lang="de-DE" dirty="0"/>
+          </a:p>
+        </p:txBody>
+      </p:sp>
+      <p:sp>
+        <p:nvSpPr>
+          <p:cNvPr id="15" name="Textfeld 14">
+            <a:extLst>
+              <a:ext uri="{FF2B5EF4-FFF2-40B4-BE49-F238E27FC236}">
+                <a16:creationId xmlns:a16="http://schemas.microsoft.com/office/drawing/2014/main" id="{D19EC54F-12A9-7F99-BB27-335252FE8020}"/>
+              </a:ext>
+            </a:extLst>
+          </p:cNvPr>
+          <p:cNvSpPr txBox="1"/>
+          <p:nvPr/>
+        </p:nvSpPr>
+        <p:spPr>
+          <a:xfrm>
+            <a:off x="4583832" y="6003586"/>
+            <a:ext cx="1798265" cy="276999"/>
+          </a:xfrm>
+          <a:prstGeom prst="rect">
+            <a:avLst/>
+          </a:prstGeom>
+          <a:noFill/>
+        </p:spPr>
+        <p:txBody>
+          <a:bodyPr wrap="square">
+            <a:spAutoFit/>
+          </a:bodyPr>
+          <a:lstStyle/>
+          <a:p>
+            <a:r>
+              <a:rPr lang="de-DE" sz="1200" i="1" dirty="0" err="1"/>
+              <a:t>Inner</a:t>
+            </a:r>
+            <a:r>
+              <a:rPr lang="de-DE" sz="1200" i="1" dirty="0"/>
+              <a:t> </a:t>
+            </a:r>
+            <a:r>
+              <a:rPr lang="de-DE" sz="1200" i="1" dirty="0" err="1"/>
+              <a:t>german</a:t>
+            </a:r>
+            <a:r>
+              <a:rPr lang="de-DE" sz="1200" i="1" dirty="0"/>
+              <a:t> </a:t>
+            </a:r>
+            <a:r>
+              <a:rPr lang="de-DE" sz="1200" i="1" dirty="0" err="1"/>
+              <a:t>border</a:t>
+            </a:r>
+            <a:r>
+              <a:rPr lang="de-DE" sz="1200" i="1" dirty="0"/>
+              <a:t>  </a:t>
+            </a:r>
+            <a:r>
+              <a:rPr lang="de-DE" sz="1200" i="1" baseline="30000" dirty="0"/>
+              <a:t>[4]</a:t>
+            </a:r>
+          </a:p>
+        </p:txBody>
+      </p:sp>
+    </p:spTree>
+    <p:extLst>
+      <p:ext uri="{BB962C8B-B14F-4D97-AF65-F5344CB8AC3E}">
+        <p14:creationId xmlns:p14="http://schemas.microsoft.com/office/powerpoint/2010/main" val="2329085792"/>
+      </p:ext>
+    </p:extLst>
+  </p:cSld>
+  <p:clrMapOvr>
+    <a:masterClrMapping/>
+  </p:clrMapOvr>
+</p:sld>
+</file>
+
+<file path=ppt/slides/slide31.xml><?xml version="1.0" encoding="utf-8"?>
+<p:sld xmlns:a="http://schemas.openxmlformats.org/drawingml/2006/main" xmlns:r="http://schemas.openxmlformats.org/officeDocument/2006/relationships" xmlns:p="http://schemas.openxmlformats.org/presentationml/2006/main">
+  <p:cSld>
+    <p:spTree>
+      <p:nvGrpSpPr>
+        <p:cNvPr id="1" name=""/>
+        <p:cNvGrpSpPr/>
+        <p:nvPr/>
+      </p:nvGrpSpPr>
+      <p:grpSpPr>
+        <a:xfrm>
+          <a:off x="0" y="0"/>
+          <a:ext cx="0" cy="0"/>
+          <a:chOff x="0" y="0"/>
+          <a:chExt cx="0" cy="0"/>
+        </a:xfrm>
+      </p:grpSpPr>
+      <p:sp>
+        <p:nvSpPr>
+          <p:cNvPr id="3" name="Textplatzhalter 2">
+            <a:extLst>
+              <a:ext uri="{FF2B5EF4-FFF2-40B4-BE49-F238E27FC236}">
+                <a16:creationId xmlns:a16="http://schemas.microsoft.com/office/drawing/2014/main" id="{E53959BB-0FE9-4A8E-A0CA-2ED897403CB1}"/>
+              </a:ext>
+            </a:extLst>
+          </p:cNvPr>
+          <p:cNvSpPr>
+            <a:spLocks noGrp="1"/>
+          </p:cNvSpPr>
+          <p:nvPr>
+            <p:ph type="body" sz="quarter" idx="13"/>
+          </p:nvPr>
+        </p:nvSpPr>
+        <p:spPr/>
+        <p:txBody>
+          <a:bodyPr/>
+          <a:lstStyle/>
+          <a:p>
+            <a:r>
+              <a:rPr lang="en-US" sz="2400" b="1" dirty="0"/>
+              <a:t>Short introduction </a:t>
+            </a:r>
+            <a:endParaRPr lang="de-DE" sz="2400" b="1" dirty="0"/>
+          </a:p>
+          <a:p>
+            <a:endParaRPr lang="de-DE" dirty="0"/>
+          </a:p>
+        </p:txBody>
+      </p:sp>
+      <p:sp>
+        <p:nvSpPr>
+          <p:cNvPr id="5" name="Textplatzhalter 4">
+            <a:extLst>
+              <a:ext uri="{FF2B5EF4-FFF2-40B4-BE49-F238E27FC236}">
+                <a16:creationId xmlns:a16="http://schemas.microsoft.com/office/drawing/2014/main" id="{5A3D76A7-DEFB-4C11-B5A5-CFE9919E6B74}"/>
+              </a:ext>
+            </a:extLst>
+          </p:cNvPr>
+          <p:cNvSpPr>
+            <a:spLocks noGrp="1"/>
+          </p:cNvSpPr>
+          <p:nvPr>
+            <p:ph type="body" sz="quarter" idx="14"/>
+          </p:nvPr>
+        </p:nvSpPr>
+        <p:spPr/>
+        <p:txBody>
+          <a:bodyPr/>
+          <a:lstStyle/>
+          <a:p>
+            <a:r>
+              <a:rPr lang="en-US" sz="2000" b="1" dirty="0">
+                <a:solidFill>
+                  <a:schemeClr val="accent3">
+                    <a:lumMod val="75000"/>
+                  </a:schemeClr>
+                </a:solidFill>
+              </a:rPr>
+              <a:t>Sustainable software development / chapter 1</a:t>
+            </a:r>
+          </a:p>
+          <a:p>
+            <a:endParaRPr lang="de-DE" dirty="0"/>
+          </a:p>
+        </p:txBody>
+      </p:sp>
+      <p:sp>
+        <p:nvSpPr>
+          <p:cNvPr id="8" name="Textfeld 8">
+            <a:extLst>
+              <a:ext uri="{FF2B5EF4-FFF2-40B4-BE49-F238E27FC236}">
+                <a16:creationId xmlns:a16="http://schemas.microsoft.com/office/drawing/2014/main" id="{D9E4E258-1090-7A70-DF51-176C4BD82FCB}"/>
+              </a:ext>
+            </a:extLst>
+          </p:cNvPr>
+          <p:cNvSpPr txBox="1"/>
+          <p:nvPr/>
+        </p:nvSpPr>
+        <p:spPr>
+          <a:xfrm>
+            <a:off x="2927648" y="2636912"/>
+            <a:ext cx="5957406" cy="615553"/>
+          </a:xfrm>
+          <a:prstGeom prst="rect">
+            <a:avLst/>
+          </a:prstGeom>
+          <a:noFill/>
+        </p:spPr>
+        <p:txBody>
+          <a:bodyPr wrap="square" rtlCol="0">
+            <a:spAutoFit/>
+          </a:bodyPr>
+          <a:lstStyle>
+            <a:defPPr>
+              <a:defRPr lang="de-DE"/>
+            </a:defPPr>
+            <a:lvl1pPr marL="0" algn="l" defTabSz="914400" rtl="0" eaLnBrk="1" latinLnBrk="0" hangingPunct="1">
+              <a:defRPr sz="1800" kern="1200">
+                <a:solidFill>
+                  <a:schemeClr val="tx1"/>
+                </a:solidFill>
+                <a:latin typeface="+mn-lt"/>
+                <a:ea typeface="+mn-ea"/>
+                <a:cs typeface="+mn-cs"/>
+              </a:defRPr>
+            </a:lvl1pPr>
+            <a:lvl2pPr marL="457200" algn="l" defTabSz="914400" rtl="0" eaLnBrk="1" latinLnBrk="0" hangingPunct="1">
+              <a:defRPr sz="1800" kern="1200">
+                <a:solidFill>
+                  <a:schemeClr val="tx1"/>
+                </a:solidFill>
+                <a:latin typeface="+mn-lt"/>
+                <a:ea typeface="+mn-ea"/>
+                <a:cs typeface="+mn-cs"/>
+              </a:defRPr>
+            </a:lvl2pPr>
+            <a:lvl3pPr marL="914400" algn="l" defTabSz="914400" rtl="0" eaLnBrk="1" latinLnBrk="0" hangingPunct="1">
+              <a:defRPr sz="1800" kern="1200">
+                <a:solidFill>
+                  <a:schemeClr val="tx1"/>
+                </a:solidFill>
+                <a:latin typeface="+mn-lt"/>
+                <a:ea typeface="+mn-ea"/>
+                <a:cs typeface="+mn-cs"/>
+              </a:defRPr>
+            </a:lvl3pPr>
+            <a:lvl4pPr marL="1371600" algn="l" defTabSz="914400" rtl="0" eaLnBrk="1" latinLnBrk="0" hangingPunct="1">
+              <a:defRPr sz="1800" kern="1200">
+                <a:solidFill>
+                  <a:schemeClr val="tx1"/>
+                </a:solidFill>
+                <a:latin typeface="+mn-lt"/>
+                <a:ea typeface="+mn-ea"/>
+                <a:cs typeface="+mn-cs"/>
+              </a:defRPr>
+            </a:lvl4pPr>
+            <a:lvl5pPr marL="1828800" algn="l" defTabSz="914400" rtl="0" eaLnBrk="1" latinLnBrk="0" hangingPunct="1">
+              <a:defRPr sz="1800" kern="1200">
+                <a:solidFill>
+                  <a:schemeClr val="tx1"/>
+                </a:solidFill>
+                <a:latin typeface="+mn-lt"/>
+                <a:ea typeface="+mn-ea"/>
+                <a:cs typeface="+mn-cs"/>
+              </a:defRPr>
+            </a:lvl5pPr>
+            <a:lvl6pPr marL="2286000" algn="l" defTabSz="914400" rtl="0" eaLnBrk="1" latinLnBrk="0" hangingPunct="1">
+              <a:defRPr sz="1800" kern="1200">
+                <a:solidFill>
+                  <a:schemeClr val="tx1"/>
+                </a:solidFill>
+                <a:latin typeface="+mn-lt"/>
+                <a:ea typeface="+mn-ea"/>
+                <a:cs typeface="+mn-cs"/>
+              </a:defRPr>
+            </a:lvl6pPr>
+            <a:lvl7pPr marL="2743200" algn="l" defTabSz="914400" rtl="0" eaLnBrk="1" latinLnBrk="0" hangingPunct="1">
+              <a:defRPr sz="1800" kern="1200">
+                <a:solidFill>
+                  <a:schemeClr val="tx1"/>
+                </a:solidFill>
+                <a:latin typeface="+mn-lt"/>
+                <a:ea typeface="+mn-ea"/>
+                <a:cs typeface="+mn-cs"/>
+              </a:defRPr>
+            </a:lvl7pPr>
+            <a:lvl8pPr marL="3200400" algn="l" defTabSz="914400" rtl="0" eaLnBrk="1" latinLnBrk="0" hangingPunct="1">
+              <a:defRPr sz="1800" kern="1200">
+                <a:solidFill>
+                  <a:schemeClr val="tx1"/>
+                </a:solidFill>
+                <a:latin typeface="+mn-lt"/>
+                <a:ea typeface="+mn-ea"/>
+                <a:cs typeface="+mn-cs"/>
+              </a:defRPr>
+            </a:lvl8pPr>
+            <a:lvl9pPr marL="3657600" algn="l" defTabSz="914400" rtl="0" eaLnBrk="1" latinLnBrk="0" hangingPunct="1">
+              <a:defRPr sz="1800" kern="1200">
+                <a:solidFill>
+                  <a:schemeClr val="tx1"/>
+                </a:solidFill>
+                <a:latin typeface="+mn-lt"/>
+                <a:ea typeface="+mn-ea"/>
+                <a:cs typeface="+mn-cs"/>
+              </a:defRPr>
+            </a:lvl9pPr>
+          </a:lstStyle>
+          <a:p>
+            <a:pPr marL="285750" indent="-285750">
+              <a:buFont typeface="Arial" panose="020B0604020202020204" pitchFamily="34" charset="0"/>
+              <a:buChar char="•"/>
+            </a:pPr>
+            <a:r>
+              <a:rPr lang="de-DE" sz="1600" dirty="0" err="1"/>
+              <a:t>Thanks</a:t>
+            </a:r>
+            <a:endParaRPr lang="de-DE" sz="1600" dirty="0"/>
+          </a:p>
+          <a:p>
+            <a:endParaRPr lang="de-DE" dirty="0"/>
+          </a:p>
+        </p:txBody>
+      </p:sp>
+      <p:sp>
+        <p:nvSpPr>
+          <p:cNvPr id="15" name="Textfeld 14">
+            <a:extLst>
+              <a:ext uri="{FF2B5EF4-FFF2-40B4-BE49-F238E27FC236}">
+                <a16:creationId xmlns:a16="http://schemas.microsoft.com/office/drawing/2014/main" id="{D19EC54F-12A9-7F99-BB27-335252FE8020}"/>
+              </a:ext>
+            </a:extLst>
+          </p:cNvPr>
+          <p:cNvSpPr txBox="1"/>
+          <p:nvPr/>
+        </p:nvSpPr>
+        <p:spPr>
+          <a:xfrm>
+            <a:off x="4583832" y="6003586"/>
+            <a:ext cx="1798265" cy="276999"/>
+          </a:xfrm>
+          <a:prstGeom prst="rect">
+            <a:avLst/>
+          </a:prstGeom>
+          <a:noFill/>
+        </p:spPr>
+        <p:txBody>
+          <a:bodyPr wrap="square">
+            <a:spAutoFit/>
+          </a:bodyPr>
+          <a:lstStyle/>
+          <a:p>
+            <a:r>
+              <a:rPr lang="de-DE" sz="1200" i="1" dirty="0" err="1"/>
+              <a:t>Inner</a:t>
+            </a:r>
+            <a:r>
+              <a:rPr lang="de-DE" sz="1200" i="1" dirty="0"/>
+              <a:t> </a:t>
+            </a:r>
+            <a:r>
+              <a:rPr lang="de-DE" sz="1200" i="1" dirty="0" err="1"/>
+              <a:t>german</a:t>
+            </a:r>
+            <a:r>
+              <a:rPr lang="de-DE" sz="1200" i="1" dirty="0"/>
+              <a:t> </a:t>
+            </a:r>
+            <a:r>
+              <a:rPr lang="de-DE" sz="1200" i="1" dirty="0" err="1"/>
+              <a:t>border</a:t>
+            </a:r>
+            <a:r>
+              <a:rPr lang="de-DE" sz="1200" i="1" dirty="0"/>
+              <a:t>  </a:t>
+            </a:r>
+            <a:r>
+              <a:rPr lang="de-DE" sz="1200" i="1" baseline="30000" dirty="0"/>
+              <a:t>[4]</a:t>
+            </a:r>
+          </a:p>
+        </p:txBody>
+      </p:sp>
+    </p:spTree>
+    <p:extLst>
+      <p:ext uri="{BB962C8B-B14F-4D97-AF65-F5344CB8AC3E}">
+        <p14:creationId xmlns:p14="http://schemas.microsoft.com/office/powerpoint/2010/main" val="1795187389"/>
       </p:ext>
     </p:extLst>
   </p:cSld>
